--- a/ANGSD_final.pptx
+++ b/ANGSD_final.pptx
@@ -8,26 +8,30 @@
     <p:sldId id="256" r:id="rId2"/>
     <p:sldId id="270" r:id="rId3"/>
     <p:sldId id="257" r:id="rId4"/>
-    <p:sldId id="271" r:id="rId5"/>
-    <p:sldId id="258" r:id="rId6"/>
-    <p:sldId id="259" r:id="rId7"/>
-    <p:sldId id="260" r:id="rId8"/>
-    <p:sldId id="262" r:id="rId9"/>
-    <p:sldId id="268" r:id="rId10"/>
-    <p:sldId id="266" r:id="rId11"/>
+    <p:sldId id="282" r:id="rId5"/>
+    <p:sldId id="271" r:id="rId6"/>
+    <p:sldId id="258" r:id="rId7"/>
+    <p:sldId id="259" r:id="rId8"/>
+    <p:sldId id="260" r:id="rId9"/>
+    <p:sldId id="262" r:id="rId10"/>
+    <p:sldId id="268" r:id="rId11"/>
     <p:sldId id="263" r:id="rId12"/>
     <p:sldId id="264" r:id="rId13"/>
     <p:sldId id="265" r:id="rId14"/>
-    <p:sldId id="267" r:id="rId15"/>
-    <p:sldId id="272" r:id="rId16"/>
+    <p:sldId id="272" r:id="rId15"/>
+    <p:sldId id="273" r:id="rId16"/>
     <p:sldId id="269" r:id="rId17"/>
-    <p:sldId id="273" r:id="rId18"/>
-    <p:sldId id="274" r:id="rId19"/>
-    <p:sldId id="275" r:id="rId20"/>
-    <p:sldId id="276" r:id="rId21"/>
-    <p:sldId id="277" r:id="rId22"/>
-    <p:sldId id="278" r:id="rId23"/>
-    <p:sldId id="261" r:id="rId24"/>
+    <p:sldId id="274" r:id="rId18"/>
+    <p:sldId id="275" r:id="rId19"/>
+    <p:sldId id="276" r:id="rId20"/>
+    <p:sldId id="280" r:id="rId21"/>
+    <p:sldId id="279" r:id="rId22"/>
+    <p:sldId id="277" r:id="rId23"/>
+    <p:sldId id="278" r:id="rId24"/>
+    <p:sldId id="261" r:id="rId25"/>
+    <p:sldId id="281" r:id="rId26"/>
+    <p:sldId id="266" r:id="rId27"/>
+    <p:sldId id="267" r:id="rId28"/>
   </p:sldIdLst>
   <p:sldSz cx="12192000" cy="6858000"/>
   <p:notesSz cx="6858000" cy="9144000"/>
@@ -3378,7 +3382,7 @@
           <a:p>
             <a:r>
               <a:rPr lang="en-US" altLang="zh-CN" sz="3600" dirty="0"/>
-              <a:t>Do Gene Expression Profiles Differ Based on Time-Course RNA-seq Data Between Drug-Sensitive and –Resistant Cell Lines</a:t>
+              <a:t>Do Gene Expression Profiles Differ Based on Time-Course RNA-seq Data Between Drug-Sensitive and –Resistant Glioma Cell Lines</a:t>
             </a:r>
             <a:endParaRPr lang="en-US" sz="3600" dirty="0"/>
           </a:p>
@@ -3494,10 +3498,10 @@
       </p:grpSpPr>
       <p:sp>
         <p:nvSpPr>
-          <p:cNvPr id="4" name="TextBox 3">
-            <a:extLst>
-              <a:ext uri="{FF2B5EF4-FFF2-40B4-BE49-F238E27FC236}">
-                <a16:creationId xmlns:a16="http://schemas.microsoft.com/office/drawing/2014/main" id="{F11A030C-65AB-42A0-922C-A035DC97D23C}"/>
+          <p:cNvPr id="2" name="TextBox 1">
+            <a:extLst>
+              <a:ext uri="{FF2B5EF4-FFF2-40B4-BE49-F238E27FC236}">
+                <a16:creationId xmlns:a16="http://schemas.microsoft.com/office/drawing/2014/main" id="{40C613F9-DEE1-4EEF-AF50-E8BF2554EDE9}"/>
               </a:ext>
             </a:extLst>
           </p:cNvPr>
@@ -3505,9 +3509,9 @@
           <p:nvPr/>
         </p:nvSpPr>
         <p:spPr>
-          <a:xfrm flipH="1">
-            <a:off x="694591" y="358728"/>
-            <a:ext cx="6137031" cy="584775"/>
+          <a:xfrm>
+            <a:off x="542260" y="520996"/>
+            <a:ext cx="3021468" cy="646331"/>
           </a:xfrm>
           <a:prstGeom prst="rect">
             <a:avLst/>
@@ -3515,323 +3519,14 @@
           <a:noFill/>
         </p:spPr>
         <p:txBody>
-          <a:bodyPr wrap="square" rtlCol="0">
-            <a:spAutoFit/>
-          </a:bodyPr>
-          <a:lstStyle/>
-          <a:p>
-            <a:r>
-              <a:rPr lang="en-US" altLang="zh-CN" sz="3200" dirty="0"/>
-              <a:t>Raw Data Quality Control Summary</a:t>
-            </a:r>
-            <a:endParaRPr lang="en-US" sz="3200" dirty="0"/>
-          </a:p>
-        </p:txBody>
-      </p:sp>
-      <p:sp>
-        <p:nvSpPr>
-          <p:cNvPr id="2" name="TextBox 1">
-            <a:extLst>
-              <a:ext uri="{FF2B5EF4-FFF2-40B4-BE49-F238E27FC236}">
-                <a16:creationId xmlns:a16="http://schemas.microsoft.com/office/drawing/2014/main" id="{56067F8D-2853-4C6B-9A9A-9DC1FF89B676}"/>
-              </a:ext>
-            </a:extLst>
-          </p:cNvPr>
-          <p:cNvSpPr txBox="1"/>
-          <p:nvPr/>
-        </p:nvSpPr>
-        <p:spPr>
-          <a:xfrm>
-            <a:off x="800100" y="1793631"/>
-            <a:ext cx="3202864" cy="369332"/>
-          </a:xfrm>
-          <a:prstGeom prst="rect">
-            <a:avLst/>
-          </a:prstGeom>
-          <a:noFill/>
-        </p:spPr>
-        <p:txBody>
           <a:bodyPr wrap="none" rtlCol="0">
             <a:spAutoFit/>
           </a:bodyPr>
           <a:lstStyle/>
           <a:p>
-            <a:pPr marL="285750" indent="-285750">
-              <a:buFont typeface="Arial" panose="020B0604020202020204" pitchFamily="34" charset="0"/>
-              <a:buChar char="•"/>
-            </a:pPr>
-            <a:r>
-              <a:rPr lang="en-US" altLang="zh-CN" dirty="0"/>
-              <a:t>High total sequencing quality</a:t>
-            </a:r>
-            <a:endParaRPr lang="en-US" dirty="0"/>
-          </a:p>
-        </p:txBody>
-      </p:sp>
-      <p:sp>
-        <p:nvSpPr>
-          <p:cNvPr id="6" name="TextBox 5">
-            <a:extLst>
-              <a:ext uri="{FF2B5EF4-FFF2-40B4-BE49-F238E27FC236}">
-                <a16:creationId xmlns:a16="http://schemas.microsoft.com/office/drawing/2014/main" id="{6C3659B9-15B3-4EA1-81D9-65A153930F0C}"/>
-              </a:ext>
-            </a:extLst>
-          </p:cNvPr>
-          <p:cNvSpPr txBox="1"/>
-          <p:nvPr/>
-        </p:nvSpPr>
-        <p:spPr>
-          <a:xfrm>
-            <a:off x="800100" y="2356338"/>
-            <a:ext cx="3146759" cy="369332"/>
-          </a:xfrm>
-          <a:prstGeom prst="rect">
-            <a:avLst/>
-          </a:prstGeom>
-          <a:noFill/>
-        </p:spPr>
-        <p:txBody>
-          <a:bodyPr wrap="none" rtlCol="0">
-            <a:spAutoFit/>
-          </a:bodyPr>
-          <a:lstStyle/>
-          <a:p>
-            <a:pPr marL="285750" indent="-285750">
-              <a:buFont typeface="Arial" panose="020B0604020202020204" pitchFamily="34" charset="0"/>
-              <a:buChar char="•"/>
-            </a:pPr>
-            <a:r>
-              <a:rPr lang="en-US" altLang="zh-CN" dirty="0"/>
-              <a:t>Reasonable duplication level</a:t>
-            </a:r>
-            <a:endParaRPr lang="en-US" dirty="0"/>
-          </a:p>
-        </p:txBody>
-      </p:sp>
-      <p:sp>
-        <p:nvSpPr>
-          <p:cNvPr id="8" name="TextBox 7">
-            <a:extLst>
-              <a:ext uri="{FF2B5EF4-FFF2-40B4-BE49-F238E27FC236}">
-                <a16:creationId xmlns:a16="http://schemas.microsoft.com/office/drawing/2014/main" id="{01115033-BF77-4C16-B59D-2525EA7F531A}"/>
-              </a:ext>
-            </a:extLst>
-          </p:cNvPr>
-          <p:cNvSpPr txBox="1"/>
-          <p:nvPr/>
-        </p:nvSpPr>
-        <p:spPr>
-          <a:xfrm>
-            <a:off x="803031" y="2921977"/>
-            <a:ext cx="3789627" cy="369332"/>
-          </a:xfrm>
-          <a:prstGeom prst="rect">
-            <a:avLst/>
-          </a:prstGeom>
-          <a:noFill/>
-        </p:spPr>
-        <p:txBody>
-          <a:bodyPr wrap="none" rtlCol="0">
-            <a:spAutoFit/>
-          </a:bodyPr>
-          <a:lstStyle/>
-          <a:p>
-            <a:pPr marL="285750" indent="-285750">
-              <a:buFont typeface="Arial" panose="020B0604020202020204" pitchFamily="34" charset="0"/>
-              <a:buChar char="•"/>
-            </a:pPr>
-            <a:r>
-              <a:rPr lang="en-US" altLang="zh-CN" dirty="0"/>
-              <a:t>Low overrepresented reads portion</a:t>
-            </a:r>
-            <a:endParaRPr lang="en-US" dirty="0"/>
-          </a:p>
-        </p:txBody>
-      </p:sp>
-      <p:sp>
-        <p:nvSpPr>
-          <p:cNvPr id="9" name="TextBox 8">
-            <a:extLst>
-              <a:ext uri="{FF2B5EF4-FFF2-40B4-BE49-F238E27FC236}">
-                <a16:creationId xmlns:a16="http://schemas.microsoft.com/office/drawing/2014/main" id="{464C800A-B1C6-4793-BA6A-99E4D9EF3E2F}"/>
-              </a:ext>
-            </a:extLst>
-          </p:cNvPr>
-          <p:cNvSpPr txBox="1"/>
-          <p:nvPr/>
-        </p:nvSpPr>
-        <p:spPr>
-          <a:xfrm>
-            <a:off x="803031" y="3484685"/>
-            <a:ext cx="4381328" cy="369332"/>
-          </a:xfrm>
-          <a:prstGeom prst="rect">
-            <a:avLst/>
-          </a:prstGeom>
-          <a:noFill/>
-        </p:spPr>
-        <p:txBody>
-          <a:bodyPr wrap="none" rtlCol="0">
-            <a:spAutoFit/>
-          </a:bodyPr>
-          <a:lstStyle/>
-          <a:p>
-            <a:pPr marL="285750" indent="-285750">
-              <a:buFont typeface="Arial" panose="020B0604020202020204" pitchFamily="34" charset="0"/>
-              <a:buChar char="•"/>
-            </a:pPr>
-            <a:r>
-              <a:rPr lang="en-US" altLang="zh-CN" dirty="0"/>
-              <a:t>No adapters detected (figures not shown)</a:t>
-            </a:r>
-            <a:endParaRPr lang="en-US" dirty="0"/>
-          </a:p>
-        </p:txBody>
-      </p:sp>
-      <p:sp>
-        <p:nvSpPr>
-          <p:cNvPr id="10" name="TextBox 9">
-            <a:extLst>
-              <a:ext uri="{FF2B5EF4-FFF2-40B4-BE49-F238E27FC236}">
-                <a16:creationId xmlns:a16="http://schemas.microsoft.com/office/drawing/2014/main" id="{BEC7DEAD-61E8-4B09-9868-6C309636BC3C}"/>
-              </a:ext>
-            </a:extLst>
-          </p:cNvPr>
-          <p:cNvSpPr txBox="1"/>
-          <p:nvPr/>
-        </p:nvSpPr>
-        <p:spPr>
-          <a:xfrm>
-            <a:off x="803031" y="4865077"/>
-            <a:ext cx="7660110" cy="369332"/>
-          </a:xfrm>
-          <a:prstGeom prst="rect">
-            <a:avLst/>
-          </a:prstGeom>
-          <a:noFill/>
-        </p:spPr>
-        <p:txBody>
-          <a:bodyPr wrap="none" rtlCol="0">
-            <a:spAutoFit/>
-          </a:bodyPr>
-          <a:lstStyle/>
-          <a:p>
-            <a:pPr marL="285750" indent="-285750">
-              <a:buFont typeface="Arial" panose="020B0604020202020204" pitchFamily="34" charset="0"/>
-              <a:buChar char="•"/>
-            </a:pPr>
-            <a:r>
-              <a:rPr lang="en-US" altLang="zh-CN" dirty="0"/>
-              <a:t>Sample </a:t>
-            </a:r>
-            <a:r>
-              <a:rPr lang="en-US" altLang="zh-CN" dirty="0" err="1"/>
-              <a:t>resistant_48_R1</a:t>
-            </a:r>
-            <a:r>
-              <a:rPr lang="en-US" altLang="zh-CN" dirty="0"/>
-              <a:t> has unrecognized based due to sequencer problems</a:t>
-            </a:r>
-            <a:endParaRPr lang="en-US" dirty="0"/>
-          </a:p>
-        </p:txBody>
-      </p:sp>
-      <p:sp>
-        <p:nvSpPr>
-          <p:cNvPr id="5" name="TextBox 4">
-            <a:extLst>
-              <a:ext uri="{FF2B5EF4-FFF2-40B4-BE49-F238E27FC236}">
-                <a16:creationId xmlns:a16="http://schemas.microsoft.com/office/drawing/2014/main" id="{2B0A01E1-5E61-4272-8E57-E649323B3ED9}"/>
-              </a:ext>
-            </a:extLst>
-          </p:cNvPr>
-          <p:cNvSpPr txBox="1"/>
-          <p:nvPr/>
-        </p:nvSpPr>
-        <p:spPr>
-          <a:xfrm>
-            <a:off x="1107831" y="5451231"/>
-            <a:ext cx="8152296" cy="369332"/>
-          </a:xfrm>
-          <a:prstGeom prst="rect">
-            <a:avLst/>
-          </a:prstGeom>
-          <a:noFill/>
-        </p:spPr>
-        <p:txBody>
-          <a:bodyPr wrap="none" rtlCol="0">
-            <a:spAutoFit/>
-          </a:bodyPr>
-          <a:lstStyle/>
-          <a:p>
-            <a:r>
-              <a:rPr lang="en-US" dirty="0"/>
-              <a:t>Whether this problem would badly influence alignment should be carefully checked !</a:t>
-            </a:r>
-          </a:p>
-        </p:txBody>
-      </p:sp>
-    </p:spTree>
-    <p:extLst>
-      <p:ext uri="{BB962C8B-B14F-4D97-AF65-F5344CB8AC3E}">
-        <p14:creationId xmlns:p14="http://schemas.microsoft.com/office/powerpoint/2010/main" val="3319189599"/>
-      </p:ext>
-    </p:extLst>
-  </p:cSld>
-  <p:clrMapOvr>
-    <a:masterClrMapping/>
-  </p:clrMapOvr>
-</p:sld>
-</file>
-
-<file path=ppt/slides/slide11.xml><?xml version="1.0" encoding="utf-8"?>
-<p:sld xmlns:a="http://schemas.openxmlformats.org/drawingml/2006/main" xmlns:r="http://schemas.openxmlformats.org/officeDocument/2006/relationships" xmlns:p="http://schemas.openxmlformats.org/presentationml/2006/main">
-  <p:cSld>
-    <p:spTree>
-      <p:nvGrpSpPr>
-        <p:cNvPr id="1" name=""/>
-        <p:cNvGrpSpPr/>
-        <p:nvPr/>
-      </p:nvGrpSpPr>
-      <p:grpSpPr>
-        <a:xfrm>
-          <a:off x="0" y="0"/>
-          <a:ext cx="0" cy="0"/>
-          <a:chOff x="0" y="0"/>
-          <a:chExt cx="0" cy="0"/>
-        </a:xfrm>
-      </p:grpSpPr>
-      <p:sp>
-        <p:nvSpPr>
-          <p:cNvPr id="2" name="TextBox 1">
-            <a:extLst>
-              <a:ext uri="{FF2B5EF4-FFF2-40B4-BE49-F238E27FC236}">
-                <a16:creationId xmlns:a16="http://schemas.microsoft.com/office/drawing/2014/main" id="{40C613F9-DEE1-4EEF-AF50-E8BF2554EDE9}"/>
-              </a:ext>
-            </a:extLst>
-          </p:cNvPr>
-          <p:cNvSpPr txBox="1"/>
-          <p:nvPr/>
-        </p:nvSpPr>
-        <p:spPr>
-          <a:xfrm>
-            <a:off x="542260" y="520996"/>
-            <a:ext cx="5841664" cy="646331"/>
-          </a:xfrm>
-          <a:prstGeom prst="rect">
-            <a:avLst/>
-          </a:prstGeom>
-          <a:noFill/>
-        </p:spPr>
-        <p:txBody>
-          <a:bodyPr wrap="none" rtlCol="0">
-            <a:spAutoFit/>
-          </a:bodyPr>
-          <a:lstStyle/>
-          <a:p>
             <a:r>
               <a:rPr lang="en-US" sz="3600" dirty="0"/>
-              <a:t>Quality Control On Alignments</a:t>
+              <a:t>Quality Control</a:t>
             </a:r>
           </a:p>
         </p:txBody>
@@ -3850,7 +3545,7 @@
         </p:nvGrpSpPr>
         <p:grpSpPr>
           <a:xfrm>
-            <a:off x="9099016" y="2479432"/>
+            <a:off x="8070316" y="2233247"/>
             <a:ext cx="1411426" cy="800155"/>
             <a:chOff x="9239693" y="3323492"/>
             <a:chExt cx="1411426" cy="800155"/>
@@ -4033,10 +3728,10 @@
       </p:grpSp>
       <p:sp>
         <p:nvSpPr>
-          <p:cNvPr id="16" name="TextBox 15">
-            <a:extLst>
-              <a:ext uri="{FF2B5EF4-FFF2-40B4-BE49-F238E27FC236}">
-                <a16:creationId xmlns:a16="http://schemas.microsoft.com/office/drawing/2014/main" id="{E46B5E0B-BF29-46B5-8907-A912B94A9F75}"/>
+          <p:cNvPr id="15" name="TextBox 14">
+            <a:extLst>
+              <a:ext uri="{FF2B5EF4-FFF2-40B4-BE49-F238E27FC236}">
+                <a16:creationId xmlns:a16="http://schemas.microsoft.com/office/drawing/2014/main" id="{54DAA423-C6C9-4E54-B860-CF6D07E9BB4C}"/>
               </a:ext>
             </a:extLst>
           </p:cNvPr>
@@ -4045,8 +3740,8 @@
         </p:nvSpPr>
         <p:spPr>
           <a:xfrm>
-            <a:off x="8906606" y="3894992"/>
-            <a:ext cx="2362122" cy="646331"/>
+            <a:off x="7948246" y="4193930"/>
+            <a:ext cx="3988464" cy="646331"/>
           </a:xfrm>
           <a:prstGeom prst="rect">
             <a:avLst/>
@@ -4060,29 +3755,24 @@
           <a:lstStyle/>
           <a:p>
             <a:r>
+              <a:rPr lang="en-US" altLang="zh-CN" dirty="0"/>
+              <a:t>Overrepresented sequences only take up</a:t>
+            </a:r>
+          </a:p>
+          <a:p>
+            <a:r>
               <a:rPr lang="en-US" dirty="0"/>
-              <a:t>High mapping ratio</a:t>
-            </a:r>
-          </a:p>
-          <a:p>
-            <a:r>
-              <a:rPr lang="en-US" dirty="0"/>
-              <a:t>Sequencing depth </a:t>
-            </a:r>
-            <a:r>
-              <a:rPr lang="en-US" dirty="0" err="1"/>
-              <a:t>13M</a:t>
-            </a:r>
-            <a:endParaRPr lang="en-US" dirty="0"/>
+              <a:t>a small portion</a:t>
+            </a:r>
           </a:p>
         </p:txBody>
       </p:sp>
       <p:pic>
         <p:nvPicPr>
-          <p:cNvPr id="7" name="Picture 6">
-            <a:extLst>
-              <a:ext uri="{FF2B5EF4-FFF2-40B4-BE49-F238E27FC236}">
-                <a16:creationId xmlns:a16="http://schemas.microsoft.com/office/drawing/2014/main" id="{49F5D112-B8FE-47B8-BF74-C62F259B54F2}"/>
+          <p:cNvPr id="4" name="Picture 3">
+            <a:extLst>
+              <a:ext uri="{FF2B5EF4-FFF2-40B4-BE49-F238E27FC236}">
+                <a16:creationId xmlns:a16="http://schemas.microsoft.com/office/drawing/2014/main" id="{9B0DF0AB-60E9-46F5-9DB4-36D0D49D1E0C}"/>
               </a:ext>
             </a:extLst>
           </p:cNvPr>
@@ -4105,108 +3795,18 @@
         </p:blipFill>
         <p:spPr>
           <a:xfrm>
-            <a:off x="407377" y="1508370"/>
-            <a:ext cx="8024445" cy="5349630"/>
+            <a:off x="381000" y="1424354"/>
+            <a:ext cx="7266843" cy="4844562"/>
           </a:xfrm>
           <a:prstGeom prst="rect">
             <a:avLst/>
           </a:prstGeom>
         </p:spPr>
       </p:pic>
-      <p:cxnSp>
-        <p:nvCxnSpPr>
-          <p:cNvPr id="17" name="Straight Arrow Connector 16">
-            <a:extLst>
-              <a:ext uri="{FF2B5EF4-FFF2-40B4-BE49-F238E27FC236}">
-                <a16:creationId xmlns:a16="http://schemas.microsoft.com/office/drawing/2014/main" id="{D03195E7-604B-4216-B891-FFFF33FD65B1}"/>
-              </a:ext>
-            </a:extLst>
-          </p:cNvPr>
-          <p:cNvCxnSpPr>
-            <a:cxnSpLocks/>
-          </p:cNvCxnSpPr>
-          <p:nvPr/>
-        </p:nvCxnSpPr>
-        <p:spPr>
-          <a:xfrm flipH="1" flipV="1">
-            <a:off x="7367955" y="5134708"/>
-            <a:ext cx="1072660" cy="61546"/>
-          </a:xfrm>
-          <a:prstGeom prst="straightConnector1">
-            <a:avLst/>
-          </a:prstGeom>
-          <a:ln>
-            <a:tailEnd type="triangle"/>
-          </a:ln>
-        </p:spPr>
-        <p:style>
-          <a:lnRef idx="1">
-            <a:schemeClr val="dk1"/>
-          </a:lnRef>
-          <a:fillRef idx="0">
-            <a:schemeClr val="dk1"/>
-          </a:fillRef>
-          <a:effectRef idx="0">
-            <a:schemeClr val="dk1"/>
-          </a:effectRef>
-          <a:fontRef idx="minor">
-            <a:schemeClr val="tx1"/>
-          </a:fontRef>
-        </p:style>
-      </p:cxnSp>
-      <p:sp>
-        <p:nvSpPr>
-          <p:cNvPr id="20" name="TextBox 19">
-            <a:extLst>
-              <a:ext uri="{FF2B5EF4-FFF2-40B4-BE49-F238E27FC236}">
-                <a16:creationId xmlns:a16="http://schemas.microsoft.com/office/drawing/2014/main" id="{509CE11A-3BB2-4EA6-B69C-140DB2707A27}"/>
-              </a:ext>
-            </a:extLst>
-          </p:cNvPr>
-          <p:cNvSpPr txBox="1"/>
-          <p:nvPr/>
-        </p:nvSpPr>
-        <p:spPr>
-          <a:xfrm>
-            <a:off x="8496629" y="5328138"/>
-            <a:ext cx="3695371" cy="646331"/>
-          </a:xfrm>
-          <a:prstGeom prst="rect">
-            <a:avLst/>
-          </a:prstGeom>
-          <a:noFill/>
-        </p:spPr>
-        <p:txBody>
-          <a:bodyPr wrap="none" rtlCol="0">
-            <a:spAutoFit/>
-          </a:bodyPr>
-          <a:lstStyle/>
-          <a:p>
-            <a:r>
-              <a:rPr lang="en-US" dirty="0"/>
-              <a:t>even for the </a:t>
-            </a:r>
-            <a:r>
-              <a:rPr lang="en-US" dirty="0" err="1"/>
-              <a:t>problemetic</a:t>
-            </a:r>
-            <a:r>
-              <a:rPr lang="en-US" dirty="0"/>
-              <a:t> sample</a:t>
-            </a:r>
-          </a:p>
-          <a:p>
-            <a:r>
-              <a:rPr lang="en-US" dirty="0"/>
-              <a:t>may be rescued by mate paired reads</a:t>
-            </a:r>
-          </a:p>
-        </p:txBody>
-      </p:sp>
     </p:spTree>
     <p:extLst>
       <p:ext uri="{BB962C8B-B14F-4D97-AF65-F5344CB8AC3E}">
-        <p14:creationId xmlns:p14="http://schemas.microsoft.com/office/powerpoint/2010/main" val="2433170569"/>
+        <p14:creationId xmlns:p14="http://schemas.microsoft.com/office/powerpoint/2010/main" val="84480270"/>
       </p:ext>
     </p:extLst>
   </p:cSld>
@@ -4216,7 +3816,7 @@
 </p:sld>
 </file>
 
-<file path=ppt/slides/slide12.xml><?xml version="1.0" encoding="utf-8"?>
+<file path=ppt/slides/slide11.xml><?xml version="1.0" encoding="utf-8"?>
 <p:sld xmlns:a="http://schemas.openxmlformats.org/drawingml/2006/main" xmlns:r="http://schemas.openxmlformats.org/officeDocument/2006/relationships" xmlns:p="http://schemas.openxmlformats.org/presentationml/2006/main">
   <p:cSld>
     <p:spTree>
@@ -4248,7 +3848,7 @@
         <p:spPr>
           <a:xfrm>
             <a:off x="542260" y="520996"/>
-            <a:ext cx="3021468" cy="646331"/>
+            <a:ext cx="5841664" cy="646331"/>
           </a:xfrm>
           <a:prstGeom prst="rect">
             <a:avLst/>
@@ -4263,7 +3863,7 @@
           <a:p>
             <a:r>
               <a:rPr lang="en-US" sz="3600" dirty="0"/>
-              <a:t>Quality Control</a:t>
+              <a:t>Quality Control On Alignments</a:t>
             </a:r>
           </a:p>
         </p:txBody>
@@ -4282,7 +3882,7 @@
         </p:nvGrpSpPr>
         <p:grpSpPr>
           <a:xfrm>
-            <a:off x="9415539" y="2927839"/>
+            <a:off x="9099016" y="2479432"/>
             <a:ext cx="1411426" cy="800155"/>
             <a:chOff x="9239693" y="3323492"/>
             <a:chExt cx="1411426" cy="800155"/>
@@ -4477,8 +4077,8 @@
         </p:nvSpPr>
         <p:spPr>
           <a:xfrm>
-            <a:off x="8546122" y="4677508"/>
-            <a:ext cx="3156439" cy="923330"/>
+            <a:off x="8906606" y="3894992"/>
+            <a:ext cx="2362122" cy="646331"/>
           </a:xfrm>
           <a:prstGeom prst="rect">
             <a:avLst/>
@@ -4486,32 +4086,35 @@
           <a:noFill/>
         </p:spPr>
         <p:txBody>
-          <a:bodyPr wrap="square" rtlCol="0">
+          <a:bodyPr wrap="none" rtlCol="0">
             <a:spAutoFit/>
           </a:bodyPr>
           <a:lstStyle/>
           <a:p>
             <a:r>
               <a:rPr lang="en-US" dirty="0"/>
-              <a:t>Only small portion of reads are mapped to CDS, number around </a:t>
+              <a:t>High mapping ratio</a:t>
+            </a:r>
+          </a:p>
+          <a:p>
+            <a:r>
+              <a:rPr lang="en-US" dirty="0"/>
+              <a:t>Sequencing depth </a:t>
             </a:r>
             <a:r>
               <a:rPr lang="en-US" dirty="0" err="1"/>
-              <a:t>2.5M</a:t>
-            </a:r>
-            <a:r>
-              <a:rPr lang="en-US" dirty="0"/>
-              <a:t> each sample</a:t>
-            </a:r>
+              <a:t>13M</a:t>
+            </a:r>
+            <a:endParaRPr lang="en-US" dirty="0"/>
           </a:p>
         </p:txBody>
       </p:sp>
       <p:pic>
         <p:nvPicPr>
-          <p:cNvPr id="6" name="Picture 5">
-            <a:extLst>
-              <a:ext uri="{FF2B5EF4-FFF2-40B4-BE49-F238E27FC236}">
-                <a16:creationId xmlns:a16="http://schemas.microsoft.com/office/drawing/2014/main" id="{8582EAE8-27B5-4065-BDBD-7B79EAE07F87}"/>
+          <p:cNvPr id="7" name="Picture 6">
+            <a:extLst>
+              <a:ext uri="{FF2B5EF4-FFF2-40B4-BE49-F238E27FC236}">
+                <a16:creationId xmlns:a16="http://schemas.microsoft.com/office/drawing/2014/main" id="{49F5D112-B8FE-47B8-BF74-C62F259B54F2}"/>
               </a:ext>
             </a:extLst>
           </p:cNvPr>
@@ -4534,18 +4137,106 @@
         </p:blipFill>
         <p:spPr>
           <a:xfrm>
-            <a:off x="284284" y="1232878"/>
-            <a:ext cx="8173916" cy="5449277"/>
+            <a:off x="407377" y="1508370"/>
+            <a:ext cx="8024445" cy="5349630"/>
           </a:xfrm>
           <a:prstGeom prst="rect">
             <a:avLst/>
           </a:prstGeom>
         </p:spPr>
       </p:pic>
+      <p:cxnSp>
+        <p:nvCxnSpPr>
+          <p:cNvPr id="17" name="Straight Arrow Connector 16">
+            <a:extLst>
+              <a:ext uri="{FF2B5EF4-FFF2-40B4-BE49-F238E27FC236}">
+                <a16:creationId xmlns:a16="http://schemas.microsoft.com/office/drawing/2014/main" id="{D03195E7-604B-4216-B891-FFFF33FD65B1}"/>
+              </a:ext>
+            </a:extLst>
+          </p:cNvPr>
+          <p:cNvCxnSpPr>
+            <a:cxnSpLocks/>
+          </p:cNvCxnSpPr>
+          <p:nvPr/>
+        </p:nvCxnSpPr>
+        <p:spPr>
+          <a:xfrm flipH="1" flipV="1">
+            <a:off x="7367955" y="5134708"/>
+            <a:ext cx="1072660" cy="61546"/>
+          </a:xfrm>
+          <a:prstGeom prst="straightConnector1">
+            <a:avLst/>
+          </a:prstGeom>
+          <a:ln>
+            <a:tailEnd type="triangle"/>
+          </a:ln>
+        </p:spPr>
+        <p:style>
+          <a:lnRef idx="1">
+            <a:schemeClr val="dk1"/>
+          </a:lnRef>
+          <a:fillRef idx="0">
+            <a:schemeClr val="dk1"/>
+          </a:fillRef>
+          <a:effectRef idx="0">
+            <a:schemeClr val="dk1"/>
+          </a:effectRef>
+          <a:fontRef idx="minor">
+            <a:schemeClr val="tx1"/>
+          </a:fontRef>
+        </p:style>
+      </p:cxnSp>
+      <p:sp>
+        <p:nvSpPr>
+          <p:cNvPr id="20" name="TextBox 19">
+            <a:extLst>
+              <a:ext uri="{FF2B5EF4-FFF2-40B4-BE49-F238E27FC236}">
+                <a16:creationId xmlns:a16="http://schemas.microsoft.com/office/drawing/2014/main" id="{509CE11A-3BB2-4EA6-B69C-140DB2707A27}"/>
+              </a:ext>
+            </a:extLst>
+          </p:cNvPr>
+          <p:cNvSpPr txBox="1"/>
+          <p:nvPr/>
+        </p:nvSpPr>
+        <p:spPr>
+          <a:xfrm>
+            <a:off x="8496629" y="5328138"/>
+            <a:ext cx="3807324" cy="923330"/>
+          </a:xfrm>
+          <a:prstGeom prst="rect">
+            <a:avLst/>
+          </a:prstGeom>
+          <a:noFill/>
+        </p:spPr>
+        <p:txBody>
+          <a:bodyPr wrap="none" rtlCol="0">
+            <a:spAutoFit/>
+          </a:bodyPr>
+          <a:lstStyle/>
+          <a:p>
+            <a:r>
+              <a:rPr lang="en-US" dirty="0"/>
+              <a:t>even for the problematic sample</a:t>
+            </a:r>
+          </a:p>
+          <a:p>
+            <a:r>
+              <a:rPr lang="en-US" dirty="0"/>
+              <a:t>the minimum overlap for mapping is 3</a:t>
+            </a:r>
+          </a:p>
+          <a:p>
+            <a:r>
+              <a:rPr lang="en-US" dirty="0"/>
+              <a:t>bases in STAR</a:t>
+            </a:r>
+          </a:p>
+        </p:txBody>
+      </p:sp>
     </p:spTree>
     <p:extLst>
       <p:ext uri="{BB962C8B-B14F-4D97-AF65-F5344CB8AC3E}">
-        <p14:creationId xmlns:p14="http://schemas.microsoft.com/office/powerpoint/2010/main" val="4084297046"/>
+        <p14:creationId xmlns:p14="http://schemas.microsoft.com/office/powerpoint/2010/main" val="2433170569"/>
       </p:ext>
     </p:extLst>
   </p:cSld>
@@ -4555,7 +4246,7 @@
 </p:sld>
 </file>
 
-<file path=ppt/slides/slide13.xml><?xml version="1.0" encoding="utf-8"?>
+<file path=ppt/slides/slide12.xml><?xml version="1.0" encoding="utf-8"?>
 <p:sld xmlns:a="http://schemas.openxmlformats.org/drawingml/2006/main" xmlns:r="http://schemas.openxmlformats.org/officeDocument/2006/relationships" xmlns:p="http://schemas.openxmlformats.org/presentationml/2006/main">
   <p:cSld>
     <p:spTree>
@@ -4621,7 +4312,7 @@
         </p:nvGrpSpPr>
         <p:grpSpPr>
           <a:xfrm>
-            <a:off x="9204524" y="2857501"/>
+            <a:off x="9415539" y="2927839"/>
             <a:ext cx="1411426" cy="800155"/>
             <a:chOff x="9239693" y="3323492"/>
             <a:chExt cx="1411426" cy="800155"/>
@@ -4816,6 +4507,345 @@
         </p:nvSpPr>
         <p:spPr>
           <a:xfrm>
+            <a:off x="8546122" y="4677508"/>
+            <a:ext cx="3156439" cy="923330"/>
+          </a:xfrm>
+          <a:prstGeom prst="rect">
+            <a:avLst/>
+          </a:prstGeom>
+          <a:noFill/>
+        </p:spPr>
+        <p:txBody>
+          <a:bodyPr wrap="square" rtlCol="0">
+            <a:spAutoFit/>
+          </a:bodyPr>
+          <a:lstStyle/>
+          <a:p>
+            <a:r>
+              <a:rPr lang="en-US" dirty="0"/>
+              <a:t>Only small portion of reads are mapped to CDS, number around </a:t>
+            </a:r>
+            <a:r>
+              <a:rPr lang="en-US" dirty="0" err="1"/>
+              <a:t>2.5M</a:t>
+            </a:r>
+            <a:r>
+              <a:rPr lang="en-US" dirty="0"/>
+              <a:t> each sample</a:t>
+            </a:r>
+          </a:p>
+        </p:txBody>
+      </p:sp>
+      <p:pic>
+        <p:nvPicPr>
+          <p:cNvPr id="6" name="Picture 5">
+            <a:extLst>
+              <a:ext uri="{FF2B5EF4-FFF2-40B4-BE49-F238E27FC236}">
+                <a16:creationId xmlns:a16="http://schemas.microsoft.com/office/drawing/2014/main" id="{8582EAE8-27B5-4065-BDBD-7B79EAE07F87}"/>
+              </a:ext>
+            </a:extLst>
+          </p:cNvPr>
+          <p:cNvPicPr>
+            <a:picLocks noChangeAspect="1"/>
+          </p:cNvPicPr>
+          <p:nvPr/>
+        </p:nvPicPr>
+        <p:blipFill>
+          <a:blip r:embed="rId2">
+            <a:extLst>
+              <a:ext uri="{28A0092B-C50C-407E-A947-70E740481C1C}">
+                <a14:useLocalDpi xmlns:a14="http://schemas.microsoft.com/office/drawing/2010/main" val="0"/>
+              </a:ext>
+            </a:extLst>
+          </a:blip>
+          <a:stretch>
+            <a:fillRect/>
+          </a:stretch>
+        </p:blipFill>
+        <p:spPr>
+          <a:xfrm>
+            <a:off x="284284" y="1232878"/>
+            <a:ext cx="8173916" cy="5449277"/>
+          </a:xfrm>
+          <a:prstGeom prst="rect">
+            <a:avLst/>
+          </a:prstGeom>
+        </p:spPr>
+      </p:pic>
+    </p:spTree>
+    <p:extLst>
+      <p:ext uri="{BB962C8B-B14F-4D97-AF65-F5344CB8AC3E}">
+        <p14:creationId xmlns:p14="http://schemas.microsoft.com/office/powerpoint/2010/main" val="4084297046"/>
+      </p:ext>
+    </p:extLst>
+  </p:cSld>
+  <p:clrMapOvr>
+    <a:masterClrMapping/>
+  </p:clrMapOvr>
+</p:sld>
+</file>
+
+<file path=ppt/slides/slide13.xml><?xml version="1.0" encoding="utf-8"?>
+<p:sld xmlns:a="http://schemas.openxmlformats.org/drawingml/2006/main" xmlns:r="http://schemas.openxmlformats.org/officeDocument/2006/relationships" xmlns:p="http://schemas.openxmlformats.org/presentationml/2006/main">
+  <p:cSld>
+    <p:spTree>
+      <p:nvGrpSpPr>
+        <p:cNvPr id="1" name=""/>
+        <p:cNvGrpSpPr/>
+        <p:nvPr/>
+      </p:nvGrpSpPr>
+      <p:grpSpPr>
+        <a:xfrm>
+          <a:off x="0" y="0"/>
+          <a:ext cx="0" cy="0"/>
+          <a:chOff x="0" y="0"/>
+          <a:chExt cx="0" cy="0"/>
+        </a:xfrm>
+      </p:grpSpPr>
+      <p:sp>
+        <p:nvSpPr>
+          <p:cNvPr id="2" name="TextBox 1">
+            <a:extLst>
+              <a:ext uri="{FF2B5EF4-FFF2-40B4-BE49-F238E27FC236}">
+                <a16:creationId xmlns:a16="http://schemas.microsoft.com/office/drawing/2014/main" id="{40C613F9-DEE1-4EEF-AF50-E8BF2554EDE9}"/>
+              </a:ext>
+            </a:extLst>
+          </p:cNvPr>
+          <p:cNvSpPr txBox="1"/>
+          <p:nvPr/>
+        </p:nvSpPr>
+        <p:spPr>
+          <a:xfrm>
+            <a:off x="542260" y="520996"/>
+            <a:ext cx="3021468" cy="646331"/>
+          </a:xfrm>
+          <a:prstGeom prst="rect">
+            <a:avLst/>
+          </a:prstGeom>
+          <a:noFill/>
+        </p:spPr>
+        <p:txBody>
+          <a:bodyPr wrap="none" rtlCol="0">
+            <a:spAutoFit/>
+          </a:bodyPr>
+          <a:lstStyle/>
+          <a:p>
+            <a:r>
+              <a:rPr lang="en-US" sz="3600" dirty="0"/>
+              <a:t>Quality Control</a:t>
+            </a:r>
+          </a:p>
+        </p:txBody>
+      </p:sp>
+      <p:grpSp>
+        <p:nvGrpSpPr>
+          <p:cNvPr id="14" name="Group 13">
+            <a:extLst>
+              <a:ext uri="{FF2B5EF4-FFF2-40B4-BE49-F238E27FC236}">
+                <a16:creationId xmlns:a16="http://schemas.microsoft.com/office/drawing/2014/main" id="{566F161C-C8CE-488D-96D9-D89B81BE87DC}"/>
+              </a:ext>
+            </a:extLst>
+          </p:cNvPr>
+          <p:cNvGrpSpPr/>
+          <p:nvPr/>
+        </p:nvGrpSpPr>
+        <p:grpSpPr>
+          <a:xfrm>
+            <a:off x="9204524" y="2857501"/>
+            <a:ext cx="1411426" cy="800155"/>
+            <a:chOff x="9239693" y="3323492"/>
+            <a:chExt cx="1411426" cy="800155"/>
+          </a:xfrm>
+        </p:grpSpPr>
+        <p:sp>
+          <p:nvSpPr>
+            <p:cNvPr id="9" name="Oval 8">
+              <a:extLst>
+                <a:ext uri="{FF2B5EF4-FFF2-40B4-BE49-F238E27FC236}">
+                  <a16:creationId xmlns:a16="http://schemas.microsoft.com/office/drawing/2014/main" id="{EFBE449C-9BFA-4BEF-AC17-D564354637F8}"/>
+                </a:ext>
+              </a:extLst>
+            </p:cNvPr>
+            <p:cNvSpPr/>
+            <p:nvPr/>
+          </p:nvSpPr>
+          <p:spPr>
+            <a:xfrm>
+              <a:off x="9239693" y="3807273"/>
+              <a:ext cx="233916" cy="233916"/>
+            </a:xfrm>
+            <a:prstGeom prst="ellipse">
+              <a:avLst/>
+            </a:prstGeom>
+            <a:solidFill>
+              <a:srgbClr val="FF0000"/>
+            </a:solidFill>
+            <a:ln>
+              <a:noFill/>
+            </a:ln>
+          </p:spPr>
+          <p:style>
+            <a:lnRef idx="2">
+              <a:schemeClr val="accent1">
+                <a:shade val="50000"/>
+              </a:schemeClr>
+            </a:lnRef>
+            <a:fillRef idx="1">
+              <a:schemeClr val="accent1"/>
+            </a:fillRef>
+            <a:effectRef idx="0">
+              <a:schemeClr val="accent1"/>
+            </a:effectRef>
+            <a:fontRef idx="minor">
+              <a:schemeClr val="lt1"/>
+            </a:fontRef>
+          </p:style>
+          <p:txBody>
+            <a:bodyPr rtlCol="0" anchor="ctr"/>
+            <a:lstStyle/>
+            <a:p>
+              <a:pPr algn="ctr"/>
+              <a:endParaRPr lang="en-US"/>
+            </a:p>
+          </p:txBody>
+        </p:sp>
+        <p:sp>
+          <p:nvSpPr>
+            <p:cNvPr id="11" name="Oval 10">
+              <a:extLst>
+                <a:ext uri="{FF2B5EF4-FFF2-40B4-BE49-F238E27FC236}">
+                  <a16:creationId xmlns:a16="http://schemas.microsoft.com/office/drawing/2014/main" id="{860AB705-EBA6-45AE-874B-C05F85B15742}"/>
+                </a:ext>
+              </a:extLst>
+            </p:cNvPr>
+            <p:cNvSpPr/>
+            <p:nvPr/>
+          </p:nvSpPr>
+          <p:spPr>
+            <a:xfrm>
+              <a:off x="9239693" y="3411619"/>
+              <a:ext cx="233916" cy="233916"/>
+            </a:xfrm>
+            <a:prstGeom prst="ellipse">
+              <a:avLst/>
+            </a:prstGeom>
+            <a:solidFill>
+              <a:srgbClr val="2F7AB6"/>
+            </a:solidFill>
+            <a:ln>
+              <a:noFill/>
+            </a:ln>
+          </p:spPr>
+          <p:style>
+            <a:lnRef idx="2">
+              <a:schemeClr val="accent1">
+                <a:shade val="50000"/>
+              </a:schemeClr>
+            </a:lnRef>
+            <a:fillRef idx="1">
+              <a:schemeClr val="accent1"/>
+            </a:fillRef>
+            <a:effectRef idx="0">
+              <a:schemeClr val="accent1"/>
+            </a:effectRef>
+            <a:fontRef idx="minor">
+              <a:schemeClr val="lt1"/>
+            </a:fontRef>
+          </p:style>
+          <p:txBody>
+            <a:bodyPr rtlCol="0" anchor="ctr"/>
+            <a:lstStyle/>
+            <a:p>
+              <a:pPr algn="ctr"/>
+              <a:endParaRPr lang="en-US"/>
+            </a:p>
+          </p:txBody>
+        </p:sp>
+        <p:sp>
+          <p:nvSpPr>
+            <p:cNvPr id="12" name="TextBox 11">
+              <a:extLst>
+                <a:ext uri="{FF2B5EF4-FFF2-40B4-BE49-F238E27FC236}">
+                  <a16:creationId xmlns:a16="http://schemas.microsoft.com/office/drawing/2014/main" id="{106F2302-DC20-4919-99B7-C7D8CE8F9C18}"/>
+                </a:ext>
+              </a:extLst>
+            </p:cNvPr>
+            <p:cNvSpPr txBox="1"/>
+            <p:nvPr/>
+          </p:nvSpPr>
+          <p:spPr>
+            <a:xfrm>
+              <a:off x="9618785" y="3323492"/>
+              <a:ext cx="1017586" cy="369332"/>
+            </a:xfrm>
+            <a:prstGeom prst="rect">
+              <a:avLst/>
+            </a:prstGeom>
+            <a:noFill/>
+          </p:spPr>
+          <p:txBody>
+            <a:bodyPr wrap="none" rtlCol="0">
+              <a:spAutoFit/>
+            </a:bodyPr>
+            <a:lstStyle/>
+            <a:p>
+              <a:r>
+                <a:rPr lang="en-US" dirty="0"/>
+                <a:t>Sensitive</a:t>
+              </a:r>
+            </a:p>
+          </p:txBody>
+        </p:sp>
+        <p:sp>
+          <p:nvSpPr>
+            <p:cNvPr id="13" name="TextBox 12">
+              <a:extLst>
+                <a:ext uri="{FF2B5EF4-FFF2-40B4-BE49-F238E27FC236}">
+                  <a16:creationId xmlns:a16="http://schemas.microsoft.com/office/drawing/2014/main" id="{4FD512B5-40DE-430C-B3EE-483906B5681D}"/>
+                </a:ext>
+              </a:extLst>
+            </p:cNvPr>
+            <p:cNvSpPr txBox="1"/>
+            <p:nvPr/>
+          </p:nvSpPr>
+          <p:spPr>
+            <a:xfrm>
+              <a:off x="9618785" y="3754315"/>
+              <a:ext cx="1032334" cy="369332"/>
+            </a:xfrm>
+            <a:prstGeom prst="rect">
+              <a:avLst/>
+            </a:prstGeom>
+            <a:noFill/>
+          </p:spPr>
+          <p:txBody>
+            <a:bodyPr wrap="none" rtlCol="0">
+              <a:spAutoFit/>
+            </a:bodyPr>
+            <a:lstStyle/>
+            <a:p>
+              <a:r>
+                <a:rPr lang="en-US" dirty="0"/>
+                <a:t>Resistant</a:t>
+              </a:r>
+            </a:p>
+          </p:txBody>
+        </p:sp>
+      </p:grpSp>
+      <p:sp>
+        <p:nvSpPr>
+          <p:cNvPr id="16" name="TextBox 15">
+            <a:extLst>
+              <a:ext uri="{FF2B5EF4-FFF2-40B4-BE49-F238E27FC236}">
+                <a16:creationId xmlns:a16="http://schemas.microsoft.com/office/drawing/2014/main" id="{E46B5E0B-BF29-46B5-8907-A912B94A9F75}"/>
+              </a:ext>
+            </a:extLst>
+          </p:cNvPr>
+          <p:cNvSpPr txBox="1"/>
+          <p:nvPr/>
+        </p:nvSpPr>
+        <p:spPr>
+          <a:xfrm>
             <a:off x="8897815" y="4950069"/>
             <a:ext cx="3156439" cy="369332"/>
           </a:xfrm>
@@ -4887,285 +4917,6 @@
 </file>
 
 <file path=ppt/slides/slide14.xml><?xml version="1.0" encoding="utf-8"?>
-<p:sld xmlns:a="http://schemas.openxmlformats.org/drawingml/2006/main" xmlns:r="http://schemas.openxmlformats.org/officeDocument/2006/relationships" xmlns:p="http://schemas.openxmlformats.org/presentationml/2006/main">
-  <p:cSld>
-    <p:spTree>
-      <p:nvGrpSpPr>
-        <p:cNvPr id="1" name=""/>
-        <p:cNvGrpSpPr/>
-        <p:nvPr/>
-      </p:nvGrpSpPr>
-      <p:grpSpPr>
-        <a:xfrm>
-          <a:off x="0" y="0"/>
-          <a:ext cx="0" cy="0"/>
-          <a:chOff x="0" y="0"/>
-          <a:chExt cx="0" cy="0"/>
-        </a:xfrm>
-      </p:grpSpPr>
-      <p:sp>
-        <p:nvSpPr>
-          <p:cNvPr id="4" name="TextBox 3">
-            <a:extLst>
-              <a:ext uri="{FF2B5EF4-FFF2-40B4-BE49-F238E27FC236}">
-                <a16:creationId xmlns:a16="http://schemas.microsoft.com/office/drawing/2014/main" id="{F11A030C-65AB-42A0-922C-A035DC97D23C}"/>
-              </a:ext>
-            </a:extLst>
-          </p:cNvPr>
-          <p:cNvSpPr txBox="1"/>
-          <p:nvPr/>
-        </p:nvSpPr>
-        <p:spPr>
-          <a:xfrm flipH="1">
-            <a:off x="694591" y="358728"/>
-            <a:ext cx="6137031" cy="584775"/>
-          </a:xfrm>
-          <a:prstGeom prst="rect">
-            <a:avLst/>
-          </a:prstGeom>
-          <a:noFill/>
-        </p:spPr>
-        <p:txBody>
-          <a:bodyPr wrap="square" rtlCol="0">
-            <a:spAutoFit/>
-          </a:bodyPr>
-          <a:lstStyle/>
-          <a:p>
-            <a:r>
-              <a:rPr lang="en-US" altLang="zh-CN" sz="3200" dirty="0"/>
-              <a:t>Raw Data Quality Control Summary</a:t>
-            </a:r>
-            <a:endParaRPr lang="en-US" sz="3200" dirty="0"/>
-          </a:p>
-        </p:txBody>
-      </p:sp>
-      <p:sp>
-        <p:nvSpPr>
-          <p:cNvPr id="2" name="TextBox 1">
-            <a:extLst>
-              <a:ext uri="{FF2B5EF4-FFF2-40B4-BE49-F238E27FC236}">
-                <a16:creationId xmlns:a16="http://schemas.microsoft.com/office/drawing/2014/main" id="{56067F8D-2853-4C6B-9A9A-9DC1FF89B676}"/>
-              </a:ext>
-            </a:extLst>
-          </p:cNvPr>
-          <p:cNvSpPr txBox="1"/>
-          <p:nvPr/>
-        </p:nvSpPr>
-        <p:spPr>
-          <a:xfrm>
-            <a:off x="800100" y="1793631"/>
-            <a:ext cx="2203104" cy="369332"/>
-          </a:xfrm>
-          <a:prstGeom prst="rect">
-            <a:avLst/>
-          </a:prstGeom>
-          <a:noFill/>
-        </p:spPr>
-        <p:txBody>
-          <a:bodyPr wrap="none" rtlCol="0">
-            <a:spAutoFit/>
-          </a:bodyPr>
-          <a:lstStyle/>
-          <a:p>
-            <a:pPr marL="285750" indent="-285750">
-              <a:buFont typeface="Arial" panose="020B0604020202020204" pitchFamily="34" charset="0"/>
-              <a:buChar char="•"/>
-            </a:pPr>
-            <a:r>
-              <a:rPr lang="en-US" altLang="zh-CN" dirty="0"/>
-              <a:t>High mapping rate</a:t>
-            </a:r>
-            <a:endParaRPr lang="en-US" dirty="0"/>
-          </a:p>
-        </p:txBody>
-      </p:sp>
-      <p:sp>
-        <p:nvSpPr>
-          <p:cNvPr id="6" name="TextBox 5">
-            <a:extLst>
-              <a:ext uri="{FF2B5EF4-FFF2-40B4-BE49-F238E27FC236}">
-                <a16:creationId xmlns:a16="http://schemas.microsoft.com/office/drawing/2014/main" id="{6C3659B9-15B3-4EA1-81D9-65A153930F0C}"/>
-              </a:ext>
-            </a:extLst>
-          </p:cNvPr>
-          <p:cNvSpPr txBox="1"/>
-          <p:nvPr/>
-        </p:nvSpPr>
-        <p:spPr>
-          <a:xfrm>
-            <a:off x="800100" y="2356338"/>
-            <a:ext cx="3742499" cy="369332"/>
-          </a:xfrm>
-          <a:prstGeom prst="rect">
-            <a:avLst/>
-          </a:prstGeom>
-          <a:noFill/>
-        </p:spPr>
-        <p:txBody>
-          <a:bodyPr wrap="none" rtlCol="0">
-            <a:spAutoFit/>
-          </a:bodyPr>
-          <a:lstStyle/>
-          <a:p>
-            <a:pPr marL="285750" indent="-285750">
-              <a:buFont typeface="Arial" panose="020B0604020202020204" pitchFamily="34" charset="0"/>
-              <a:buChar char="•"/>
-            </a:pPr>
-            <a:r>
-              <a:rPr lang="en-US" altLang="zh-CN" dirty="0"/>
-              <a:t>No obvious 5’ and 3’ bias observed</a:t>
-            </a:r>
-            <a:endParaRPr lang="en-US" dirty="0"/>
-          </a:p>
-        </p:txBody>
-      </p:sp>
-      <p:sp>
-        <p:nvSpPr>
-          <p:cNvPr id="10" name="TextBox 9">
-            <a:extLst>
-              <a:ext uri="{FF2B5EF4-FFF2-40B4-BE49-F238E27FC236}">
-                <a16:creationId xmlns:a16="http://schemas.microsoft.com/office/drawing/2014/main" id="{BEC7DEAD-61E8-4B09-9868-6C309636BC3C}"/>
-              </a:ext>
-            </a:extLst>
-          </p:cNvPr>
-          <p:cNvSpPr txBox="1"/>
-          <p:nvPr/>
-        </p:nvSpPr>
-        <p:spPr>
-          <a:xfrm>
-            <a:off x="803031" y="4495801"/>
-            <a:ext cx="2724720" cy="369332"/>
-          </a:xfrm>
-          <a:prstGeom prst="rect">
-            <a:avLst/>
-          </a:prstGeom>
-          <a:noFill/>
-        </p:spPr>
-        <p:txBody>
-          <a:bodyPr wrap="none" rtlCol="0">
-            <a:spAutoFit/>
-          </a:bodyPr>
-          <a:lstStyle/>
-          <a:p>
-            <a:pPr marL="285750" indent="-285750">
-              <a:buFont typeface="Arial" panose="020B0604020202020204" pitchFamily="34" charset="0"/>
-              <a:buChar char="•"/>
-            </a:pPr>
-            <a:r>
-              <a:rPr lang="en-US" altLang="zh-CN" dirty="0"/>
-              <a:t>Low CDS mapping reads</a:t>
-            </a:r>
-            <a:endParaRPr lang="en-US" dirty="0"/>
-          </a:p>
-        </p:txBody>
-      </p:sp>
-      <p:sp>
-        <p:nvSpPr>
-          <p:cNvPr id="3" name="TextBox 2">
-            <a:extLst>
-              <a:ext uri="{FF2B5EF4-FFF2-40B4-BE49-F238E27FC236}">
-                <a16:creationId xmlns:a16="http://schemas.microsoft.com/office/drawing/2014/main" id="{CFF0AF9C-D85D-4068-AEE2-E6C4B3E2A6F2}"/>
-              </a:ext>
-            </a:extLst>
-          </p:cNvPr>
-          <p:cNvSpPr txBox="1"/>
-          <p:nvPr/>
-        </p:nvSpPr>
-        <p:spPr>
-          <a:xfrm>
-            <a:off x="1046285" y="3138853"/>
-            <a:ext cx="8955144" cy="369332"/>
-          </a:xfrm>
-          <a:prstGeom prst="rect">
-            <a:avLst/>
-          </a:prstGeom>
-          <a:noFill/>
-        </p:spPr>
-        <p:txBody>
-          <a:bodyPr wrap="none" rtlCol="0">
-            <a:spAutoFit/>
-          </a:bodyPr>
-          <a:lstStyle/>
-          <a:p>
-            <a:r>
-              <a:rPr lang="en-US" altLang="zh-CN" dirty="0"/>
-              <a:t>Based on the alignment results, sample </a:t>
-            </a:r>
-            <a:r>
-              <a:rPr lang="en-US" altLang="zh-CN" dirty="0" err="1"/>
-              <a:t>resistant_48_R1</a:t>
-            </a:r>
-            <a:r>
-              <a:rPr lang="en-US" altLang="zh-CN" dirty="0"/>
-              <a:t> could be retained for further analysis</a:t>
-            </a:r>
-            <a:endParaRPr lang="en-US" dirty="0"/>
-          </a:p>
-        </p:txBody>
-      </p:sp>
-      <p:sp>
-        <p:nvSpPr>
-          <p:cNvPr id="5" name="TextBox 4">
-            <a:extLst>
-              <a:ext uri="{FF2B5EF4-FFF2-40B4-BE49-F238E27FC236}">
-                <a16:creationId xmlns:a16="http://schemas.microsoft.com/office/drawing/2014/main" id="{C3070959-0421-4FB1-B24C-96B7BDB35188}"/>
-              </a:ext>
-            </a:extLst>
-          </p:cNvPr>
-          <p:cNvSpPr txBox="1"/>
-          <p:nvPr/>
-        </p:nvSpPr>
-        <p:spPr>
-          <a:xfrm>
-            <a:off x="1063869" y="5055577"/>
-            <a:ext cx="8673208" cy="646331"/>
-          </a:xfrm>
-          <a:prstGeom prst="rect">
-            <a:avLst/>
-          </a:prstGeom>
-          <a:noFill/>
-        </p:spPr>
-        <p:txBody>
-          <a:bodyPr wrap="none" rtlCol="0">
-            <a:spAutoFit/>
-          </a:bodyPr>
-          <a:lstStyle/>
-          <a:p>
-            <a:r>
-              <a:rPr lang="en-US" dirty="0"/>
-              <a:t>Total reads around </a:t>
-            </a:r>
-            <a:r>
-              <a:rPr lang="en-US" dirty="0" err="1"/>
-              <a:t>2.5M</a:t>
-            </a:r>
-            <a:r>
-              <a:rPr lang="en-US" dirty="0"/>
-              <a:t> for each sample would be enough for feature counting, thanks to </a:t>
-            </a:r>
-          </a:p>
-          <a:p>
-            <a:r>
-              <a:rPr lang="en-US" dirty="0"/>
-              <a:t>a high sequencing depth</a:t>
-            </a:r>
-          </a:p>
-        </p:txBody>
-      </p:sp>
-    </p:spTree>
-    <p:extLst>
-      <p:ext uri="{BB962C8B-B14F-4D97-AF65-F5344CB8AC3E}">
-        <p14:creationId xmlns:p14="http://schemas.microsoft.com/office/powerpoint/2010/main" val="1612958988"/>
-      </p:ext>
-    </p:extLst>
-  </p:cSld>
-  <p:clrMapOvr>
-    <a:masterClrMapping/>
-  </p:clrMapOvr>
-</p:sld>
-</file>
-
-<file path=ppt/slides/slide15.xml><?xml version="1.0" encoding="utf-8"?>
 <p:sld xmlns:a="http://schemas.openxmlformats.org/drawingml/2006/main" xmlns:r="http://schemas.openxmlformats.org/officeDocument/2006/relationships" xmlns:p="http://schemas.openxmlformats.org/presentationml/2006/main">
   <p:cSld>
     <p:spTree>
@@ -5648,6 +5399,179 @@
     <p:extLst>
       <p:ext uri="{BB962C8B-B14F-4D97-AF65-F5344CB8AC3E}">
         <p14:creationId xmlns:p14="http://schemas.microsoft.com/office/powerpoint/2010/main" val="571243203"/>
+      </p:ext>
+    </p:extLst>
+  </p:cSld>
+  <p:clrMapOvr>
+    <a:masterClrMapping/>
+  </p:clrMapOvr>
+</p:sld>
+</file>
+
+<file path=ppt/slides/slide15.xml><?xml version="1.0" encoding="utf-8"?>
+<p:sld xmlns:a="http://schemas.openxmlformats.org/drawingml/2006/main" xmlns:r="http://schemas.openxmlformats.org/officeDocument/2006/relationships" xmlns:p="http://schemas.openxmlformats.org/presentationml/2006/main">
+  <p:cSld>
+    <p:spTree>
+      <p:nvGrpSpPr>
+        <p:cNvPr id="1" name=""/>
+        <p:cNvGrpSpPr/>
+        <p:nvPr/>
+      </p:nvGrpSpPr>
+      <p:grpSpPr>
+        <a:xfrm>
+          <a:off x="0" y="0"/>
+          <a:ext cx="0" cy="0"/>
+          <a:chOff x="0" y="0"/>
+          <a:chExt cx="0" cy="0"/>
+        </a:xfrm>
+      </p:grpSpPr>
+      <p:sp>
+        <p:nvSpPr>
+          <p:cNvPr id="4" name="TextBox 3">
+            <a:extLst>
+              <a:ext uri="{FF2B5EF4-FFF2-40B4-BE49-F238E27FC236}">
+                <a16:creationId xmlns:a16="http://schemas.microsoft.com/office/drawing/2014/main" id="{F11A030C-65AB-42A0-922C-A035DC97D23C}"/>
+              </a:ext>
+            </a:extLst>
+          </p:cNvPr>
+          <p:cNvSpPr txBox="1"/>
+          <p:nvPr/>
+        </p:nvSpPr>
+        <p:spPr>
+          <a:xfrm flipH="1">
+            <a:off x="694591" y="358728"/>
+            <a:ext cx="6137031" cy="584775"/>
+          </a:xfrm>
+          <a:prstGeom prst="rect">
+            <a:avLst/>
+          </a:prstGeom>
+          <a:noFill/>
+        </p:spPr>
+        <p:txBody>
+          <a:bodyPr wrap="square" rtlCol="0">
+            <a:spAutoFit/>
+          </a:bodyPr>
+          <a:lstStyle/>
+          <a:p>
+            <a:r>
+              <a:rPr lang="en-US" altLang="zh-CN" sz="3200" dirty="0"/>
+              <a:t>Analysis - </a:t>
+            </a:r>
+            <a:r>
+              <a:rPr lang="en-US" altLang="zh-CN" sz="3200" dirty="0" err="1"/>
+              <a:t>PCA</a:t>
+            </a:r>
+            <a:endParaRPr lang="en-US" sz="3200" dirty="0"/>
+          </a:p>
+        </p:txBody>
+      </p:sp>
+      <p:sp>
+        <p:nvSpPr>
+          <p:cNvPr id="15" name="TextBox 14">
+            <a:extLst>
+              <a:ext uri="{FF2B5EF4-FFF2-40B4-BE49-F238E27FC236}">
+                <a16:creationId xmlns:a16="http://schemas.microsoft.com/office/drawing/2014/main" id="{5F360BCA-B039-48F5-80A7-BED92ED9BF61}"/>
+              </a:ext>
+            </a:extLst>
+          </p:cNvPr>
+          <p:cNvSpPr txBox="1"/>
+          <p:nvPr/>
+        </p:nvSpPr>
+        <p:spPr>
+          <a:xfrm>
+            <a:off x="2259623" y="6093069"/>
+            <a:ext cx="7230826" cy="369332"/>
+          </a:xfrm>
+          <a:prstGeom prst="rect">
+            <a:avLst/>
+          </a:prstGeom>
+          <a:noFill/>
+        </p:spPr>
+        <p:txBody>
+          <a:bodyPr wrap="none" rtlCol="0">
+            <a:spAutoFit/>
+          </a:bodyPr>
+          <a:lstStyle/>
+          <a:p>
+            <a:r>
+              <a:rPr lang="en-US" dirty="0"/>
+              <a:t>An overall </a:t>
+            </a:r>
+            <a:r>
+              <a:rPr lang="en-US" dirty="0" err="1"/>
+              <a:t>PCA</a:t>
+            </a:r>
+            <a:r>
+              <a:rPr lang="en-US" dirty="0"/>
+              <a:t> cannot distinguish time-course difference between cell lines</a:t>
+            </a:r>
+          </a:p>
+        </p:txBody>
+      </p:sp>
+      <p:pic>
+        <p:nvPicPr>
+          <p:cNvPr id="2" name="Picture 1">
+            <a:extLst>
+              <a:ext uri="{FF2B5EF4-FFF2-40B4-BE49-F238E27FC236}">
+                <a16:creationId xmlns:a16="http://schemas.microsoft.com/office/drawing/2014/main" id="{77C67F08-2910-4EBA-9EA8-C04C3DD5CCA8}"/>
+              </a:ext>
+            </a:extLst>
+          </p:cNvPr>
+          <p:cNvPicPr>
+            <a:picLocks noChangeAspect="1"/>
+          </p:cNvPicPr>
+          <p:nvPr/>
+        </p:nvPicPr>
+        <p:blipFill>
+          <a:blip r:embed="rId2"/>
+          <a:stretch>
+            <a:fillRect/>
+          </a:stretch>
+        </p:blipFill>
+        <p:spPr>
+          <a:xfrm>
+            <a:off x="270364" y="1765055"/>
+            <a:ext cx="5689537" cy="3905983"/>
+          </a:xfrm>
+          <a:prstGeom prst="rect">
+            <a:avLst/>
+          </a:prstGeom>
+        </p:spPr>
+      </p:pic>
+      <p:pic>
+        <p:nvPicPr>
+          <p:cNvPr id="3" name="Picture 2">
+            <a:extLst>
+              <a:ext uri="{FF2B5EF4-FFF2-40B4-BE49-F238E27FC236}">
+                <a16:creationId xmlns:a16="http://schemas.microsoft.com/office/drawing/2014/main" id="{FC2C1DFD-3F10-4095-84D2-880442D8D66D}"/>
+              </a:ext>
+            </a:extLst>
+          </p:cNvPr>
+          <p:cNvPicPr>
+            <a:picLocks noChangeAspect="1"/>
+          </p:cNvPicPr>
+          <p:nvPr/>
+        </p:nvPicPr>
+        <p:blipFill>
+          <a:blip r:embed="rId3"/>
+          <a:stretch>
+            <a:fillRect/>
+          </a:stretch>
+        </p:blipFill>
+        <p:spPr>
+          <a:xfrm>
+            <a:off x="5636235" y="1716332"/>
+            <a:ext cx="5389319" cy="3976321"/>
+          </a:xfrm>
+          <a:prstGeom prst="rect">
+            <a:avLst/>
+          </a:prstGeom>
+        </p:spPr>
+      </p:pic>
+    </p:spTree>
+    <p:extLst>
+      <p:ext uri="{BB962C8B-B14F-4D97-AF65-F5344CB8AC3E}">
+        <p14:creationId xmlns:p14="http://schemas.microsoft.com/office/powerpoint/2010/main" val="1220200588"/>
       </p:ext>
     </p:extLst>
   </p:cSld>
@@ -5947,179 +5871,6 @@
 </file>
 
 <file path=ppt/slides/slide17.xml><?xml version="1.0" encoding="utf-8"?>
-<p:sld xmlns:a="http://schemas.openxmlformats.org/drawingml/2006/main" xmlns:r="http://schemas.openxmlformats.org/officeDocument/2006/relationships" xmlns:p="http://schemas.openxmlformats.org/presentationml/2006/main">
-  <p:cSld>
-    <p:spTree>
-      <p:nvGrpSpPr>
-        <p:cNvPr id="1" name=""/>
-        <p:cNvGrpSpPr/>
-        <p:nvPr/>
-      </p:nvGrpSpPr>
-      <p:grpSpPr>
-        <a:xfrm>
-          <a:off x="0" y="0"/>
-          <a:ext cx="0" cy="0"/>
-          <a:chOff x="0" y="0"/>
-          <a:chExt cx="0" cy="0"/>
-        </a:xfrm>
-      </p:grpSpPr>
-      <p:sp>
-        <p:nvSpPr>
-          <p:cNvPr id="4" name="TextBox 3">
-            <a:extLst>
-              <a:ext uri="{FF2B5EF4-FFF2-40B4-BE49-F238E27FC236}">
-                <a16:creationId xmlns:a16="http://schemas.microsoft.com/office/drawing/2014/main" id="{F11A030C-65AB-42A0-922C-A035DC97D23C}"/>
-              </a:ext>
-            </a:extLst>
-          </p:cNvPr>
-          <p:cNvSpPr txBox="1"/>
-          <p:nvPr/>
-        </p:nvSpPr>
-        <p:spPr>
-          <a:xfrm flipH="1">
-            <a:off x="694591" y="358728"/>
-            <a:ext cx="6137031" cy="584775"/>
-          </a:xfrm>
-          <a:prstGeom prst="rect">
-            <a:avLst/>
-          </a:prstGeom>
-          <a:noFill/>
-        </p:spPr>
-        <p:txBody>
-          <a:bodyPr wrap="square" rtlCol="0">
-            <a:spAutoFit/>
-          </a:bodyPr>
-          <a:lstStyle/>
-          <a:p>
-            <a:r>
-              <a:rPr lang="en-US" altLang="zh-CN" sz="3200" dirty="0"/>
-              <a:t>Analysis - </a:t>
-            </a:r>
-            <a:r>
-              <a:rPr lang="en-US" altLang="zh-CN" sz="3200" dirty="0" err="1"/>
-              <a:t>PCA</a:t>
-            </a:r>
-            <a:endParaRPr lang="en-US" sz="3200" dirty="0"/>
-          </a:p>
-        </p:txBody>
-      </p:sp>
-      <p:sp>
-        <p:nvSpPr>
-          <p:cNvPr id="15" name="TextBox 14">
-            <a:extLst>
-              <a:ext uri="{FF2B5EF4-FFF2-40B4-BE49-F238E27FC236}">
-                <a16:creationId xmlns:a16="http://schemas.microsoft.com/office/drawing/2014/main" id="{5F360BCA-B039-48F5-80A7-BED92ED9BF61}"/>
-              </a:ext>
-            </a:extLst>
-          </p:cNvPr>
-          <p:cNvSpPr txBox="1"/>
-          <p:nvPr/>
-        </p:nvSpPr>
-        <p:spPr>
-          <a:xfrm>
-            <a:off x="2259623" y="6093069"/>
-            <a:ext cx="7230826" cy="369332"/>
-          </a:xfrm>
-          <a:prstGeom prst="rect">
-            <a:avLst/>
-          </a:prstGeom>
-          <a:noFill/>
-        </p:spPr>
-        <p:txBody>
-          <a:bodyPr wrap="none" rtlCol="0">
-            <a:spAutoFit/>
-          </a:bodyPr>
-          <a:lstStyle/>
-          <a:p>
-            <a:r>
-              <a:rPr lang="en-US" dirty="0"/>
-              <a:t>An overall </a:t>
-            </a:r>
-            <a:r>
-              <a:rPr lang="en-US" dirty="0" err="1"/>
-              <a:t>PCA</a:t>
-            </a:r>
-            <a:r>
-              <a:rPr lang="en-US" dirty="0"/>
-              <a:t> cannot distinguish time-course difference between cell lines</a:t>
-            </a:r>
-          </a:p>
-        </p:txBody>
-      </p:sp>
-      <p:pic>
-        <p:nvPicPr>
-          <p:cNvPr id="2" name="Picture 1">
-            <a:extLst>
-              <a:ext uri="{FF2B5EF4-FFF2-40B4-BE49-F238E27FC236}">
-                <a16:creationId xmlns:a16="http://schemas.microsoft.com/office/drawing/2014/main" id="{77C67F08-2910-4EBA-9EA8-C04C3DD5CCA8}"/>
-              </a:ext>
-            </a:extLst>
-          </p:cNvPr>
-          <p:cNvPicPr>
-            <a:picLocks noChangeAspect="1"/>
-          </p:cNvPicPr>
-          <p:nvPr/>
-        </p:nvPicPr>
-        <p:blipFill>
-          <a:blip r:embed="rId2"/>
-          <a:stretch>
-            <a:fillRect/>
-          </a:stretch>
-        </p:blipFill>
-        <p:spPr>
-          <a:xfrm>
-            <a:off x="270364" y="1765055"/>
-            <a:ext cx="5689537" cy="3905983"/>
-          </a:xfrm>
-          <a:prstGeom prst="rect">
-            <a:avLst/>
-          </a:prstGeom>
-        </p:spPr>
-      </p:pic>
-      <p:pic>
-        <p:nvPicPr>
-          <p:cNvPr id="3" name="Picture 2">
-            <a:extLst>
-              <a:ext uri="{FF2B5EF4-FFF2-40B4-BE49-F238E27FC236}">
-                <a16:creationId xmlns:a16="http://schemas.microsoft.com/office/drawing/2014/main" id="{FC2C1DFD-3F10-4095-84D2-880442D8D66D}"/>
-              </a:ext>
-            </a:extLst>
-          </p:cNvPr>
-          <p:cNvPicPr>
-            <a:picLocks noChangeAspect="1"/>
-          </p:cNvPicPr>
-          <p:nvPr/>
-        </p:nvPicPr>
-        <p:blipFill>
-          <a:blip r:embed="rId3"/>
-          <a:stretch>
-            <a:fillRect/>
-          </a:stretch>
-        </p:blipFill>
-        <p:spPr>
-          <a:xfrm>
-            <a:off x="5636235" y="1716332"/>
-            <a:ext cx="5389319" cy="3976321"/>
-          </a:xfrm>
-          <a:prstGeom prst="rect">
-            <a:avLst/>
-          </a:prstGeom>
-        </p:spPr>
-      </p:pic>
-    </p:spTree>
-    <p:extLst>
-      <p:ext uri="{BB962C8B-B14F-4D97-AF65-F5344CB8AC3E}">
-        <p14:creationId xmlns:p14="http://schemas.microsoft.com/office/powerpoint/2010/main" val="1220200588"/>
-      </p:ext>
-    </p:extLst>
-  </p:cSld>
-  <p:clrMapOvr>
-    <a:masterClrMapping/>
-  </p:clrMapOvr>
-</p:sld>
-</file>
-
-<file path=ppt/slides/slide18.xml><?xml version="1.0" encoding="utf-8"?>
 <p:sld xmlns:a="http://schemas.openxmlformats.org/drawingml/2006/main" xmlns:r="http://schemas.openxmlformats.org/officeDocument/2006/relationships" xmlns:p="http://schemas.openxmlformats.org/presentationml/2006/main">
   <p:cSld>
     <p:spTree>
@@ -6772,6 +6523,382 @@
 </p:sld>
 </file>
 
+<file path=ppt/slides/slide18.xml><?xml version="1.0" encoding="utf-8"?>
+<p:sld xmlns:a="http://schemas.openxmlformats.org/drawingml/2006/main" xmlns:r="http://schemas.openxmlformats.org/officeDocument/2006/relationships" xmlns:p="http://schemas.openxmlformats.org/presentationml/2006/main">
+  <p:cSld>
+    <p:spTree>
+      <p:nvGrpSpPr>
+        <p:cNvPr id="1" name=""/>
+        <p:cNvGrpSpPr/>
+        <p:nvPr/>
+      </p:nvGrpSpPr>
+      <p:grpSpPr>
+        <a:xfrm>
+          <a:off x="0" y="0"/>
+          <a:ext cx="0" cy="0"/>
+          <a:chOff x="0" y="0"/>
+          <a:chExt cx="0" cy="0"/>
+        </a:xfrm>
+      </p:grpSpPr>
+      <p:sp>
+        <p:nvSpPr>
+          <p:cNvPr id="4" name="TextBox 3">
+            <a:extLst>
+              <a:ext uri="{FF2B5EF4-FFF2-40B4-BE49-F238E27FC236}">
+                <a16:creationId xmlns:a16="http://schemas.microsoft.com/office/drawing/2014/main" id="{F11A030C-65AB-42A0-922C-A035DC97D23C}"/>
+              </a:ext>
+            </a:extLst>
+          </p:cNvPr>
+          <p:cNvSpPr txBox="1"/>
+          <p:nvPr/>
+        </p:nvSpPr>
+        <p:spPr>
+          <a:xfrm flipH="1">
+            <a:off x="694590" y="358728"/>
+            <a:ext cx="8862647" cy="584775"/>
+          </a:xfrm>
+          <a:prstGeom prst="rect">
+            <a:avLst/>
+          </a:prstGeom>
+          <a:noFill/>
+        </p:spPr>
+        <p:txBody>
+          <a:bodyPr wrap="square" rtlCol="0">
+            <a:spAutoFit/>
+          </a:bodyPr>
+          <a:lstStyle/>
+          <a:p>
+            <a:r>
+              <a:rPr lang="en-US" altLang="zh-CN" sz="3200" dirty="0"/>
+              <a:t>Analysis - heatmap</a:t>
+            </a:r>
+            <a:endParaRPr lang="en-US" sz="3200" dirty="0"/>
+          </a:p>
+        </p:txBody>
+      </p:sp>
+      <p:sp>
+        <p:nvSpPr>
+          <p:cNvPr id="5" name="TextBox 4">
+            <a:extLst>
+              <a:ext uri="{FF2B5EF4-FFF2-40B4-BE49-F238E27FC236}">
+                <a16:creationId xmlns:a16="http://schemas.microsoft.com/office/drawing/2014/main" id="{614B23EF-52AA-4B55-8828-4E9D6F2510F1}"/>
+              </a:ext>
+            </a:extLst>
+          </p:cNvPr>
+          <p:cNvSpPr txBox="1"/>
+          <p:nvPr/>
+        </p:nvSpPr>
+        <p:spPr>
+          <a:xfrm>
+            <a:off x="3691363" y="6109950"/>
+            <a:ext cx="3948710" cy="369332"/>
+          </a:xfrm>
+          <a:prstGeom prst="rect">
+            <a:avLst/>
+          </a:prstGeom>
+          <a:noFill/>
+        </p:spPr>
+        <p:txBody>
+          <a:bodyPr wrap="none" rtlCol="0">
+            <a:spAutoFit/>
+          </a:bodyPr>
+          <a:lstStyle/>
+          <a:p>
+            <a:r>
+              <a:rPr lang="en-US" altLang="zh-CN" dirty="0"/>
+              <a:t>Different expression profiles across time</a:t>
+            </a:r>
+          </a:p>
+        </p:txBody>
+      </p:sp>
+      <p:pic>
+        <p:nvPicPr>
+          <p:cNvPr id="3" name="Picture 2">
+            <a:extLst>
+              <a:ext uri="{FF2B5EF4-FFF2-40B4-BE49-F238E27FC236}">
+                <a16:creationId xmlns:a16="http://schemas.microsoft.com/office/drawing/2014/main" id="{C099EB85-9DA1-4BA6-8ED5-C14E60A0B271}"/>
+              </a:ext>
+            </a:extLst>
+          </p:cNvPr>
+          <p:cNvPicPr>
+            <a:picLocks noChangeAspect="1"/>
+          </p:cNvPicPr>
+          <p:nvPr/>
+        </p:nvPicPr>
+        <p:blipFill>
+          <a:blip r:embed="rId2">
+            <a:extLst>
+              <a:ext uri="{28A0092B-C50C-407E-A947-70E740481C1C}">
+                <a14:useLocalDpi xmlns:a14="http://schemas.microsoft.com/office/drawing/2010/main" val="0"/>
+              </a:ext>
+            </a:extLst>
+          </a:blip>
+          <a:stretch>
+            <a:fillRect/>
+          </a:stretch>
+        </p:blipFill>
+        <p:spPr>
+          <a:xfrm>
+            <a:off x="1729302" y="1717648"/>
+            <a:ext cx="3510210" cy="3548784"/>
+          </a:xfrm>
+          <a:prstGeom prst="rect">
+            <a:avLst/>
+          </a:prstGeom>
+        </p:spPr>
+      </p:pic>
+      <p:pic>
+        <p:nvPicPr>
+          <p:cNvPr id="9" name="Picture 8">
+            <a:extLst>
+              <a:ext uri="{FF2B5EF4-FFF2-40B4-BE49-F238E27FC236}">
+                <a16:creationId xmlns:a16="http://schemas.microsoft.com/office/drawing/2014/main" id="{F4023C52-B2D0-47EB-BDA1-5B5D1EC2B4C0}"/>
+              </a:ext>
+            </a:extLst>
+          </p:cNvPr>
+          <p:cNvPicPr>
+            <a:picLocks noChangeAspect="1"/>
+          </p:cNvPicPr>
+          <p:nvPr/>
+        </p:nvPicPr>
+        <p:blipFill>
+          <a:blip r:embed="rId3">
+            <a:extLst>
+              <a:ext uri="{28A0092B-C50C-407E-A947-70E740481C1C}">
+                <a14:useLocalDpi xmlns:a14="http://schemas.microsoft.com/office/drawing/2010/main" val="0"/>
+              </a:ext>
+            </a:extLst>
+          </a:blip>
+          <a:stretch>
+            <a:fillRect/>
+          </a:stretch>
+        </p:blipFill>
+        <p:spPr>
+          <a:xfrm>
+            <a:off x="5798209" y="1657337"/>
+            <a:ext cx="3660819" cy="3701048"/>
+          </a:xfrm>
+          <a:prstGeom prst="rect">
+            <a:avLst/>
+          </a:prstGeom>
+        </p:spPr>
+      </p:pic>
+      <p:sp>
+        <p:nvSpPr>
+          <p:cNvPr id="11" name="TextBox 10">
+            <a:extLst>
+              <a:ext uri="{FF2B5EF4-FFF2-40B4-BE49-F238E27FC236}">
+                <a16:creationId xmlns:a16="http://schemas.microsoft.com/office/drawing/2014/main" id="{0F311B8B-5B5E-4B5B-AB8B-A5937A7662DC}"/>
+              </a:ext>
+            </a:extLst>
+          </p:cNvPr>
+          <p:cNvSpPr txBox="1"/>
+          <p:nvPr/>
+        </p:nvSpPr>
+        <p:spPr>
+          <a:xfrm>
+            <a:off x="2834640" y="1280160"/>
+            <a:ext cx="1017586" cy="369332"/>
+          </a:xfrm>
+          <a:prstGeom prst="rect">
+            <a:avLst/>
+          </a:prstGeom>
+          <a:noFill/>
+        </p:spPr>
+        <p:txBody>
+          <a:bodyPr wrap="none" rtlCol="0">
+            <a:spAutoFit/>
+          </a:bodyPr>
+          <a:lstStyle/>
+          <a:p>
+            <a:r>
+              <a:rPr lang="en-US" dirty="0"/>
+              <a:t>Sensitive</a:t>
+            </a:r>
+          </a:p>
+        </p:txBody>
+      </p:sp>
+      <p:sp>
+        <p:nvSpPr>
+          <p:cNvPr id="13" name="TextBox 12">
+            <a:extLst>
+              <a:ext uri="{FF2B5EF4-FFF2-40B4-BE49-F238E27FC236}">
+                <a16:creationId xmlns:a16="http://schemas.microsoft.com/office/drawing/2014/main" id="{82D8B9A9-684A-4432-8F7D-46B2AEE4BAB3}"/>
+              </a:ext>
+            </a:extLst>
+          </p:cNvPr>
+          <p:cNvSpPr txBox="1"/>
+          <p:nvPr/>
+        </p:nvSpPr>
+        <p:spPr>
+          <a:xfrm>
+            <a:off x="7251192" y="1243584"/>
+            <a:ext cx="1161288" cy="369332"/>
+          </a:xfrm>
+          <a:prstGeom prst="rect">
+            <a:avLst/>
+          </a:prstGeom>
+          <a:noFill/>
+        </p:spPr>
+        <p:txBody>
+          <a:bodyPr wrap="square" rtlCol="0">
+            <a:spAutoFit/>
+          </a:bodyPr>
+          <a:lstStyle/>
+          <a:p>
+            <a:r>
+              <a:rPr lang="en-US" dirty="0"/>
+              <a:t>Resistant</a:t>
+            </a:r>
+          </a:p>
+        </p:txBody>
+      </p:sp>
+      <p:sp>
+        <p:nvSpPr>
+          <p:cNvPr id="14" name="TextBox 13">
+            <a:extLst>
+              <a:ext uri="{FF2B5EF4-FFF2-40B4-BE49-F238E27FC236}">
+                <a16:creationId xmlns:a16="http://schemas.microsoft.com/office/drawing/2014/main" id="{B5DBEF02-B3A8-4DD3-B9CC-AF4298CE9585}"/>
+              </a:ext>
+            </a:extLst>
+          </p:cNvPr>
+          <p:cNvSpPr txBox="1"/>
+          <p:nvPr/>
+        </p:nvSpPr>
+        <p:spPr>
+          <a:xfrm>
+            <a:off x="2743200" y="5532120"/>
+            <a:ext cx="1338443" cy="369332"/>
+          </a:xfrm>
+          <a:prstGeom prst="rect">
+            <a:avLst/>
+          </a:prstGeom>
+          <a:noFill/>
+        </p:spPr>
+        <p:txBody>
+          <a:bodyPr wrap="none" rtlCol="0">
+            <a:spAutoFit/>
+          </a:bodyPr>
+          <a:lstStyle/>
+          <a:p>
+            <a:r>
+              <a:rPr lang="en-US" dirty="0"/>
+              <a:t>~ 1100 </a:t>
+            </a:r>
+            <a:r>
+              <a:rPr lang="en-US" dirty="0" err="1"/>
+              <a:t>TCGs</a:t>
+            </a:r>
+            <a:endParaRPr lang="en-US" dirty="0"/>
+          </a:p>
+        </p:txBody>
+      </p:sp>
+      <p:sp>
+        <p:nvSpPr>
+          <p:cNvPr id="27" name="TextBox 26">
+            <a:extLst>
+              <a:ext uri="{FF2B5EF4-FFF2-40B4-BE49-F238E27FC236}">
+                <a16:creationId xmlns:a16="http://schemas.microsoft.com/office/drawing/2014/main" id="{AA0C35A7-D400-4220-9F0A-C279DBC71656}"/>
+              </a:ext>
+            </a:extLst>
+          </p:cNvPr>
+          <p:cNvSpPr txBox="1"/>
+          <p:nvPr/>
+        </p:nvSpPr>
+        <p:spPr>
+          <a:xfrm>
+            <a:off x="7077456" y="5522976"/>
+            <a:ext cx="1338443" cy="369332"/>
+          </a:xfrm>
+          <a:prstGeom prst="rect">
+            <a:avLst/>
+          </a:prstGeom>
+          <a:noFill/>
+        </p:spPr>
+        <p:txBody>
+          <a:bodyPr wrap="none" rtlCol="0">
+            <a:spAutoFit/>
+          </a:bodyPr>
+          <a:lstStyle/>
+          <a:p>
+            <a:r>
+              <a:rPr lang="en-US" dirty="0"/>
+              <a:t>~ 1300 </a:t>
+            </a:r>
+            <a:r>
+              <a:rPr lang="en-US" dirty="0" err="1"/>
+              <a:t>TCGs</a:t>
+            </a:r>
+            <a:endParaRPr lang="en-US" dirty="0"/>
+          </a:p>
+        </p:txBody>
+      </p:sp>
+      <p:sp>
+        <p:nvSpPr>
+          <p:cNvPr id="2" name="TextBox 1">
+            <a:extLst>
+              <a:ext uri="{FF2B5EF4-FFF2-40B4-BE49-F238E27FC236}">
+                <a16:creationId xmlns:a16="http://schemas.microsoft.com/office/drawing/2014/main" id="{17B7CB82-6D4A-4A68-93B1-11F416A115D1}"/>
+              </a:ext>
+            </a:extLst>
+          </p:cNvPr>
+          <p:cNvSpPr txBox="1"/>
+          <p:nvPr/>
+        </p:nvSpPr>
+        <p:spPr>
+          <a:xfrm>
+            <a:off x="9873762" y="3209192"/>
+            <a:ext cx="1965538" cy="1200329"/>
+          </a:xfrm>
+          <a:prstGeom prst="rect">
+            <a:avLst/>
+          </a:prstGeom>
+          <a:noFill/>
+        </p:spPr>
+        <p:txBody>
+          <a:bodyPr wrap="none" rtlCol="0">
+            <a:spAutoFit/>
+          </a:bodyPr>
+          <a:lstStyle/>
+          <a:p>
+            <a:r>
+              <a:rPr lang="en-US" dirty="0"/>
+              <a:t>values scaled:</a:t>
+            </a:r>
+          </a:p>
+          <a:p>
+            <a:r>
+              <a:rPr lang="en-US" dirty="0"/>
+              <a:t> </a:t>
+            </a:r>
+          </a:p>
+          <a:p>
+            <a:r>
+              <a:rPr lang="en-US" dirty="0"/>
+              <a:t>divided by the max</a:t>
+            </a:r>
+          </a:p>
+          <a:p>
+            <a:r>
+              <a:rPr lang="en-US" dirty="0"/>
+              <a:t>expression level</a:t>
+            </a:r>
+          </a:p>
+        </p:txBody>
+      </p:sp>
+    </p:spTree>
+    <p:extLst>
+      <p:ext uri="{BB962C8B-B14F-4D97-AF65-F5344CB8AC3E}">
+        <p14:creationId xmlns:p14="http://schemas.microsoft.com/office/powerpoint/2010/main" val="2978415940"/>
+      </p:ext>
+    </p:extLst>
+  </p:cSld>
+  <p:clrMapOvr>
+    <a:masterClrMapping/>
+  </p:clrMapOvr>
+</p:sld>
+</file>
+
 <file path=ppt/slides/slide19.xml><?xml version="1.0" encoding="utf-8"?>
 <p:sld xmlns:a="http://schemas.openxmlformats.org/drawingml/2006/main" xmlns:r="http://schemas.openxmlformats.org/officeDocument/2006/relationships" xmlns:p="http://schemas.openxmlformats.org/presentationml/2006/main">
   <p:cSld>
@@ -6819,7 +6946,15 @@
           <a:p>
             <a:r>
               <a:rPr lang="en-US" altLang="zh-CN" sz="3200" dirty="0"/>
-              <a:t>Analysis - heatmap</a:t>
+              <a:t>Analysis - </a:t>
+            </a:r>
+            <a:r>
+              <a:rPr lang="en-US" altLang="zh-CN" sz="3200" dirty="0" err="1"/>
+              <a:t>hier</a:t>
+            </a:r>
+            <a:r>
+              <a:rPr lang="en-US" altLang="zh-CN" sz="3200" dirty="0"/>
+              <a:t> clustering</a:t>
             </a:r>
             <a:endParaRPr lang="en-US" sz="3200" dirty="0"/>
           </a:p>
@@ -6839,8 +6974,8 @@
         </p:nvSpPr>
         <p:spPr>
           <a:xfrm>
-            <a:off x="3691363" y="6109950"/>
-            <a:ext cx="3948710" cy="369332"/>
+            <a:off x="1757054" y="5767050"/>
+            <a:ext cx="8828884" cy="646331"/>
           </a:xfrm>
           <a:prstGeom prst="rect">
             <a:avLst/>
@@ -6848,244 +6983,150 @@
           <a:noFill/>
         </p:spPr>
         <p:txBody>
-          <a:bodyPr wrap="none" rtlCol="0">
-            <a:spAutoFit/>
-          </a:bodyPr>
-          <a:lstStyle/>
-          <a:p>
-            <a:r>
-              <a:rPr lang="en-US" altLang="zh-CN" dirty="0"/>
-              <a:t>Different expression profiles across time</a:t>
-            </a:r>
-          </a:p>
-        </p:txBody>
-      </p:sp>
-      <p:pic>
-        <p:nvPicPr>
-          <p:cNvPr id="3" name="Picture 2">
-            <a:extLst>
-              <a:ext uri="{FF2B5EF4-FFF2-40B4-BE49-F238E27FC236}">
-                <a16:creationId xmlns:a16="http://schemas.microsoft.com/office/drawing/2014/main" id="{C099EB85-9DA1-4BA6-8ED5-C14E60A0B271}"/>
-              </a:ext>
-            </a:extLst>
-          </p:cNvPr>
-          <p:cNvPicPr>
-            <a:picLocks noChangeAspect="1"/>
-          </p:cNvPicPr>
-          <p:nvPr/>
-        </p:nvPicPr>
-        <p:blipFill>
-          <a:blip r:embed="rId2">
-            <a:extLst>
-              <a:ext uri="{28A0092B-C50C-407E-A947-70E740481C1C}">
-                <a14:useLocalDpi xmlns:a14="http://schemas.microsoft.com/office/drawing/2010/main" val="0"/>
-              </a:ext>
-            </a:extLst>
-          </a:blip>
-          <a:stretch>
-            <a:fillRect/>
-          </a:stretch>
-        </p:blipFill>
-        <p:spPr>
-          <a:xfrm>
-            <a:off x="1729302" y="1717648"/>
-            <a:ext cx="3510210" cy="3548784"/>
-          </a:xfrm>
-          <a:prstGeom prst="rect">
-            <a:avLst/>
-          </a:prstGeom>
-        </p:spPr>
-      </p:pic>
-      <p:pic>
-        <p:nvPicPr>
-          <p:cNvPr id="9" name="Picture 8">
-            <a:extLst>
-              <a:ext uri="{FF2B5EF4-FFF2-40B4-BE49-F238E27FC236}">
-                <a16:creationId xmlns:a16="http://schemas.microsoft.com/office/drawing/2014/main" id="{F4023C52-B2D0-47EB-BDA1-5B5D1EC2B4C0}"/>
-              </a:ext>
-            </a:extLst>
-          </p:cNvPr>
-          <p:cNvPicPr>
-            <a:picLocks noChangeAspect="1"/>
-          </p:cNvPicPr>
-          <p:nvPr/>
-        </p:nvPicPr>
-        <p:blipFill>
-          <a:blip r:embed="rId3">
-            <a:extLst>
-              <a:ext uri="{28A0092B-C50C-407E-A947-70E740481C1C}">
-                <a14:useLocalDpi xmlns:a14="http://schemas.microsoft.com/office/drawing/2010/main" val="0"/>
-              </a:ext>
-            </a:extLst>
-          </a:blip>
-          <a:stretch>
-            <a:fillRect/>
-          </a:stretch>
-        </p:blipFill>
-        <p:spPr>
-          <a:xfrm>
-            <a:off x="5798209" y="1657337"/>
-            <a:ext cx="3660819" cy="3701048"/>
-          </a:xfrm>
-          <a:prstGeom prst="rect">
-            <a:avLst/>
-          </a:prstGeom>
-        </p:spPr>
-      </p:pic>
-      <p:sp>
-        <p:nvSpPr>
-          <p:cNvPr id="11" name="TextBox 10">
-            <a:extLst>
-              <a:ext uri="{FF2B5EF4-FFF2-40B4-BE49-F238E27FC236}">
-                <a16:creationId xmlns:a16="http://schemas.microsoft.com/office/drawing/2014/main" id="{0F311B8B-5B5E-4B5B-AB8B-A5937A7662DC}"/>
-              </a:ext>
-            </a:extLst>
-          </p:cNvPr>
-          <p:cNvSpPr txBox="1"/>
-          <p:nvPr/>
-        </p:nvSpPr>
-        <p:spPr>
-          <a:xfrm>
-            <a:off x="2834640" y="1280160"/>
-            <a:ext cx="1017586" cy="369332"/>
-          </a:xfrm>
-          <a:prstGeom prst="rect">
-            <a:avLst/>
-          </a:prstGeom>
-          <a:noFill/>
-        </p:spPr>
-        <p:txBody>
-          <a:bodyPr wrap="none" rtlCol="0">
-            <a:spAutoFit/>
-          </a:bodyPr>
-          <a:lstStyle/>
-          <a:p>
-            <a:r>
-              <a:rPr lang="en-US" dirty="0"/>
-              <a:t>Sensitive</a:t>
-            </a:r>
-          </a:p>
-        </p:txBody>
-      </p:sp>
-      <p:sp>
-        <p:nvSpPr>
-          <p:cNvPr id="13" name="TextBox 12">
-            <a:extLst>
-              <a:ext uri="{FF2B5EF4-FFF2-40B4-BE49-F238E27FC236}">
-                <a16:creationId xmlns:a16="http://schemas.microsoft.com/office/drawing/2014/main" id="{82D8B9A9-684A-4432-8F7D-46B2AEE4BAB3}"/>
-              </a:ext>
-            </a:extLst>
-          </p:cNvPr>
-          <p:cNvSpPr txBox="1"/>
-          <p:nvPr/>
-        </p:nvSpPr>
-        <p:spPr>
-          <a:xfrm>
-            <a:off x="7251192" y="1243584"/>
-            <a:ext cx="1161288" cy="369332"/>
-          </a:xfrm>
-          <a:prstGeom prst="rect">
-            <a:avLst/>
-          </a:prstGeom>
-          <a:noFill/>
-        </p:spPr>
-        <p:txBody>
           <a:bodyPr wrap="square" rtlCol="0">
             <a:spAutoFit/>
           </a:bodyPr>
           <a:lstStyle/>
           <a:p>
             <a:r>
-              <a:rPr lang="en-US" dirty="0"/>
-              <a:t>Resistant</a:t>
-            </a:r>
-          </a:p>
-        </p:txBody>
-      </p:sp>
-      <p:sp>
-        <p:nvSpPr>
-          <p:cNvPr id="14" name="TextBox 13">
-            <a:extLst>
-              <a:ext uri="{FF2B5EF4-FFF2-40B4-BE49-F238E27FC236}">
-                <a16:creationId xmlns:a16="http://schemas.microsoft.com/office/drawing/2014/main" id="{B5DBEF02-B3A8-4DD3-B9CC-AF4298CE9585}"/>
-              </a:ext>
-            </a:extLst>
-          </p:cNvPr>
-          <p:cNvSpPr txBox="1"/>
+              <a:rPr lang="en-US" altLang="zh-CN" dirty="0"/>
+              <a:t>Expression profiles show that expression of resistant cells approach closer to the baseline expression after treatment, although oscillation can be observed in both cells</a:t>
+            </a:r>
+          </a:p>
+        </p:txBody>
+      </p:sp>
+      <p:grpSp>
+        <p:nvGrpSpPr>
+          <p:cNvPr id="12" name="Group 11">
+            <a:extLst>
+              <a:ext uri="{FF2B5EF4-FFF2-40B4-BE49-F238E27FC236}">
+                <a16:creationId xmlns:a16="http://schemas.microsoft.com/office/drawing/2014/main" id="{B5BB49FA-48FD-4525-AC26-DABBCC96D8D3}"/>
+              </a:ext>
+            </a:extLst>
+          </p:cNvPr>
+          <p:cNvGrpSpPr/>
           <p:nvPr/>
-        </p:nvSpPr>
-        <p:spPr>
-          <a:xfrm>
-            <a:off x="2743200" y="5532120"/>
-            <a:ext cx="1338443" cy="369332"/>
-          </a:xfrm>
-          <a:prstGeom prst="rect">
-            <a:avLst/>
-          </a:prstGeom>
-          <a:noFill/>
-        </p:spPr>
-        <p:txBody>
-          <a:bodyPr wrap="none" rtlCol="0">
-            <a:spAutoFit/>
-          </a:bodyPr>
-          <a:lstStyle/>
-          <a:p>
-            <a:r>
-              <a:rPr lang="en-US" dirty="0"/>
-              <a:t>~ 1100 </a:t>
-            </a:r>
-            <a:r>
-              <a:rPr lang="en-US" dirty="0" err="1"/>
-              <a:t>TCGs</a:t>
-            </a:r>
-            <a:endParaRPr lang="en-US" dirty="0"/>
-          </a:p>
-        </p:txBody>
-      </p:sp>
-      <p:sp>
-        <p:nvSpPr>
-          <p:cNvPr id="27" name="TextBox 26">
-            <a:extLst>
-              <a:ext uri="{FF2B5EF4-FFF2-40B4-BE49-F238E27FC236}">
-                <a16:creationId xmlns:a16="http://schemas.microsoft.com/office/drawing/2014/main" id="{AA0C35A7-D400-4220-9F0A-C279DBC71656}"/>
-              </a:ext>
-            </a:extLst>
-          </p:cNvPr>
-          <p:cNvSpPr txBox="1"/>
-          <p:nvPr/>
-        </p:nvSpPr>
-        <p:spPr>
-          <a:xfrm>
-            <a:off x="7077456" y="5522976"/>
-            <a:ext cx="1338443" cy="369332"/>
-          </a:xfrm>
-          <a:prstGeom prst="rect">
-            <a:avLst/>
-          </a:prstGeom>
-          <a:noFill/>
-        </p:spPr>
-        <p:txBody>
-          <a:bodyPr wrap="none" rtlCol="0">
-            <a:spAutoFit/>
-          </a:bodyPr>
-          <a:lstStyle/>
-          <a:p>
-            <a:r>
-              <a:rPr lang="en-US" dirty="0"/>
-              <a:t>~ 1300 </a:t>
-            </a:r>
-            <a:r>
-              <a:rPr lang="en-US" dirty="0" err="1"/>
-              <a:t>TCGs</a:t>
-            </a:r>
-            <a:endParaRPr lang="en-US" dirty="0"/>
-          </a:p>
-        </p:txBody>
-      </p:sp>
+        </p:nvGrpSpPr>
+        <p:grpSpPr>
+          <a:xfrm>
+            <a:off x="503044" y="1474654"/>
+            <a:ext cx="10654396" cy="4027266"/>
+            <a:chOff x="503044" y="1474654"/>
+            <a:chExt cx="10654396" cy="4027266"/>
+          </a:xfrm>
+        </p:grpSpPr>
+        <p:pic>
+          <p:nvPicPr>
+            <p:cNvPr id="6" name="Picture 5">
+              <a:extLst>
+                <a:ext uri="{FF2B5EF4-FFF2-40B4-BE49-F238E27FC236}">
+                  <a16:creationId xmlns:a16="http://schemas.microsoft.com/office/drawing/2014/main" id="{C6737F65-5751-42E6-98FD-EEA95E85E255}"/>
+                </a:ext>
+              </a:extLst>
+            </p:cNvPr>
+            <p:cNvPicPr>
+              <a:picLocks noChangeAspect="1"/>
+            </p:cNvPicPr>
+            <p:nvPr/>
+          </p:nvPicPr>
+          <p:blipFill>
+            <a:blip r:embed="rId2">
+              <a:extLst>
+                <a:ext uri="{28A0092B-C50C-407E-A947-70E740481C1C}">
+                  <a14:useLocalDpi xmlns:a14="http://schemas.microsoft.com/office/drawing/2010/main" val="0"/>
+                </a:ext>
+              </a:extLst>
+            </a:blip>
+            <a:stretch>
+              <a:fillRect/>
+            </a:stretch>
+          </p:blipFill>
+          <p:spPr>
+            <a:xfrm>
+              <a:off x="503044" y="1491708"/>
+              <a:ext cx="5282296" cy="3961722"/>
+            </a:xfrm>
+            <a:prstGeom prst="rect">
+              <a:avLst/>
+            </a:prstGeom>
+          </p:spPr>
+        </p:pic>
+        <p:pic>
+          <p:nvPicPr>
+            <p:cNvPr id="8" name="Picture 7">
+              <a:extLst>
+                <a:ext uri="{FF2B5EF4-FFF2-40B4-BE49-F238E27FC236}">
+                  <a16:creationId xmlns:a16="http://schemas.microsoft.com/office/drawing/2014/main" id="{A091CE23-FF4E-4502-97A1-0E4AB2DAA1FE}"/>
+                </a:ext>
+              </a:extLst>
+            </p:cNvPr>
+            <p:cNvPicPr>
+              <a:picLocks noChangeAspect="1"/>
+            </p:cNvPicPr>
+            <p:nvPr/>
+          </p:nvPicPr>
+          <p:blipFill>
+            <a:blip r:embed="rId3">
+              <a:extLst>
+                <a:ext uri="{28A0092B-C50C-407E-A947-70E740481C1C}">
+                  <a14:useLocalDpi xmlns:a14="http://schemas.microsoft.com/office/drawing/2010/main" val="0"/>
+                </a:ext>
+              </a:extLst>
+            </a:blip>
+            <a:stretch>
+              <a:fillRect/>
+            </a:stretch>
+          </p:blipFill>
+          <p:spPr>
+            <a:xfrm>
+              <a:off x="5787752" y="1474654"/>
+              <a:ext cx="5369688" cy="4027266"/>
+            </a:xfrm>
+            <a:prstGeom prst="rect">
+              <a:avLst/>
+            </a:prstGeom>
+          </p:spPr>
+        </p:pic>
+        <p:sp>
+          <p:nvSpPr>
+            <p:cNvPr id="10" name="TextBox 9">
+              <a:extLst>
+                <a:ext uri="{FF2B5EF4-FFF2-40B4-BE49-F238E27FC236}">
+                  <a16:creationId xmlns:a16="http://schemas.microsoft.com/office/drawing/2014/main" id="{D969D79B-ABAF-4023-A25C-DAED480268DF}"/>
+                </a:ext>
+              </a:extLst>
+            </p:cNvPr>
+            <p:cNvSpPr txBox="1"/>
+            <p:nvPr/>
+          </p:nvSpPr>
+          <p:spPr>
+            <a:xfrm>
+              <a:off x="3402623" y="1503485"/>
+              <a:ext cx="1960684" cy="369332"/>
+            </a:xfrm>
+            <a:prstGeom prst="rect">
+              <a:avLst/>
+            </a:prstGeom>
+            <a:noFill/>
+          </p:spPr>
+          <p:txBody>
+            <a:bodyPr wrap="square" rtlCol="0">
+              <a:spAutoFit/>
+            </a:bodyPr>
+            <a:lstStyle/>
+            <a:p>
+              <a:r>
+                <a:rPr lang="en-US" dirty="0"/>
+                <a:t>(             )</a:t>
+              </a:r>
+            </a:p>
+          </p:txBody>
+        </p:sp>
+      </p:grpSp>
     </p:spTree>
     <p:extLst>
       <p:ext uri="{BB962C8B-B14F-4D97-AF65-F5344CB8AC3E}">
-        <p14:creationId xmlns:p14="http://schemas.microsoft.com/office/powerpoint/2010/main" val="2978415940"/>
+        <p14:creationId xmlns:p14="http://schemas.microsoft.com/office/powerpoint/2010/main" val="2968741059"/>
       </p:ext>
     </p:extLst>
   </p:cSld>
@@ -7634,15 +7675,15 @@
           <a:p>
             <a:r>
               <a:rPr lang="en-US" altLang="zh-CN" sz="3200" dirty="0"/>
-              <a:t>Analysis - </a:t>
+              <a:t>Analysis - Monotonicity </a:t>
             </a:r>
             <a:r>
               <a:rPr lang="en-US" altLang="zh-CN" sz="3200" dirty="0" err="1"/>
-              <a:t>hier</a:t>
+              <a:t>v.s</a:t>
             </a:r>
             <a:r>
               <a:rPr lang="en-US" altLang="zh-CN" sz="3200" dirty="0"/>
-              <a:t> clustering</a:t>
+              <a:t>. Adaptive scores</a:t>
             </a:r>
             <a:endParaRPr lang="en-US" sz="3200" dirty="0"/>
           </a:p>
@@ -7662,7 +7703,7 @@
         </p:nvSpPr>
         <p:spPr>
           <a:xfrm>
-            <a:off x="1757054" y="5767050"/>
+            <a:off x="5317939" y="5745677"/>
             <a:ext cx="8828884" cy="646331"/>
           </a:xfrm>
           <a:prstGeom prst="rect">
@@ -7678,17 +7719,131 @@
           <a:p>
             <a:r>
               <a:rPr lang="en-US" altLang="zh-CN" dirty="0"/>
-              <a:t>Expression profiles show that expression of resistant cells approach closer to the baseline expression after treatment, although oscillation can be observed in both cells</a:t>
-            </a:r>
-          </a:p>
-        </p:txBody>
-      </p:sp>
+              <a:t>No significant difference on Adaptive score by Wilcox test</a:t>
+            </a:r>
+          </a:p>
+          <a:p>
+            <a:r>
+              <a:rPr lang="en-US" altLang="zh-CN" dirty="0"/>
+              <a:t>Hard to captured the higher adaptive scores of resistant cells</a:t>
+            </a:r>
+          </a:p>
+        </p:txBody>
+      </p:sp>
+      <p:pic>
+        <p:nvPicPr>
+          <p:cNvPr id="3" name="Picture 2">
+            <a:extLst>
+              <a:ext uri="{FF2B5EF4-FFF2-40B4-BE49-F238E27FC236}">
+                <a16:creationId xmlns:a16="http://schemas.microsoft.com/office/drawing/2014/main" id="{EB4D8029-F878-4F37-B1BD-DB8D872A9832}"/>
+              </a:ext>
+            </a:extLst>
+          </p:cNvPr>
+          <p:cNvPicPr>
+            <a:picLocks noChangeAspect="1"/>
+          </p:cNvPicPr>
+          <p:nvPr/>
+        </p:nvPicPr>
+        <p:blipFill>
+          <a:blip r:embed="rId2">
+            <a:extLst>
+              <a:ext uri="{28A0092B-C50C-407E-A947-70E740481C1C}">
+                <a14:useLocalDpi xmlns:a14="http://schemas.microsoft.com/office/drawing/2010/main" val="0"/>
+              </a:ext>
+            </a:extLst>
+          </a:blip>
+          <a:stretch>
+            <a:fillRect/>
+          </a:stretch>
+        </p:blipFill>
+        <p:spPr>
+          <a:xfrm>
+            <a:off x="429206" y="1049085"/>
+            <a:ext cx="4845252" cy="4822325"/>
+          </a:xfrm>
+          <a:prstGeom prst="rect">
+            <a:avLst/>
+          </a:prstGeom>
+        </p:spPr>
+      </p:pic>
+      <p:pic>
+        <p:nvPicPr>
+          <p:cNvPr id="9" name="Picture 8">
+            <a:extLst>
+              <a:ext uri="{FF2B5EF4-FFF2-40B4-BE49-F238E27FC236}">
+                <a16:creationId xmlns:a16="http://schemas.microsoft.com/office/drawing/2014/main" id="{B88538B9-D2DB-4BC4-97FF-99EF1F8DF683}"/>
+              </a:ext>
+            </a:extLst>
+          </p:cNvPr>
+          <p:cNvPicPr>
+            <a:picLocks noChangeAspect="1"/>
+          </p:cNvPicPr>
+          <p:nvPr/>
+        </p:nvPicPr>
+        <p:blipFill>
+          <a:blip r:embed="rId3">
+            <a:extLst>
+              <a:ext uri="{28A0092B-C50C-407E-A947-70E740481C1C}">
+                <a14:useLocalDpi xmlns:a14="http://schemas.microsoft.com/office/drawing/2010/main" val="0"/>
+              </a:ext>
+            </a:extLst>
+          </a:blip>
+          <a:stretch>
+            <a:fillRect/>
+          </a:stretch>
+        </p:blipFill>
+        <p:spPr>
+          <a:xfrm>
+            <a:off x="5336403" y="1875285"/>
+            <a:ext cx="3178097" cy="3163059"/>
+          </a:xfrm>
+          <a:prstGeom prst="rect">
+            <a:avLst/>
+          </a:prstGeom>
+        </p:spPr>
+      </p:pic>
+      <p:pic>
+        <p:nvPicPr>
+          <p:cNvPr id="13" name="Picture 12">
+            <a:extLst>
+              <a:ext uri="{FF2B5EF4-FFF2-40B4-BE49-F238E27FC236}">
+                <a16:creationId xmlns:a16="http://schemas.microsoft.com/office/drawing/2014/main" id="{97C0B16C-2AF6-4609-8AC2-ECE1C78159E9}"/>
+              </a:ext>
+            </a:extLst>
+          </p:cNvPr>
+          <p:cNvPicPr>
+            <a:picLocks noChangeAspect="1"/>
+          </p:cNvPicPr>
+          <p:nvPr/>
+        </p:nvPicPr>
+        <p:blipFill>
+          <a:blip r:embed="rId4">
+            <a:extLst>
+              <a:ext uri="{28A0092B-C50C-407E-A947-70E740481C1C}">
+                <a14:useLocalDpi xmlns:a14="http://schemas.microsoft.com/office/drawing/2010/main" val="0"/>
+              </a:ext>
+            </a:extLst>
+          </a:blip>
+          <a:stretch>
+            <a:fillRect/>
+          </a:stretch>
+        </p:blipFill>
+        <p:spPr>
+          <a:xfrm>
+            <a:off x="8654333" y="1856233"/>
+            <a:ext cx="3175996" cy="3160968"/>
+          </a:xfrm>
+          <a:prstGeom prst="rect">
+            <a:avLst/>
+          </a:prstGeom>
+        </p:spPr>
+      </p:pic>
       <p:grpSp>
         <p:nvGrpSpPr>
-          <p:cNvPr id="12" name="Group 11">
-            <a:extLst>
-              <a:ext uri="{FF2B5EF4-FFF2-40B4-BE49-F238E27FC236}">
-                <a16:creationId xmlns:a16="http://schemas.microsoft.com/office/drawing/2014/main" id="{B5BB49FA-48FD-4525-AC26-DABBCC96D8D3}"/>
+          <p:cNvPr id="18" name="Group 17">
+            <a:extLst>
+              <a:ext uri="{FF2B5EF4-FFF2-40B4-BE49-F238E27FC236}">
+                <a16:creationId xmlns:a16="http://schemas.microsoft.com/office/drawing/2014/main" id="{3F62B2EA-4E2B-4EE6-B78A-A3A0B64B75F2}"/>
               </a:ext>
             </a:extLst>
           </p:cNvPr>
@@ -7697,90 +7852,122 @@
         </p:nvGrpSpPr>
         <p:grpSpPr>
           <a:xfrm>
-            <a:off x="503044" y="1474654"/>
-            <a:ext cx="10654396" cy="4027266"/>
-            <a:chOff x="503044" y="1474654"/>
-            <a:chExt cx="10654396" cy="4027266"/>
+            <a:off x="3526068" y="1767605"/>
+            <a:ext cx="1269726" cy="650686"/>
+            <a:chOff x="6049108" y="4572000"/>
+            <a:chExt cx="1269726" cy="650686"/>
           </a:xfrm>
         </p:grpSpPr>
-        <p:pic>
-          <p:nvPicPr>
-            <p:cNvPr id="6" name="Picture 5">
+        <p:sp>
+          <p:nvSpPr>
+            <p:cNvPr id="14" name="Oval 13">
               <a:extLst>
                 <a:ext uri="{FF2B5EF4-FFF2-40B4-BE49-F238E27FC236}">
-                  <a16:creationId xmlns:a16="http://schemas.microsoft.com/office/drawing/2014/main" id="{C6737F65-5751-42E6-98FD-EEA95E85E255}"/>
+                  <a16:creationId xmlns:a16="http://schemas.microsoft.com/office/drawing/2014/main" id="{B582DFBB-7C2E-40D1-90B8-F5C048E334F6}"/>
                 </a:ext>
               </a:extLst>
             </p:cNvPr>
-            <p:cNvPicPr>
-              <a:picLocks noChangeAspect="1"/>
-            </p:cNvPicPr>
+            <p:cNvSpPr/>
             <p:nvPr/>
-          </p:nvPicPr>
-          <p:blipFill>
-            <a:blip r:embed="rId2">
-              <a:extLst>
-                <a:ext uri="{28A0092B-C50C-407E-A947-70E740481C1C}">
-                  <a14:useLocalDpi xmlns:a14="http://schemas.microsoft.com/office/drawing/2010/main" val="0"/>
-                </a:ext>
-              </a:extLst>
-            </a:blip>
-            <a:stretch>
-              <a:fillRect/>
-            </a:stretch>
-          </p:blipFill>
+          </p:nvSpPr>
           <p:spPr>
             <a:xfrm>
-              <a:off x="503044" y="1491708"/>
-              <a:ext cx="5282296" cy="3961722"/>
+              <a:off x="6049108" y="4668715"/>
+              <a:ext cx="193431" cy="193431"/>
             </a:xfrm>
-            <a:prstGeom prst="rect">
+            <a:prstGeom prst="ellipse">
               <a:avLst/>
             </a:prstGeom>
+            <a:solidFill>
+              <a:srgbClr val="B8860B"/>
+            </a:solidFill>
+            <a:ln>
+              <a:noFill/>
+            </a:ln>
           </p:spPr>
-        </p:pic>
-        <p:pic>
-          <p:nvPicPr>
-            <p:cNvPr id="8" name="Picture 7">
+          <p:style>
+            <a:lnRef idx="2">
+              <a:schemeClr val="accent1">
+                <a:shade val="50000"/>
+              </a:schemeClr>
+            </a:lnRef>
+            <a:fillRef idx="1">
+              <a:schemeClr val="accent1"/>
+            </a:fillRef>
+            <a:effectRef idx="0">
+              <a:schemeClr val="accent1"/>
+            </a:effectRef>
+            <a:fontRef idx="minor">
+              <a:schemeClr val="lt1"/>
+            </a:fontRef>
+          </p:style>
+          <p:txBody>
+            <a:bodyPr rtlCol="0" anchor="ctr"/>
+            <a:lstStyle/>
+            <a:p>
+              <a:pPr algn="ctr"/>
+              <a:endParaRPr lang="en-US"/>
+            </a:p>
+          </p:txBody>
+        </p:sp>
+        <p:sp>
+          <p:nvSpPr>
+            <p:cNvPr id="15" name="Oval 14">
               <a:extLst>
                 <a:ext uri="{FF2B5EF4-FFF2-40B4-BE49-F238E27FC236}">
-                  <a16:creationId xmlns:a16="http://schemas.microsoft.com/office/drawing/2014/main" id="{A091CE23-FF4E-4502-97A1-0E4AB2DAA1FE}"/>
+                  <a16:creationId xmlns:a16="http://schemas.microsoft.com/office/drawing/2014/main" id="{C989FBBE-486C-41DC-8319-888119410696}"/>
                 </a:ext>
               </a:extLst>
             </p:cNvPr>
-            <p:cNvPicPr>
-              <a:picLocks noChangeAspect="1"/>
-            </p:cNvPicPr>
+            <p:cNvSpPr/>
             <p:nvPr/>
-          </p:nvPicPr>
-          <p:blipFill>
-            <a:blip r:embed="rId3">
-              <a:extLst>
-                <a:ext uri="{28A0092B-C50C-407E-A947-70E740481C1C}">
-                  <a14:useLocalDpi xmlns:a14="http://schemas.microsoft.com/office/drawing/2010/main" val="0"/>
-                </a:ext>
-              </a:extLst>
-            </a:blip>
-            <a:stretch>
-              <a:fillRect/>
-            </a:stretch>
-          </p:blipFill>
+          </p:nvSpPr>
           <p:spPr>
             <a:xfrm>
-              <a:off x="5787752" y="1474654"/>
-              <a:ext cx="5369688" cy="4027266"/>
+              <a:off x="6049108" y="4941277"/>
+              <a:ext cx="193431" cy="193431"/>
             </a:xfrm>
-            <a:prstGeom prst="rect">
+            <a:prstGeom prst="ellipse">
               <a:avLst/>
             </a:prstGeom>
+            <a:solidFill>
+              <a:srgbClr val="98DEC5"/>
+            </a:solidFill>
+            <a:ln>
+              <a:noFill/>
+            </a:ln>
           </p:spPr>
-        </p:pic>
+          <p:style>
+            <a:lnRef idx="2">
+              <a:schemeClr val="accent1">
+                <a:shade val="50000"/>
+              </a:schemeClr>
+            </a:lnRef>
+            <a:fillRef idx="1">
+              <a:schemeClr val="accent1"/>
+            </a:fillRef>
+            <a:effectRef idx="0">
+              <a:schemeClr val="accent1"/>
+            </a:effectRef>
+            <a:fontRef idx="minor">
+              <a:schemeClr val="lt1"/>
+            </a:fontRef>
+          </p:style>
+          <p:txBody>
+            <a:bodyPr rtlCol="0" anchor="ctr"/>
+            <a:lstStyle/>
+            <a:p>
+              <a:pPr algn="ctr"/>
+              <a:endParaRPr lang="en-US"/>
+            </a:p>
+          </p:txBody>
+        </p:sp>
         <p:sp>
           <p:nvSpPr>
-            <p:cNvPr id="10" name="TextBox 9">
+            <p:cNvPr id="16" name="TextBox 15">
               <a:extLst>
                 <a:ext uri="{FF2B5EF4-FFF2-40B4-BE49-F238E27FC236}">
-                  <a16:creationId xmlns:a16="http://schemas.microsoft.com/office/drawing/2014/main" id="{D969D79B-ABAF-4023-A25C-DAED480268DF}"/>
+                  <a16:creationId xmlns:a16="http://schemas.microsoft.com/office/drawing/2014/main" id="{27490BCE-B5A8-4BA3-BEA2-5980EB913B5C}"/>
                 </a:ext>
               </a:extLst>
             </p:cNvPr>
@@ -7789,8 +7976,8 @@
           </p:nvSpPr>
           <p:spPr>
             <a:xfrm>
-              <a:off x="3402623" y="1503485"/>
-              <a:ext cx="1960684" cy="369332"/>
+              <a:off x="6286500" y="4572000"/>
+              <a:ext cx="1017586" cy="369332"/>
             </a:xfrm>
             <a:prstGeom prst="rect">
               <a:avLst/>
@@ -7798,23 +7985,132 @@
             <a:noFill/>
           </p:spPr>
           <p:txBody>
-            <a:bodyPr wrap="square" rtlCol="0">
+            <a:bodyPr wrap="none" rtlCol="0">
               <a:spAutoFit/>
             </a:bodyPr>
             <a:lstStyle/>
             <a:p>
               <a:r>
                 <a:rPr lang="en-US" dirty="0"/>
-                <a:t>(             )</a:t>
+                <a:t>Sensitive</a:t>
+              </a:r>
+            </a:p>
+          </p:txBody>
+        </p:sp>
+        <p:sp>
+          <p:nvSpPr>
+            <p:cNvPr id="17" name="TextBox 16">
+              <a:extLst>
+                <a:ext uri="{FF2B5EF4-FFF2-40B4-BE49-F238E27FC236}">
+                  <a16:creationId xmlns:a16="http://schemas.microsoft.com/office/drawing/2014/main" id="{950F7731-BF07-43EF-92B2-2AC73FE3549C}"/>
+                </a:ext>
+              </a:extLst>
+            </p:cNvPr>
+            <p:cNvSpPr txBox="1"/>
+            <p:nvPr/>
+          </p:nvSpPr>
+          <p:spPr>
+            <a:xfrm>
+              <a:off x="6286500" y="4853354"/>
+              <a:ext cx="1032334" cy="369332"/>
+            </a:xfrm>
+            <a:prstGeom prst="rect">
+              <a:avLst/>
+            </a:prstGeom>
+            <a:noFill/>
+          </p:spPr>
+          <p:txBody>
+            <a:bodyPr wrap="none" rtlCol="0">
+              <a:spAutoFit/>
+            </a:bodyPr>
+            <a:lstStyle/>
+            <a:p>
+              <a:r>
+                <a:rPr lang="en-US" dirty="0"/>
+                <a:t>Resistant</a:t>
               </a:r>
             </a:p>
           </p:txBody>
         </p:sp>
       </p:grpSp>
+      <p:sp>
+        <p:nvSpPr>
+          <p:cNvPr id="2" name="TextBox 1">
+            <a:extLst>
+              <a:ext uri="{FF2B5EF4-FFF2-40B4-BE49-F238E27FC236}">
+                <a16:creationId xmlns:a16="http://schemas.microsoft.com/office/drawing/2014/main" id="{9C737F28-5E19-43E6-9F4B-E96B1F6F700C}"/>
+              </a:ext>
+            </a:extLst>
+          </p:cNvPr>
+          <p:cNvSpPr txBox="1"/>
+          <p:nvPr/>
+        </p:nvSpPr>
+        <p:spPr>
+          <a:xfrm>
+            <a:off x="5410083" y="1603014"/>
+            <a:ext cx="2901820" cy="369332"/>
+          </a:xfrm>
+          <a:prstGeom prst="rect">
+            <a:avLst/>
+          </a:prstGeom>
+          <a:noFill/>
+        </p:spPr>
+        <p:txBody>
+          <a:bodyPr wrap="none" rtlCol="0">
+            <a:spAutoFit/>
+          </a:bodyPr>
+          <a:lstStyle/>
+          <a:p>
+            <a:r>
+              <a:rPr lang="en-US" dirty="0"/>
+              <a:t>Mono: end point / max point</a:t>
+            </a:r>
+          </a:p>
+        </p:txBody>
+      </p:sp>
+      <p:sp>
+        <p:nvSpPr>
+          <p:cNvPr id="19" name="TextBox 18">
+            <a:extLst>
+              <a:ext uri="{FF2B5EF4-FFF2-40B4-BE49-F238E27FC236}">
+                <a16:creationId xmlns:a16="http://schemas.microsoft.com/office/drawing/2014/main" id="{D4B66240-D1A6-4470-A742-6D090C65BB18}"/>
+              </a:ext>
+            </a:extLst>
+          </p:cNvPr>
+          <p:cNvSpPr txBox="1"/>
+          <p:nvPr/>
+        </p:nvSpPr>
+        <p:spPr>
+          <a:xfrm>
+            <a:off x="8371284" y="1603014"/>
+            <a:ext cx="3652090" cy="369332"/>
+          </a:xfrm>
+          <a:prstGeom prst="rect">
+            <a:avLst/>
+          </a:prstGeom>
+          <a:noFill/>
+        </p:spPr>
+        <p:txBody>
+          <a:bodyPr wrap="none" rtlCol="0">
+            <a:spAutoFit/>
+          </a:bodyPr>
+          <a:lstStyle/>
+          <a:p>
+            <a:r>
+              <a:rPr lang="en-US" altLang="zh-CN" dirty="0"/>
+              <a:t>Adaptive</a:t>
+            </a:r>
+            <a:r>
+              <a:rPr lang="en-US" dirty="0"/>
+              <a:t>: max change / (end – start) </a:t>
+            </a:r>
+          </a:p>
+        </p:txBody>
+      </p:sp>
     </p:spTree>
     <p:extLst>
       <p:ext uri="{BB962C8B-B14F-4D97-AF65-F5344CB8AC3E}">
-        <p14:creationId xmlns:p14="http://schemas.microsoft.com/office/powerpoint/2010/main" val="2968741059"/>
+        <p14:creationId xmlns:p14="http://schemas.microsoft.com/office/powerpoint/2010/main" val="4816800"/>
       </p:ext>
     </p:extLst>
   </p:cSld>
@@ -7825,6 +8121,457 @@
 </file>
 
 <file path=ppt/slides/slide21.xml><?xml version="1.0" encoding="utf-8"?>
+<p:sld xmlns:a="http://schemas.openxmlformats.org/drawingml/2006/main" xmlns:r="http://schemas.openxmlformats.org/officeDocument/2006/relationships" xmlns:p="http://schemas.openxmlformats.org/presentationml/2006/main">
+  <p:cSld>
+    <p:spTree>
+      <p:nvGrpSpPr>
+        <p:cNvPr id="1" name=""/>
+        <p:cNvGrpSpPr/>
+        <p:nvPr/>
+      </p:nvGrpSpPr>
+      <p:grpSpPr>
+        <a:xfrm>
+          <a:off x="0" y="0"/>
+          <a:ext cx="0" cy="0"/>
+          <a:chOff x="0" y="0"/>
+          <a:chExt cx="0" cy="0"/>
+        </a:xfrm>
+      </p:grpSpPr>
+      <p:sp>
+        <p:nvSpPr>
+          <p:cNvPr id="4" name="TextBox 3">
+            <a:extLst>
+              <a:ext uri="{FF2B5EF4-FFF2-40B4-BE49-F238E27FC236}">
+                <a16:creationId xmlns:a16="http://schemas.microsoft.com/office/drawing/2014/main" id="{F11A030C-65AB-42A0-922C-A035DC97D23C}"/>
+              </a:ext>
+            </a:extLst>
+          </p:cNvPr>
+          <p:cNvSpPr txBox="1"/>
+          <p:nvPr/>
+        </p:nvSpPr>
+        <p:spPr>
+          <a:xfrm flipH="1">
+            <a:off x="694590" y="358728"/>
+            <a:ext cx="8862647" cy="584775"/>
+          </a:xfrm>
+          <a:prstGeom prst="rect">
+            <a:avLst/>
+          </a:prstGeom>
+          <a:noFill/>
+        </p:spPr>
+        <p:txBody>
+          <a:bodyPr wrap="square" rtlCol="0">
+            <a:spAutoFit/>
+          </a:bodyPr>
+          <a:lstStyle/>
+          <a:p>
+            <a:r>
+              <a:rPr lang="en-US" altLang="zh-CN" sz="3200" dirty="0"/>
+              <a:t>Analysis - Monotonicity </a:t>
+            </a:r>
+            <a:r>
+              <a:rPr lang="en-US" altLang="zh-CN" sz="3200" dirty="0" err="1"/>
+              <a:t>v.s</a:t>
+            </a:r>
+            <a:r>
+              <a:rPr lang="en-US" altLang="zh-CN" sz="3200" dirty="0"/>
+              <a:t>. Adaptive scores</a:t>
+            </a:r>
+            <a:endParaRPr lang="en-US" sz="3200" dirty="0"/>
+          </a:p>
+        </p:txBody>
+      </p:sp>
+      <p:sp>
+        <p:nvSpPr>
+          <p:cNvPr id="5" name="TextBox 4">
+            <a:extLst>
+              <a:ext uri="{FF2B5EF4-FFF2-40B4-BE49-F238E27FC236}">
+                <a16:creationId xmlns:a16="http://schemas.microsoft.com/office/drawing/2014/main" id="{614B23EF-52AA-4B55-8828-4E9D6F2510F1}"/>
+              </a:ext>
+            </a:extLst>
+          </p:cNvPr>
+          <p:cNvSpPr txBox="1"/>
+          <p:nvPr/>
+        </p:nvSpPr>
+        <p:spPr>
+          <a:xfrm>
+            <a:off x="1757054" y="6273215"/>
+            <a:ext cx="8828884" cy="369332"/>
+          </a:xfrm>
+          <a:prstGeom prst="rect">
+            <a:avLst/>
+          </a:prstGeom>
+          <a:noFill/>
+        </p:spPr>
+        <p:txBody>
+          <a:bodyPr wrap="square" rtlCol="0">
+            <a:spAutoFit/>
+          </a:bodyPr>
+          <a:lstStyle/>
+          <a:p>
+            <a:r>
+              <a:rPr lang="en-US" altLang="zh-CN" dirty="0"/>
+              <a:t>Difference can be observed between two cells on adaptive scores</a:t>
+            </a:r>
+          </a:p>
+        </p:txBody>
+      </p:sp>
+      <p:pic>
+        <p:nvPicPr>
+          <p:cNvPr id="3" name="Picture 2">
+            <a:extLst>
+              <a:ext uri="{FF2B5EF4-FFF2-40B4-BE49-F238E27FC236}">
+                <a16:creationId xmlns:a16="http://schemas.microsoft.com/office/drawing/2014/main" id="{EB4D8029-F878-4F37-B1BD-DB8D872A9832}"/>
+              </a:ext>
+            </a:extLst>
+          </p:cNvPr>
+          <p:cNvPicPr>
+            <a:picLocks noChangeAspect="1"/>
+          </p:cNvPicPr>
+          <p:nvPr/>
+        </p:nvPicPr>
+        <p:blipFill>
+          <a:blip r:embed="rId2">
+            <a:extLst>
+              <a:ext uri="{28A0092B-C50C-407E-A947-70E740481C1C}">
+                <a14:useLocalDpi xmlns:a14="http://schemas.microsoft.com/office/drawing/2010/main" val="0"/>
+              </a:ext>
+            </a:extLst>
+          </a:blip>
+          <a:stretch>
+            <a:fillRect/>
+          </a:stretch>
+        </p:blipFill>
+        <p:spPr>
+          <a:xfrm>
+            <a:off x="429206" y="1049085"/>
+            <a:ext cx="4845252" cy="4822325"/>
+          </a:xfrm>
+          <a:prstGeom prst="rect">
+            <a:avLst/>
+          </a:prstGeom>
+        </p:spPr>
+      </p:pic>
+      <p:grpSp>
+        <p:nvGrpSpPr>
+          <p:cNvPr id="18" name="Group 17">
+            <a:extLst>
+              <a:ext uri="{FF2B5EF4-FFF2-40B4-BE49-F238E27FC236}">
+                <a16:creationId xmlns:a16="http://schemas.microsoft.com/office/drawing/2014/main" id="{3F62B2EA-4E2B-4EE6-B78A-A3A0B64B75F2}"/>
+              </a:ext>
+            </a:extLst>
+          </p:cNvPr>
+          <p:cNvGrpSpPr/>
+          <p:nvPr/>
+        </p:nvGrpSpPr>
+        <p:grpSpPr>
+          <a:xfrm>
+            <a:off x="3527474" y="1882609"/>
+            <a:ext cx="1269726" cy="650686"/>
+            <a:chOff x="6049108" y="4572000"/>
+            <a:chExt cx="1269726" cy="650686"/>
+          </a:xfrm>
+        </p:grpSpPr>
+        <p:sp>
+          <p:nvSpPr>
+            <p:cNvPr id="14" name="Oval 13">
+              <a:extLst>
+                <a:ext uri="{FF2B5EF4-FFF2-40B4-BE49-F238E27FC236}">
+                  <a16:creationId xmlns:a16="http://schemas.microsoft.com/office/drawing/2014/main" id="{B582DFBB-7C2E-40D1-90B8-F5C048E334F6}"/>
+                </a:ext>
+              </a:extLst>
+            </p:cNvPr>
+            <p:cNvSpPr/>
+            <p:nvPr/>
+          </p:nvSpPr>
+          <p:spPr>
+            <a:xfrm>
+              <a:off x="6049108" y="4668715"/>
+              <a:ext cx="193431" cy="193431"/>
+            </a:xfrm>
+            <a:prstGeom prst="ellipse">
+              <a:avLst/>
+            </a:prstGeom>
+            <a:solidFill>
+              <a:srgbClr val="B8860B"/>
+            </a:solidFill>
+            <a:ln>
+              <a:noFill/>
+            </a:ln>
+          </p:spPr>
+          <p:style>
+            <a:lnRef idx="2">
+              <a:schemeClr val="accent1">
+                <a:shade val="50000"/>
+              </a:schemeClr>
+            </a:lnRef>
+            <a:fillRef idx="1">
+              <a:schemeClr val="accent1"/>
+            </a:fillRef>
+            <a:effectRef idx="0">
+              <a:schemeClr val="accent1"/>
+            </a:effectRef>
+            <a:fontRef idx="minor">
+              <a:schemeClr val="lt1"/>
+            </a:fontRef>
+          </p:style>
+          <p:txBody>
+            <a:bodyPr rtlCol="0" anchor="ctr"/>
+            <a:lstStyle/>
+            <a:p>
+              <a:pPr algn="ctr"/>
+              <a:endParaRPr lang="en-US"/>
+            </a:p>
+          </p:txBody>
+        </p:sp>
+        <p:sp>
+          <p:nvSpPr>
+            <p:cNvPr id="15" name="Oval 14">
+              <a:extLst>
+                <a:ext uri="{FF2B5EF4-FFF2-40B4-BE49-F238E27FC236}">
+                  <a16:creationId xmlns:a16="http://schemas.microsoft.com/office/drawing/2014/main" id="{C989FBBE-486C-41DC-8319-888119410696}"/>
+                </a:ext>
+              </a:extLst>
+            </p:cNvPr>
+            <p:cNvSpPr/>
+            <p:nvPr/>
+          </p:nvSpPr>
+          <p:spPr>
+            <a:xfrm>
+              <a:off x="6049108" y="4941277"/>
+              <a:ext cx="193431" cy="193431"/>
+            </a:xfrm>
+            <a:prstGeom prst="ellipse">
+              <a:avLst/>
+            </a:prstGeom>
+            <a:solidFill>
+              <a:srgbClr val="98DEC5"/>
+            </a:solidFill>
+            <a:ln>
+              <a:noFill/>
+            </a:ln>
+          </p:spPr>
+          <p:style>
+            <a:lnRef idx="2">
+              <a:schemeClr val="accent1">
+                <a:shade val="50000"/>
+              </a:schemeClr>
+            </a:lnRef>
+            <a:fillRef idx="1">
+              <a:schemeClr val="accent1"/>
+            </a:fillRef>
+            <a:effectRef idx="0">
+              <a:schemeClr val="accent1"/>
+            </a:effectRef>
+            <a:fontRef idx="minor">
+              <a:schemeClr val="lt1"/>
+            </a:fontRef>
+          </p:style>
+          <p:txBody>
+            <a:bodyPr rtlCol="0" anchor="ctr"/>
+            <a:lstStyle/>
+            <a:p>
+              <a:pPr algn="ctr"/>
+              <a:endParaRPr lang="en-US"/>
+            </a:p>
+          </p:txBody>
+        </p:sp>
+        <p:sp>
+          <p:nvSpPr>
+            <p:cNvPr id="16" name="TextBox 15">
+              <a:extLst>
+                <a:ext uri="{FF2B5EF4-FFF2-40B4-BE49-F238E27FC236}">
+                  <a16:creationId xmlns:a16="http://schemas.microsoft.com/office/drawing/2014/main" id="{27490BCE-B5A8-4BA3-BEA2-5980EB913B5C}"/>
+                </a:ext>
+              </a:extLst>
+            </p:cNvPr>
+            <p:cNvSpPr txBox="1"/>
+            <p:nvPr/>
+          </p:nvSpPr>
+          <p:spPr>
+            <a:xfrm>
+              <a:off x="6286500" y="4572000"/>
+              <a:ext cx="1017586" cy="369332"/>
+            </a:xfrm>
+            <a:prstGeom prst="rect">
+              <a:avLst/>
+            </a:prstGeom>
+            <a:noFill/>
+          </p:spPr>
+          <p:txBody>
+            <a:bodyPr wrap="none" rtlCol="0">
+              <a:spAutoFit/>
+            </a:bodyPr>
+            <a:lstStyle/>
+            <a:p>
+              <a:r>
+                <a:rPr lang="en-US" dirty="0"/>
+                <a:t>Sensitive</a:t>
+              </a:r>
+            </a:p>
+          </p:txBody>
+        </p:sp>
+        <p:sp>
+          <p:nvSpPr>
+            <p:cNvPr id="17" name="TextBox 16">
+              <a:extLst>
+                <a:ext uri="{FF2B5EF4-FFF2-40B4-BE49-F238E27FC236}">
+                  <a16:creationId xmlns:a16="http://schemas.microsoft.com/office/drawing/2014/main" id="{950F7731-BF07-43EF-92B2-2AC73FE3549C}"/>
+                </a:ext>
+              </a:extLst>
+            </p:cNvPr>
+            <p:cNvSpPr txBox="1"/>
+            <p:nvPr/>
+          </p:nvSpPr>
+          <p:spPr>
+            <a:xfrm>
+              <a:off x="6286500" y="4853354"/>
+              <a:ext cx="1032334" cy="369332"/>
+            </a:xfrm>
+            <a:prstGeom prst="rect">
+              <a:avLst/>
+            </a:prstGeom>
+            <a:noFill/>
+          </p:spPr>
+          <p:txBody>
+            <a:bodyPr wrap="none" rtlCol="0">
+              <a:spAutoFit/>
+            </a:bodyPr>
+            <a:lstStyle/>
+            <a:p>
+              <a:r>
+                <a:rPr lang="en-US" dirty="0"/>
+                <a:t>Resistant</a:t>
+              </a:r>
+            </a:p>
+          </p:txBody>
+        </p:sp>
+      </p:grpSp>
+      <p:pic>
+        <p:nvPicPr>
+          <p:cNvPr id="20" name="Picture 19">
+            <a:extLst>
+              <a:ext uri="{FF2B5EF4-FFF2-40B4-BE49-F238E27FC236}">
+                <a16:creationId xmlns:a16="http://schemas.microsoft.com/office/drawing/2014/main" id="{D67646D2-8502-473F-A60E-94BAA19E3154}"/>
+              </a:ext>
+            </a:extLst>
+          </p:cNvPr>
+          <p:cNvPicPr>
+            <a:picLocks noChangeAspect="1"/>
+          </p:cNvPicPr>
+          <p:nvPr/>
+        </p:nvPicPr>
+        <p:blipFill>
+          <a:blip r:embed="rId3">
+            <a:extLst>
+              <a:ext uri="{28A0092B-C50C-407E-A947-70E740481C1C}">
+                <a14:useLocalDpi xmlns:a14="http://schemas.microsoft.com/office/drawing/2010/main" val="0"/>
+              </a:ext>
+            </a:extLst>
+          </a:blip>
+          <a:stretch>
+            <a:fillRect/>
+          </a:stretch>
+        </p:blipFill>
+        <p:spPr>
+          <a:xfrm>
+            <a:off x="6030368" y="1065281"/>
+            <a:ext cx="5034024" cy="5010204"/>
+          </a:xfrm>
+          <a:prstGeom prst="rect">
+            <a:avLst/>
+          </a:prstGeom>
+        </p:spPr>
+      </p:pic>
+      <p:sp>
+        <p:nvSpPr>
+          <p:cNvPr id="21" name="TextBox 20">
+            <a:extLst>
+              <a:ext uri="{FF2B5EF4-FFF2-40B4-BE49-F238E27FC236}">
+                <a16:creationId xmlns:a16="http://schemas.microsoft.com/office/drawing/2014/main" id="{27013830-8AC2-43E8-B5A7-03980702A24F}"/>
+              </a:ext>
+            </a:extLst>
+          </p:cNvPr>
+          <p:cNvSpPr txBox="1"/>
+          <p:nvPr/>
+        </p:nvSpPr>
+        <p:spPr>
+          <a:xfrm>
+            <a:off x="5929532" y="1178170"/>
+            <a:ext cx="2546659" cy="369332"/>
+          </a:xfrm>
+          <a:prstGeom prst="rect">
+            <a:avLst/>
+          </a:prstGeom>
+          <a:noFill/>
+        </p:spPr>
+        <p:txBody>
+          <a:bodyPr wrap="none" rtlCol="0">
+            <a:spAutoFit/>
+          </a:bodyPr>
+          <a:lstStyle/>
+          <a:p>
+            <a:r>
+              <a:rPr lang="en-US" dirty="0"/>
+              <a:t>Sensitive Adaptive Scores</a:t>
+            </a:r>
+          </a:p>
+        </p:txBody>
+      </p:sp>
+      <p:sp>
+        <p:nvSpPr>
+          <p:cNvPr id="22" name="TextBox 21">
+            <a:extLst>
+              <a:ext uri="{FF2B5EF4-FFF2-40B4-BE49-F238E27FC236}">
+                <a16:creationId xmlns:a16="http://schemas.microsoft.com/office/drawing/2014/main" id="{32E48442-20D5-4F48-A5E8-343922ACB9E8}"/>
+              </a:ext>
+            </a:extLst>
+          </p:cNvPr>
+          <p:cNvSpPr txBox="1"/>
+          <p:nvPr/>
+        </p:nvSpPr>
+        <p:spPr>
+          <a:xfrm>
+            <a:off x="8986794" y="1178170"/>
+            <a:ext cx="2561407" cy="369332"/>
+          </a:xfrm>
+          <a:prstGeom prst="rect">
+            <a:avLst/>
+          </a:prstGeom>
+          <a:noFill/>
+        </p:spPr>
+        <p:txBody>
+          <a:bodyPr wrap="none" rtlCol="0">
+            <a:spAutoFit/>
+          </a:bodyPr>
+          <a:lstStyle/>
+          <a:p>
+            <a:r>
+              <a:rPr lang="en-US" dirty="0"/>
+              <a:t>Resistant </a:t>
+            </a:r>
+            <a:r>
+              <a:rPr lang="en-US" altLang="zh-CN" dirty="0"/>
+              <a:t>Adaptive Scores</a:t>
+            </a:r>
+            <a:endParaRPr lang="en-US" dirty="0"/>
+          </a:p>
+        </p:txBody>
+      </p:sp>
+    </p:spTree>
+    <p:extLst>
+      <p:ext uri="{BB962C8B-B14F-4D97-AF65-F5344CB8AC3E}">
+        <p14:creationId xmlns:p14="http://schemas.microsoft.com/office/powerpoint/2010/main" val="3555549583"/>
+      </p:ext>
+    </p:extLst>
+  </p:cSld>
+  <p:clrMapOvr>
+    <a:masterClrMapping/>
+  </p:clrMapOvr>
+</p:sld>
+</file>
+
+<file path=ppt/slides/slide22.xml><?xml version="1.0" encoding="utf-8"?>
 <p:sld xmlns:a="http://schemas.openxmlformats.org/drawingml/2006/main" xmlns:r="http://schemas.openxmlformats.org/officeDocument/2006/relationships" xmlns:p="http://schemas.openxmlformats.org/presentationml/2006/main">
   <p:cSld>
     <p:spTree>
@@ -8316,287 +9063,6 @@
 </p:sld>
 </file>
 
-<file path=ppt/slides/slide22.xml><?xml version="1.0" encoding="utf-8"?>
-<p:sld xmlns:a="http://schemas.openxmlformats.org/drawingml/2006/main" xmlns:r="http://schemas.openxmlformats.org/officeDocument/2006/relationships" xmlns:p="http://schemas.openxmlformats.org/presentationml/2006/main">
-  <p:cSld>
-    <p:spTree>
-      <p:nvGrpSpPr>
-        <p:cNvPr id="1" name=""/>
-        <p:cNvGrpSpPr/>
-        <p:nvPr/>
-      </p:nvGrpSpPr>
-      <p:grpSpPr>
-        <a:xfrm>
-          <a:off x="0" y="0"/>
-          <a:ext cx="0" cy="0"/>
-          <a:chOff x="0" y="0"/>
-          <a:chExt cx="0" cy="0"/>
-        </a:xfrm>
-      </p:grpSpPr>
-      <p:sp>
-        <p:nvSpPr>
-          <p:cNvPr id="4" name="TextBox 3">
-            <a:extLst>
-              <a:ext uri="{FF2B5EF4-FFF2-40B4-BE49-F238E27FC236}">
-                <a16:creationId xmlns:a16="http://schemas.microsoft.com/office/drawing/2014/main" id="{F11A030C-65AB-42A0-922C-A035DC97D23C}"/>
-              </a:ext>
-            </a:extLst>
-          </p:cNvPr>
-          <p:cNvSpPr txBox="1"/>
-          <p:nvPr/>
-        </p:nvSpPr>
-        <p:spPr>
-          <a:xfrm flipH="1">
-            <a:off x="694591" y="358728"/>
-            <a:ext cx="6137031" cy="584775"/>
-          </a:xfrm>
-          <a:prstGeom prst="rect">
-            <a:avLst/>
-          </a:prstGeom>
-          <a:noFill/>
-        </p:spPr>
-        <p:txBody>
-          <a:bodyPr wrap="square" rtlCol="0">
-            <a:spAutoFit/>
-          </a:bodyPr>
-          <a:lstStyle/>
-          <a:p>
-            <a:r>
-              <a:rPr lang="en-US" altLang="zh-CN" sz="3200" dirty="0"/>
-              <a:t>Conclusion</a:t>
-            </a:r>
-            <a:endParaRPr lang="en-US" sz="3200" dirty="0"/>
-          </a:p>
-        </p:txBody>
-      </p:sp>
-      <p:sp>
-        <p:nvSpPr>
-          <p:cNvPr id="2" name="TextBox 1">
-            <a:extLst>
-              <a:ext uri="{FF2B5EF4-FFF2-40B4-BE49-F238E27FC236}">
-                <a16:creationId xmlns:a16="http://schemas.microsoft.com/office/drawing/2014/main" id="{56067F8D-2853-4C6B-9A9A-9DC1FF89B676}"/>
-              </a:ext>
-            </a:extLst>
-          </p:cNvPr>
-          <p:cNvSpPr txBox="1"/>
-          <p:nvPr/>
-        </p:nvSpPr>
-        <p:spPr>
-          <a:xfrm>
-            <a:off x="800100" y="1793631"/>
-            <a:ext cx="8097986" cy="369332"/>
-          </a:xfrm>
-          <a:prstGeom prst="rect">
-            <a:avLst/>
-          </a:prstGeom>
-          <a:noFill/>
-        </p:spPr>
-        <p:txBody>
-          <a:bodyPr wrap="none" rtlCol="0">
-            <a:spAutoFit/>
-          </a:bodyPr>
-          <a:lstStyle/>
-          <a:p>
-            <a:pPr marL="285750" indent="-285750">
-              <a:buFont typeface="Arial" panose="020B0604020202020204" pitchFamily="34" charset="0"/>
-              <a:buChar char="•"/>
-            </a:pPr>
-            <a:r>
-              <a:rPr lang="en-US" altLang="zh-CN" dirty="0"/>
-              <a:t>Gene expression profiles are different between drug-sensitive and -resistant cells</a:t>
-            </a:r>
-            <a:endParaRPr lang="en-US" dirty="0"/>
-          </a:p>
-        </p:txBody>
-      </p:sp>
-      <p:sp>
-        <p:nvSpPr>
-          <p:cNvPr id="6" name="TextBox 5">
-            <a:extLst>
-              <a:ext uri="{FF2B5EF4-FFF2-40B4-BE49-F238E27FC236}">
-                <a16:creationId xmlns:a16="http://schemas.microsoft.com/office/drawing/2014/main" id="{6C3659B9-15B3-4EA1-81D9-65A153930F0C}"/>
-              </a:ext>
-            </a:extLst>
-          </p:cNvPr>
-          <p:cNvSpPr txBox="1"/>
-          <p:nvPr/>
-        </p:nvSpPr>
-        <p:spPr>
-          <a:xfrm>
-            <a:off x="800100" y="2356338"/>
-            <a:ext cx="8713177" cy="646331"/>
-          </a:xfrm>
-          <a:prstGeom prst="rect">
-            <a:avLst/>
-          </a:prstGeom>
-          <a:noFill/>
-        </p:spPr>
-        <p:txBody>
-          <a:bodyPr wrap="square" rtlCol="0">
-            <a:spAutoFit/>
-          </a:bodyPr>
-          <a:lstStyle/>
-          <a:p>
-            <a:pPr marL="285750" indent="-285750">
-              <a:buFont typeface="Arial" panose="020B0604020202020204" pitchFamily="34" charset="0"/>
-              <a:buChar char="•"/>
-            </a:pPr>
-            <a:r>
-              <a:rPr lang="en-US" altLang="zh-CN" dirty="0"/>
-              <a:t>Differences cannot be captured by </a:t>
-            </a:r>
-            <a:r>
-              <a:rPr lang="en-US" altLang="zh-CN" dirty="0" err="1"/>
-              <a:t>PCA</a:t>
-            </a:r>
-            <a:r>
-              <a:rPr lang="en-US" altLang="zh-CN" dirty="0"/>
-              <a:t> on overall genes expression, but different patterns can</a:t>
-            </a:r>
-            <a:r>
-              <a:rPr lang="zh-CN" altLang="en-US" dirty="0"/>
-              <a:t> </a:t>
-            </a:r>
-            <a:r>
-              <a:rPr lang="en-US" altLang="zh-CN" dirty="0"/>
-              <a:t>be</a:t>
-            </a:r>
-            <a:r>
-              <a:rPr lang="zh-CN" altLang="en-US" dirty="0"/>
-              <a:t> </a:t>
-            </a:r>
-            <a:r>
-              <a:rPr lang="en-US" altLang="zh-CN" dirty="0"/>
-              <a:t>shown</a:t>
-            </a:r>
-            <a:r>
-              <a:rPr lang="zh-CN" altLang="en-US" dirty="0"/>
-              <a:t> </a:t>
-            </a:r>
-            <a:r>
-              <a:rPr lang="en-US" altLang="zh-CN" dirty="0"/>
-              <a:t>by</a:t>
-            </a:r>
-            <a:r>
-              <a:rPr lang="zh-CN" altLang="en-US" dirty="0"/>
-              <a:t> </a:t>
-            </a:r>
-            <a:r>
-              <a:rPr lang="en-US" altLang="zh-CN" dirty="0" err="1"/>
-              <a:t>PCA</a:t>
-            </a:r>
-            <a:r>
-              <a:rPr lang="zh-CN" altLang="en-US" dirty="0"/>
-              <a:t> </a:t>
-            </a:r>
-            <a:r>
-              <a:rPr lang="en-US" altLang="zh-CN" dirty="0"/>
-              <a:t>across genes within different cell lines</a:t>
-            </a:r>
-            <a:endParaRPr lang="en-US" dirty="0"/>
-          </a:p>
-        </p:txBody>
-      </p:sp>
-      <p:sp>
-        <p:nvSpPr>
-          <p:cNvPr id="8" name="TextBox 7">
-            <a:extLst>
-              <a:ext uri="{FF2B5EF4-FFF2-40B4-BE49-F238E27FC236}">
-                <a16:creationId xmlns:a16="http://schemas.microsoft.com/office/drawing/2014/main" id="{3FB0C556-1AB0-4FC3-85ED-3BD35A08139C}"/>
-              </a:ext>
-            </a:extLst>
-          </p:cNvPr>
-          <p:cNvSpPr txBox="1"/>
-          <p:nvPr/>
-        </p:nvSpPr>
-        <p:spPr>
-          <a:xfrm>
-            <a:off x="800100" y="3156438"/>
-            <a:ext cx="8713177" cy="646331"/>
-          </a:xfrm>
-          <a:prstGeom prst="rect">
-            <a:avLst/>
-          </a:prstGeom>
-          <a:noFill/>
-        </p:spPr>
-        <p:txBody>
-          <a:bodyPr wrap="square" rtlCol="0">
-            <a:spAutoFit/>
-          </a:bodyPr>
-          <a:lstStyle/>
-          <a:p>
-            <a:pPr marL="285750" indent="-285750">
-              <a:buFont typeface="Arial" panose="020B0604020202020204" pitchFamily="34" charset="0"/>
-              <a:buChar char="•"/>
-            </a:pPr>
-            <a:r>
-              <a:rPr lang="en-US" altLang="zh-CN" dirty="0"/>
-              <a:t>To avoid obscuration by other genes, select </a:t>
-            </a:r>
-            <a:r>
-              <a:rPr lang="en-US" altLang="zh-CN" dirty="0" err="1"/>
-              <a:t>TCGs</a:t>
-            </a:r>
-            <a:r>
-              <a:rPr lang="en-US" altLang="zh-CN" dirty="0"/>
-              <a:t>, which could be potentially responsible for drug resistance</a:t>
-            </a:r>
-            <a:endParaRPr lang="en-US" dirty="0"/>
-          </a:p>
-        </p:txBody>
-      </p:sp>
-      <p:sp>
-        <p:nvSpPr>
-          <p:cNvPr id="9" name="TextBox 8">
-            <a:extLst>
-              <a:ext uri="{FF2B5EF4-FFF2-40B4-BE49-F238E27FC236}">
-                <a16:creationId xmlns:a16="http://schemas.microsoft.com/office/drawing/2014/main" id="{CCE88267-CB2F-4D5B-B47A-3180701D1A92}"/>
-              </a:ext>
-            </a:extLst>
-          </p:cNvPr>
-          <p:cNvSpPr txBox="1"/>
-          <p:nvPr/>
-        </p:nvSpPr>
-        <p:spPr>
-          <a:xfrm>
-            <a:off x="800100" y="3894992"/>
-            <a:ext cx="8713177" cy="369332"/>
-          </a:xfrm>
-          <a:prstGeom prst="rect">
-            <a:avLst/>
-          </a:prstGeom>
-          <a:noFill/>
-        </p:spPr>
-        <p:txBody>
-          <a:bodyPr wrap="square" rtlCol="0">
-            <a:spAutoFit/>
-          </a:bodyPr>
-          <a:lstStyle/>
-          <a:p>
-            <a:pPr marL="285750" indent="-285750">
-              <a:buFont typeface="Arial" panose="020B0604020202020204" pitchFamily="34" charset="0"/>
-              <a:buChar char="•"/>
-            </a:pPr>
-            <a:r>
-              <a:rPr lang="en-US" dirty="0"/>
-              <a:t>Heatmap and clustered gene expression curves shows different expression profiles</a:t>
-            </a:r>
-          </a:p>
-        </p:txBody>
-      </p:sp>
-    </p:spTree>
-    <p:extLst>
-      <p:ext uri="{BB962C8B-B14F-4D97-AF65-F5344CB8AC3E}">
-        <p14:creationId xmlns:p14="http://schemas.microsoft.com/office/powerpoint/2010/main" val="1983339577"/>
-      </p:ext>
-    </p:extLst>
-  </p:cSld>
-  <p:clrMapOvr>
-    <a:masterClrMapping/>
-  </p:clrMapOvr>
-</p:sld>
-</file>
-
 <file path=ppt/slides/slide23.xml><?xml version="1.0" encoding="utf-8"?>
 <p:sld xmlns:a="http://schemas.openxmlformats.org/drawingml/2006/main" xmlns:r="http://schemas.openxmlformats.org/officeDocument/2006/relationships" xmlns:p="http://schemas.openxmlformats.org/presentationml/2006/main">
   <p:cSld>
@@ -8616,10 +9082,10 @@
       </p:grpSpPr>
       <p:sp>
         <p:nvSpPr>
-          <p:cNvPr id="2" name="TextBox 1">
-            <a:extLst>
-              <a:ext uri="{FF2B5EF4-FFF2-40B4-BE49-F238E27FC236}">
-                <a16:creationId xmlns:a16="http://schemas.microsoft.com/office/drawing/2014/main" id="{4972AD8D-8B96-468B-826B-AF3BFF496A4D}"/>
+          <p:cNvPr id="4" name="TextBox 3">
+            <a:extLst>
+              <a:ext uri="{FF2B5EF4-FFF2-40B4-BE49-F238E27FC236}">
+                <a16:creationId xmlns:a16="http://schemas.microsoft.com/office/drawing/2014/main" id="{F11A030C-65AB-42A0-922C-A035DC97D23C}"/>
               </a:ext>
             </a:extLst>
           </p:cNvPr>
@@ -8627,9 +9093,9 @@
           <p:nvPr/>
         </p:nvSpPr>
         <p:spPr>
-          <a:xfrm>
-            <a:off x="3288323" y="2074984"/>
-            <a:ext cx="5151347" cy="1323439"/>
+          <a:xfrm flipH="1">
+            <a:off x="694591" y="358728"/>
+            <a:ext cx="6137031" cy="584775"/>
           </a:xfrm>
           <a:prstGeom prst="rect">
             <a:avLst/>
@@ -8637,24 +9103,25 @@
           <a:noFill/>
         </p:spPr>
         <p:txBody>
-          <a:bodyPr wrap="none" rtlCol="0">
+          <a:bodyPr wrap="square" rtlCol="0">
             <a:spAutoFit/>
           </a:bodyPr>
           <a:lstStyle/>
           <a:p>
             <a:r>
-              <a:rPr lang="en-US" sz="8000" dirty="0"/>
-              <a:t>THANK YOU</a:t>
-            </a:r>
-          </a:p>
-        </p:txBody>
-      </p:sp>
-      <p:sp>
-        <p:nvSpPr>
-          <p:cNvPr id="3" name="TextBox 2">
-            <a:extLst>
-              <a:ext uri="{FF2B5EF4-FFF2-40B4-BE49-F238E27FC236}">
-                <a16:creationId xmlns:a16="http://schemas.microsoft.com/office/drawing/2014/main" id="{44654D7E-2FCF-4742-9290-2BD84951AAF1}"/>
+              <a:rPr lang="en-US" altLang="zh-CN" sz="3200" dirty="0"/>
+              <a:t>Conclusion</a:t>
+            </a:r>
+            <a:endParaRPr lang="en-US" sz="3200" dirty="0"/>
+          </a:p>
+        </p:txBody>
+      </p:sp>
+      <p:sp>
+        <p:nvSpPr>
+          <p:cNvPr id="2" name="TextBox 1">
+            <a:extLst>
+              <a:ext uri="{FF2B5EF4-FFF2-40B4-BE49-F238E27FC236}">
+                <a16:creationId xmlns:a16="http://schemas.microsoft.com/office/drawing/2014/main" id="{56067F8D-2853-4C6B-9A9A-9DC1FF89B676}"/>
               </a:ext>
             </a:extLst>
           </p:cNvPr>
@@ -8663,8 +9130,8 @@
         </p:nvSpPr>
         <p:spPr>
           <a:xfrm>
-            <a:off x="5187462" y="3842239"/>
-            <a:ext cx="1406154" cy="707886"/>
+            <a:off x="800100" y="1793631"/>
+            <a:ext cx="8097986" cy="369332"/>
           </a:xfrm>
           <a:prstGeom prst="rect">
             <a:avLst/>
@@ -8677,6 +9144,325 @@
           </a:bodyPr>
           <a:lstStyle/>
           <a:p>
+            <a:pPr marL="285750" indent="-285750">
+              <a:buFont typeface="Arial" panose="020B0604020202020204" pitchFamily="34" charset="0"/>
+              <a:buChar char="•"/>
+            </a:pPr>
+            <a:r>
+              <a:rPr lang="en-US" altLang="zh-CN" dirty="0"/>
+              <a:t>Gene expression profiles are different between drug-sensitive and -resistant cells</a:t>
+            </a:r>
+            <a:endParaRPr lang="en-US" dirty="0"/>
+          </a:p>
+        </p:txBody>
+      </p:sp>
+      <p:sp>
+        <p:nvSpPr>
+          <p:cNvPr id="6" name="TextBox 5">
+            <a:extLst>
+              <a:ext uri="{FF2B5EF4-FFF2-40B4-BE49-F238E27FC236}">
+                <a16:creationId xmlns:a16="http://schemas.microsoft.com/office/drawing/2014/main" id="{6C3659B9-15B3-4EA1-81D9-65A153930F0C}"/>
+              </a:ext>
+            </a:extLst>
+          </p:cNvPr>
+          <p:cNvSpPr txBox="1"/>
+          <p:nvPr/>
+        </p:nvSpPr>
+        <p:spPr>
+          <a:xfrm>
+            <a:off x="800100" y="2356338"/>
+            <a:ext cx="8713177" cy="646331"/>
+          </a:xfrm>
+          <a:prstGeom prst="rect">
+            <a:avLst/>
+          </a:prstGeom>
+          <a:noFill/>
+        </p:spPr>
+        <p:txBody>
+          <a:bodyPr wrap="square" rtlCol="0">
+            <a:spAutoFit/>
+          </a:bodyPr>
+          <a:lstStyle/>
+          <a:p>
+            <a:pPr marL="285750" indent="-285750">
+              <a:buFont typeface="Arial" panose="020B0604020202020204" pitchFamily="34" charset="0"/>
+              <a:buChar char="•"/>
+            </a:pPr>
+            <a:r>
+              <a:rPr lang="en-US" altLang="zh-CN" dirty="0"/>
+              <a:t>Differences cannot be captured by </a:t>
+            </a:r>
+            <a:r>
+              <a:rPr lang="en-US" altLang="zh-CN" dirty="0" err="1"/>
+              <a:t>PCA</a:t>
+            </a:r>
+            <a:r>
+              <a:rPr lang="en-US" altLang="zh-CN" dirty="0"/>
+              <a:t> on overall genes expression, but different patterns can</a:t>
+            </a:r>
+            <a:r>
+              <a:rPr lang="zh-CN" altLang="en-US" dirty="0"/>
+              <a:t> </a:t>
+            </a:r>
+            <a:r>
+              <a:rPr lang="en-US" altLang="zh-CN" dirty="0"/>
+              <a:t>be</a:t>
+            </a:r>
+            <a:r>
+              <a:rPr lang="zh-CN" altLang="en-US" dirty="0"/>
+              <a:t> </a:t>
+            </a:r>
+            <a:r>
+              <a:rPr lang="en-US" altLang="zh-CN" dirty="0"/>
+              <a:t>shown</a:t>
+            </a:r>
+            <a:r>
+              <a:rPr lang="zh-CN" altLang="en-US" dirty="0"/>
+              <a:t> </a:t>
+            </a:r>
+            <a:r>
+              <a:rPr lang="en-US" altLang="zh-CN" dirty="0"/>
+              <a:t>by</a:t>
+            </a:r>
+            <a:r>
+              <a:rPr lang="zh-CN" altLang="en-US" dirty="0"/>
+              <a:t> </a:t>
+            </a:r>
+            <a:r>
+              <a:rPr lang="en-US" altLang="zh-CN" dirty="0" err="1"/>
+              <a:t>PCA</a:t>
+            </a:r>
+            <a:r>
+              <a:rPr lang="zh-CN" altLang="en-US" dirty="0"/>
+              <a:t> </a:t>
+            </a:r>
+            <a:r>
+              <a:rPr lang="en-US" altLang="zh-CN" dirty="0"/>
+              <a:t>across genes within different cell lines</a:t>
+            </a:r>
+            <a:endParaRPr lang="en-US" dirty="0"/>
+          </a:p>
+        </p:txBody>
+      </p:sp>
+      <p:sp>
+        <p:nvSpPr>
+          <p:cNvPr id="8" name="TextBox 7">
+            <a:extLst>
+              <a:ext uri="{FF2B5EF4-FFF2-40B4-BE49-F238E27FC236}">
+                <a16:creationId xmlns:a16="http://schemas.microsoft.com/office/drawing/2014/main" id="{3FB0C556-1AB0-4FC3-85ED-3BD35A08139C}"/>
+              </a:ext>
+            </a:extLst>
+          </p:cNvPr>
+          <p:cNvSpPr txBox="1"/>
+          <p:nvPr/>
+        </p:nvSpPr>
+        <p:spPr>
+          <a:xfrm>
+            <a:off x="800100" y="3156438"/>
+            <a:ext cx="8713177" cy="646331"/>
+          </a:xfrm>
+          <a:prstGeom prst="rect">
+            <a:avLst/>
+          </a:prstGeom>
+          <a:noFill/>
+        </p:spPr>
+        <p:txBody>
+          <a:bodyPr wrap="square" rtlCol="0">
+            <a:spAutoFit/>
+          </a:bodyPr>
+          <a:lstStyle/>
+          <a:p>
+            <a:pPr marL="285750" indent="-285750">
+              <a:buFont typeface="Arial" panose="020B0604020202020204" pitchFamily="34" charset="0"/>
+              <a:buChar char="•"/>
+            </a:pPr>
+            <a:r>
+              <a:rPr lang="en-US" altLang="zh-CN" dirty="0"/>
+              <a:t>To avoid obscuration by other genes, select </a:t>
+            </a:r>
+            <a:r>
+              <a:rPr lang="en-US" altLang="zh-CN" dirty="0" err="1"/>
+              <a:t>TCGs</a:t>
+            </a:r>
+            <a:r>
+              <a:rPr lang="en-US" altLang="zh-CN" dirty="0"/>
+              <a:t>, which could be potentially responsible for drug resistance</a:t>
+            </a:r>
+            <a:endParaRPr lang="en-US" dirty="0"/>
+          </a:p>
+        </p:txBody>
+      </p:sp>
+      <p:sp>
+        <p:nvSpPr>
+          <p:cNvPr id="9" name="TextBox 8">
+            <a:extLst>
+              <a:ext uri="{FF2B5EF4-FFF2-40B4-BE49-F238E27FC236}">
+                <a16:creationId xmlns:a16="http://schemas.microsoft.com/office/drawing/2014/main" id="{CCE88267-CB2F-4D5B-B47A-3180701D1A92}"/>
+              </a:ext>
+            </a:extLst>
+          </p:cNvPr>
+          <p:cNvSpPr txBox="1"/>
+          <p:nvPr/>
+        </p:nvSpPr>
+        <p:spPr>
+          <a:xfrm>
+            <a:off x="800100" y="3894992"/>
+            <a:ext cx="8713177" cy="369332"/>
+          </a:xfrm>
+          <a:prstGeom prst="rect">
+            <a:avLst/>
+          </a:prstGeom>
+          <a:noFill/>
+        </p:spPr>
+        <p:txBody>
+          <a:bodyPr wrap="square" rtlCol="0">
+            <a:spAutoFit/>
+          </a:bodyPr>
+          <a:lstStyle/>
+          <a:p>
+            <a:pPr marL="285750" indent="-285750">
+              <a:buFont typeface="Arial" panose="020B0604020202020204" pitchFamily="34" charset="0"/>
+              <a:buChar char="•"/>
+            </a:pPr>
+            <a:r>
+              <a:rPr lang="en-US" dirty="0"/>
+              <a:t>Heatmap and clustered gene expression curves shows different expression profiles</a:t>
+            </a:r>
+          </a:p>
+        </p:txBody>
+      </p:sp>
+      <p:sp>
+        <p:nvSpPr>
+          <p:cNvPr id="7" name="TextBox 6">
+            <a:extLst>
+              <a:ext uri="{FF2B5EF4-FFF2-40B4-BE49-F238E27FC236}">
+                <a16:creationId xmlns:a16="http://schemas.microsoft.com/office/drawing/2014/main" id="{CB5A01D1-545F-4F6D-86EF-04FDD0A05449}"/>
+              </a:ext>
+            </a:extLst>
+          </p:cNvPr>
+          <p:cNvSpPr txBox="1"/>
+          <p:nvPr/>
+        </p:nvSpPr>
+        <p:spPr>
+          <a:xfrm>
+            <a:off x="800100" y="4388768"/>
+            <a:ext cx="8713177" cy="369332"/>
+          </a:xfrm>
+          <a:prstGeom prst="rect">
+            <a:avLst/>
+          </a:prstGeom>
+          <a:noFill/>
+        </p:spPr>
+        <p:txBody>
+          <a:bodyPr wrap="square" rtlCol="0">
+            <a:spAutoFit/>
+          </a:bodyPr>
+          <a:lstStyle/>
+          <a:p>
+            <a:pPr marL="285750" indent="-285750">
+              <a:buFont typeface="Arial" panose="020B0604020202020204" pitchFamily="34" charset="0"/>
+              <a:buChar char="•"/>
+            </a:pPr>
+            <a:r>
+              <a:rPr lang="en-US" dirty="0"/>
+              <a:t>Difference on monotonicity and adaptive scores measurement</a:t>
+            </a:r>
+          </a:p>
+        </p:txBody>
+      </p:sp>
+    </p:spTree>
+    <p:extLst>
+      <p:ext uri="{BB962C8B-B14F-4D97-AF65-F5344CB8AC3E}">
+        <p14:creationId xmlns:p14="http://schemas.microsoft.com/office/powerpoint/2010/main" val="1983339577"/>
+      </p:ext>
+    </p:extLst>
+  </p:cSld>
+  <p:clrMapOvr>
+    <a:masterClrMapping/>
+  </p:clrMapOvr>
+</p:sld>
+</file>
+
+<file path=ppt/slides/slide24.xml><?xml version="1.0" encoding="utf-8"?>
+<p:sld xmlns:a="http://schemas.openxmlformats.org/drawingml/2006/main" xmlns:r="http://schemas.openxmlformats.org/officeDocument/2006/relationships" xmlns:p="http://schemas.openxmlformats.org/presentationml/2006/main">
+  <p:cSld>
+    <p:spTree>
+      <p:nvGrpSpPr>
+        <p:cNvPr id="1" name=""/>
+        <p:cNvGrpSpPr/>
+        <p:nvPr/>
+      </p:nvGrpSpPr>
+      <p:grpSpPr>
+        <a:xfrm>
+          <a:off x="0" y="0"/>
+          <a:ext cx="0" cy="0"/>
+          <a:chOff x="0" y="0"/>
+          <a:chExt cx="0" cy="0"/>
+        </a:xfrm>
+      </p:grpSpPr>
+      <p:sp>
+        <p:nvSpPr>
+          <p:cNvPr id="2" name="TextBox 1">
+            <a:extLst>
+              <a:ext uri="{FF2B5EF4-FFF2-40B4-BE49-F238E27FC236}">
+                <a16:creationId xmlns:a16="http://schemas.microsoft.com/office/drawing/2014/main" id="{4972AD8D-8B96-468B-826B-AF3BFF496A4D}"/>
+              </a:ext>
+            </a:extLst>
+          </p:cNvPr>
+          <p:cNvSpPr txBox="1"/>
+          <p:nvPr/>
+        </p:nvSpPr>
+        <p:spPr>
+          <a:xfrm>
+            <a:off x="3288323" y="2074984"/>
+            <a:ext cx="5151347" cy="1323439"/>
+          </a:xfrm>
+          <a:prstGeom prst="rect">
+            <a:avLst/>
+          </a:prstGeom>
+          <a:noFill/>
+        </p:spPr>
+        <p:txBody>
+          <a:bodyPr wrap="none" rtlCol="0">
+            <a:spAutoFit/>
+          </a:bodyPr>
+          <a:lstStyle/>
+          <a:p>
+            <a:r>
+              <a:rPr lang="en-US" sz="8000" dirty="0"/>
+              <a:t>THANK YOU</a:t>
+            </a:r>
+          </a:p>
+        </p:txBody>
+      </p:sp>
+      <p:sp>
+        <p:nvSpPr>
+          <p:cNvPr id="3" name="TextBox 2">
+            <a:extLst>
+              <a:ext uri="{FF2B5EF4-FFF2-40B4-BE49-F238E27FC236}">
+                <a16:creationId xmlns:a16="http://schemas.microsoft.com/office/drawing/2014/main" id="{44654D7E-2FCF-4742-9290-2BD84951AAF1}"/>
+              </a:ext>
+            </a:extLst>
+          </p:cNvPr>
+          <p:cNvSpPr txBox="1"/>
+          <p:nvPr/>
+        </p:nvSpPr>
+        <p:spPr>
+          <a:xfrm>
+            <a:off x="5187462" y="3842239"/>
+            <a:ext cx="1406154" cy="707886"/>
+          </a:xfrm>
+          <a:prstGeom prst="rect">
+            <a:avLst/>
+          </a:prstGeom>
+          <a:noFill/>
+        </p:spPr>
+        <p:txBody>
+          <a:bodyPr wrap="none" rtlCol="0">
+            <a:spAutoFit/>
+          </a:bodyPr>
+          <a:lstStyle/>
+          <a:p>
             <a:r>
               <a:rPr lang="en-US" sz="4000" dirty="0"/>
               <a:t>Q &amp; A</a:t>
@@ -8688,6 +9474,737 @@
     <p:extLst>
       <p:ext uri="{BB962C8B-B14F-4D97-AF65-F5344CB8AC3E}">
         <p14:creationId xmlns:p14="http://schemas.microsoft.com/office/powerpoint/2010/main" val="1548694032"/>
+      </p:ext>
+    </p:extLst>
+  </p:cSld>
+  <p:clrMapOvr>
+    <a:masterClrMapping/>
+  </p:clrMapOvr>
+</p:sld>
+</file>
+
+<file path=ppt/slides/slide25.xml><?xml version="1.0" encoding="utf-8"?>
+<p:sld xmlns:a="http://schemas.openxmlformats.org/drawingml/2006/main" xmlns:r="http://schemas.openxmlformats.org/officeDocument/2006/relationships" xmlns:p="http://schemas.openxmlformats.org/presentationml/2006/main">
+  <p:cSld>
+    <p:spTree>
+      <p:nvGrpSpPr>
+        <p:cNvPr id="1" name=""/>
+        <p:cNvGrpSpPr/>
+        <p:nvPr/>
+      </p:nvGrpSpPr>
+      <p:grpSpPr>
+        <a:xfrm>
+          <a:off x="0" y="0"/>
+          <a:ext cx="0" cy="0"/>
+          <a:chOff x="0" y="0"/>
+          <a:chExt cx="0" cy="0"/>
+        </a:xfrm>
+      </p:grpSpPr>
+      <p:pic>
+        <p:nvPicPr>
+          <p:cNvPr id="3" name="Picture 2">
+            <a:extLst>
+              <a:ext uri="{FF2B5EF4-FFF2-40B4-BE49-F238E27FC236}">
+                <a16:creationId xmlns:a16="http://schemas.microsoft.com/office/drawing/2014/main" id="{EFDB407A-C849-40C8-B8D0-1E3EB11FA36E}"/>
+              </a:ext>
+            </a:extLst>
+          </p:cNvPr>
+          <p:cNvPicPr>
+            <a:picLocks noChangeAspect="1"/>
+          </p:cNvPicPr>
+          <p:nvPr/>
+        </p:nvPicPr>
+        <p:blipFill>
+          <a:blip r:embed="rId2">
+            <a:extLst>
+              <a:ext uri="{28A0092B-C50C-407E-A947-70E740481C1C}">
+                <a14:useLocalDpi xmlns:a14="http://schemas.microsoft.com/office/drawing/2010/main" val="0"/>
+              </a:ext>
+            </a:extLst>
+          </a:blip>
+          <a:stretch>
+            <a:fillRect/>
+          </a:stretch>
+        </p:blipFill>
+        <p:spPr>
+          <a:xfrm>
+            <a:off x="1079391" y="1370436"/>
+            <a:ext cx="6851271" cy="4948140"/>
+          </a:xfrm>
+          <a:prstGeom prst="rect">
+            <a:avLst/>
+          </a:prstGeom>
+        </p:spPr>
+      </p:pic>
+      <p:sp>
+        <p:nvSpPr>
+          <p:cNvPr id="2" name="TextBox 1">
+            <a:extLst>
+              <a:ext uri="{FF2B5EF4-FFF2-40B4-BE49-F238E27FC236}">
+                <a16:creationId xmlns:a16="http://schemas.microsoft.com/office/drawing/2014/main" id="{6B849BD6-B2E7-4238-AD64-4BC20A4FAB38}"/>
+              </a:ext>
+            </a:extLst>
+          </p:cNvPr>
+          <p:cNvSpPr txBox="1"/>
+          <p:nvPr/>
+        </p:nvSpPr>
+        <p:spPr>
+          <a:xfrm>
+            <a:off x="835269" y="413238"/>
+            <a:ext cx="5405198" cy="369332"/>
+          </a:xfrm>
+          <a:prstGeom prst="rect">
+            <a:avLst/>
+          </a:prstGeom>
+          <a:noFill/>
+        </p:spPr>
+        <p:txBody>
+          <a:bodyPr wrap="none" rtlCol="0">
+            <a:spAutoFit/>
+          </a:bodyPr>
+          <a:lstStyle/>
+          <a:p>
+            <a:r>
+              <a:rPr lang="en-US" altLang="zh-CN" dirty="0"/>
+              <a:t>After Building the network, node degrees are measured</a:t>
+            </a:r>
+            <a:endParaRPr lang="en-US" dirty="0"/>
+          </a:p>
+        </p:txBody>
+      </p:sp>
+      <p:sp>
+        <p:nvSpPr>
+          <p:cNvPr id="4" name="TextBox 3">
+            <a:extLst>
+              <a:ext uri="{FF2B5EF4-FFF2-40B4-BE49-F238E27FC236}">
+                <a16:creationId xmlns:a16="http://schemas.microsoft.com/office/drawing/2014/main" id="{7BDA7318-6866-4992-A0F7-528BE6CF3D0F}"/>
+              </a:ext>
+            </a:extLst>
+          </p:cNvPr>
+          <p:cNvSpPr txBox="1"/>
+          <p:nvPr/>
+        </p:nvSpPr>
+        <p:spPr>
+          <a:xfrm>
+            <a:off x="7385539" y="3877408"/>
+            <a:ext cx="4541243" cy="646331"/>
+          </a:xfrm>
+          <a:prstGeom prst="rect">
+            <a:avLst/>
+          </a:prstGeom>
+          <a:noFill/>
+        </p:spPr>
+        <p:txBody>
+          <a:bodyPr wrap="none" rtlCol="0">
+            <a:spAutoFit/>
+          </a:bodyPr>
+          <a:lstStyle/>
+          <a:p>
+            <a:r>
+              <a:rPr lang="en-US" dirty="0"/>
+              <a:t>Higher degree is expected in resistant network</a:t>
+            </a:r>
+          </a:p>
+          <a:p>
+            <a:r>
+              <a:rPr lang="en-US" dirty="0"/>
+              <a:t>but not shown in the figure</a:t>
+            </a:r>
+          </a:p>
+        </p:txBody>
+      </p:sp>
+    </p:spTree>
+    <p:extLst>
+      <p:ext uri="{BB962C8B-B14F-4D97-AF65-F5344CB8AC3E}">
+        <p14:creationId xmlns:p14="http://schemas.microsoft.com/office/powerpoint/2010/main" val="4233031204"/>
+      </p:ext>
+    </p:extLst>
+  </p:cSld>
+  <p:clrMapOvr>
+    <a:masterClrMapping/>
+  </p:clrMapOvr>
+</p:sld>
+</file>
+
+<file path=ppt/slides/slide26.xml><?xml version="1.0" encoding="utf-8"?>
+<p:sld xmlns:a="http://schemas.openxmlformats.org/drawingml/2006/main" xmlns:r="http://schemas.openxmlformats.org/officeDocument/2006/relationships" xmlns:p="http://schemas.openxmlformats.org/presentationml/2006/main">
+  <p:cSld>
+    <p:spTree>
+      <p:nvGrpSpPr>
+        <p:cNvPr id="1" name=""/>
+        <p:cNvGrpSpPr/>
+        <p:nvPr/>
+      </p:nvGrpSpPr>
+      <p:grpSpPr>
+        <a:xfrm>
+          <a:off x="0" y="0"/>
+          <a:ext cx="0" cy="0"/>
+          <a:chOff x="0" y="0"/>
+          <a:chExt cx="0" cy="0"/>
+        </a:xfrm>
+      </p:grpSpPr>
+      <p:sp>
+        <p:nvSpPr>
+          <p:cNvPr id="4" name="TextBox 3">
+            <a:extLst>
+              <a:ext uri="{FF2B5EF4-FFF2-40B4-BE49-F238E27FC236}">
+                <a16:creationId xmlns:a16="http://schemas.microsoft.com/office/drawing/2014/main" id="{F11A030C-65AB-42A0-922C-A035DC97D23C}"/>
+              </a:ext>
+            </a:extLst>
+          </p:cNvPr>
+          <p:cNvSpPr txBox="1"/>
+          <p:nvPr/>
+        </p:nvSpPr>
+        <p:spPr>
+          <a:xfrm flipH="1">
+            <a:off x="694591" y="358728"/>
+            <a:ext cx="6137031" cy="584775"/>
+          </a:xfrm>
+          <a:prstGeom prst="rect">
+            <a:avLst/>
+          </a:prstGeom>
+          <a:noFill/>
+        </p:spPr>
+        <p:txBody>
+          <a:bodyPr wrap="square" rtlCol="0">
+            <a:spAutoFit/>
+          </a:bodyPr>
+          <a:lstStyle/>
+          <a:p>
+            <a:r>
+              <a:rPr lang="en-US" altLang="zh-CN" sz="3200" dirty="0"/>
+              <a:t>Raw Data Quality Control Summary</a:t>
+            </a:r>
+            <a:endParaRPr lang="en-US" sz="3200" dirty="0"/>
+          </a:p>
+        </p:txBody>
+      </p:sp>
+      <p:sp>
+        <p:nvSpPr>
+          <p:cNvPr id="2" name="TextBox 1">
+            <a:extLst>
+              <a:ext uri="{FF2B5EF4-FFF2-40B4-BE49-F238E27FC236}">
+                <a16:creationId xmlns:a16="http://schemas.microsoft.com/office/drawing/2014/main" id="{56067F8D-2853-4C6B-9A9A-9DC1FF89B676}"/>
+              </a:ext>
+            </a:extLst>
+          </p:cNvPr>
+          <p:cNvSpPr txBox="1"/>
+          <p:nvPr/>
+        </p:nvSpPr>
+        <p:spPr>
+          <a:xfrm>
+            <a:off x="800100" y="1793631"/>
+            <a:ext cx="3398687" cy="369332"/>
+          </a:xfrm>
+          <a:prstGeom prst="rect">
+            <a:avLst/>
+          </a:prstGeom>
+          <a:noFill/>
+        </p:spPr>
+        <p:txBody>
+          <a:bodyPr wrap="none" rtlCol="0">
+            <a:spAutoFit/>
+          </a:bodyPr>
+          <a:lstStyle/>
+          <a:p>
+            <a:pPr marL="285750" indent="-285750">
+              <a:buFont typeface="Arial" panose="020B0604020202020204" pitchFamily="34" charset="0"/>
+              <a:buChar char="•"/>
+            </a:pPr>
+            <a:r>
+              <a:rPr lang="en-US" altLang="zh-CN" dirty="0"/>
+              <a:t>High overall sequencing quality</a:t>
+            </a:r>
+            <a:endParaRPr lang="en-US" dirty="0"/>
+          </a:p>
+        </p:txBody>
+      </p:sp>
+      <p:sp>
+        <p:nvSpPr>
+          <p:cNvPr id="6" name="TextBox 5">
+            <a:extLst>
+              <a:ext uri="{FF2B5EF4-FFF2-40B4-BE49-F238E27FC236}">
+                <a16:creationId xmlns:a16="http://schemas.microsoft.com/office/drawing/2014/main" id="{6C3659B9-15B3-4EA1-81D9-65A153930F0C}"/>
+              </a:ext>
+            </a:extLst>
+          </p:cNvPr>
+          <p:cNvSpPr txBox="1"/>
+          <p:nvPr/>
+        </p:nvSpPr>
+        <p:spPr>
+          <a:xfrm>
+            <a:off x="800100" y="2356338"/>
+            <a:ext cx="3146759" cy="369332"/>
+          </a:xfrm>
+          <a:prstGeom prst="rect">
+            <a:avLst/>
+          </a:prstGeom>
+          <a:noFill/>
+        </p:spPr>
+        <p:txBody>
+          <a:bodyPr wrap="none" rtlCol="0">
+            <a:spAutoFit/>
+          </a:bodyPr>
+          <a:lstStyle/>
+          <a:p>
+            <a:pPr marL="285750" indent="-285750">
+              <a:buFont typeface="Arial" panose="020B0604020202020204" pitchFamily="34" charset="0"/>
+              <a:buChar char="•"/>
+            </a:pPr>
+            <a:r>
+              <a:rPr lang="en-US" altLang="zh-CN" dirty="0"/>
+              <a:t>Reasonable duplication level</a:t>
+            </a:r>
+            <a:endParaRPr lang="en-US" dirty="0"/>
+          </a:p>
+        </p:txBody>
+      </p:sp>
+      <p:sp>
+        <p:nvSpPr>
+          <p:cNvPr id="8" name="TextBox 7">
+            <a:extLst>
+              <a:ext uri="{FF2B5EF4-FFF2-40B4-BE49-F238E27FC236}">
+                <a16:creationId xmlns:a16="http://schemas.microsoft.com/office/drawing/2014/main" id="{01115033-BF77-4C16-B59D-2525EA7F531A}"/>
+              </a:ext>
+            </a:extLst>
+          </p:cNvPr>
+          <p:cNvSpPr txBox="1"/>
+          <p:nvPr/>
+        </p:nvSpPr>
+        <p:spPr>
+          <a:xfrm>
+            <a:off x="803031" y="2921977"/>
+            <a:ext cx="3789627" cy="369332"/>
+          </a:xfrm>
+          <a:prstGeom prst="rect">
+            <a:avLst/>
+          </a:prstGeom>
+          <a:noFill/>
+        </p:spPr>
+        <p:txBody>
+          <a:bodyPr wrap="none" rtlCol="0">
+            <a:spAutoFit/>
+          </a:bodyPr>
+          <a:lstStyle/>
+          <a:p>
+            <a:pPr marL="285750" indent="-285750">
+              <a:buFont typeface="Arial" panose="020B0604020202020204" pitchFamily="34" charset="0"/>
+              <a:buChar char="•"/>
+            </a:pPr>
+            <a:r>
+              <a:rPr lang="en-US" altLang="zh-CN" dirty="0"/>
+              <a:t>Low overrepresented reads portion</a:t>
+            </a:r>
+            <a:endParaRPr lang="en-US" dirty="0"/>
+          </a:p>
+        </p:txBody>
+      </p:sp>
+      <p:sp>
+        <p:nvSpPr>
+          <p:cNvPr id="9" name="TextBox 8">
+            <a:extLst>
+              <a:ext uri="{FF2B5EF4-FFF2-40B4-BE49-F238E27FC236}">
+                <a16:creationId xmlns:a16="http://schemas.microsoft.com/office/drawing/2014/main" id="{464C800A-B1C6-4793-BA6A-99E4D9EF3E2F}"/>
+              </a:ext>
+            </a:extLst>
+          </p:cNvPr>
+          <p:cNvSpPr txBox="1"/>
+          <p:nvPr/>
+        </p:nvSpPr>
+        <p:spPr>
+          <a:xfrm>
+            <a:off x="803031" y="3484685"/>
+            <a:ext cx="4381328" cy="369332"/>
+          </a:xfrm>
+          <a:prstGeom prst="rect">
+            <a:avLst/>
+          </a:prstGeom>
+          <a:noFill/>
+        </p:spPr>
+        <p:txBody>
+          <a:bodyPr wrap="none" rtlCol="0">
+            <a:spAutoFit/>
+          </a:bodyPr>
+          <a:lstStyle/>
+          <a:p>
+            <a:pPr marL="285750" indent="-285750">
+              <a:buFont typeface="Arial" panose="020B0604020202020204" pitchFamily="34" charset="0"/>
+              <a:buChar char="•"/>
+            </a:pPr>
+            <a:r>
+              <a:rPr lang="en-US" altLang="zh-CN" dirty="0"/>
+              <a:t>No adapters detected (figures not shown)</a:t>
+            </a:r>
+            <a:endParaRPr lang="en-US" dirty="0"/>
+          </a:p>
+        </p:txBody>
+      </p:sp>
+      <p:sp>
+        <p:nvSpPr>
+          <p:cNvPr id="10" name="TextBox 9">
+            <a:extLst>
+              <a:ext uri="{FF2B5EF4-FFF2-40B4-BE49-F238E27FC236}">
+                <a16:creationId xmlns:a16="http://schemas.microsoft.com/office/drawing/2014/main" id="{BEC7DEAD-61E8-4B09-9868-6C309636BC3C}"/>
+              </a:ext>
+            </a:extLst>
+          </p:cNvPr>
+          <p:cNvSpPr txBox="1"/>
+          <p:nvPr/>
+        </p:nvSpPr>
+        <p:spPr>
+          <a:xfrm>
+            <a:off x="803031" y="4865077"/>
+            <a:ext cx="7660110" cy="369332"/>
+          </a:xfrm>
+          <a:prstGeom prst="rect">
+            <a:avLst/>
+          </a:prstGeom>
+          <a:noFill/>
+        </p:spPr>
+        <p:txBody>
+          <a:bodyPr wrap="none" rtlCol="0">
+            <a:spAutoFit/>
+          </a:bodyPr>
+          <a:lstStyle/>
+          <a:p>
+            <a:pPr marL="285750" indent="-285750">
+              <a:buFont typeface="Arial" panose="020B0604020202020204" pitchFamily="34" charset="0"/>
+              <a:buChar char="•"/>
+            </a:pPr>
+            <a:r>
+              <a:rPr lang="en-US" altLang="zh-CN" dirty="0"/>
+              <a:t>Sample </a:t>
+            </a:r>
+            <a:r>
+              <a:rPr lang="en-US" altLang="zh-CN" dirty="0" err="1"/>
+              <a:t>resistant_48_R1</a:t>
+            </a:r>
+            <a:r>
+              <a:rPr lang="en-US" altLang="zh-CN" dirty="0"/>
+              <a:t> has unrecognized based due to sequencer problems</a:t>
+            </a:r>
+            <a:endParaRPr lang="en-US" dirty="0"/>
+          </a:p>
+        </p:txBody>
+      </p:sp>
+      <p:sp>
+        <p:nvSpPr>
+          <p:cNvPr id="5" name="TextBox 4">
+            <a:extLst>
+              <a:ext uri="{FF2B5EF4-FFF2-40B4-BE49-F238E27FC236}">
+                <a16:creationId xmlns:a16="http://schemas.microsoft.com/office/drawing/2014/main" id="{2B0A01E1-5E61-4272-8E57-E649323B3ED9}"/>
+              </a:ext>
+            </a:extLst>
+          </p:cNvPr>
+          <p:cNvSpPr txBox="1"/>
+          <p:nvPr/>
+        </p:nvSpPr>
+        <p:spPr>
+          <a:xfrm>
+            <a:off x="1107831" y="5451231"/>
+            <a:ext cx="8152296" cy="369332"/>
+          </a:xfrm>
+          <a:prstGeom prst="rect">
+            <a:avLst/>
+          </a:prstGeom>
+          <a:noFill/>
+        </p:spPr>
+        <p:txBody>
+          <a:bodyPr wrap="none" rtlCol="0">
+            <a:spAutoFit/>
+          </a:bodyPr>
+          <a:lstStyle/>
+          <a:p>
+            <a:r>
+              <a:rPr lang="en-US" dirty="0"/>
+              <a:t>Whether this problem would badly influence alignment should be carefully checked !</a:t>
+            </a:r>
+          </a:p>
+        </p:txBody>
+      </p:sp>
+    </p:spTree>
+    <p:extLst>
+      <p:ext uri="{BB962C8B-B14F-4D97-AF65-F5344CB8AC3E}">
+        <p14:creationId xmlns:p14="http://schemas.microsoft.com/office/powerpoint/2010/main" val="3319189599"/>
+      </p:ext>
+    </p:extLst>
+  </p:cSld>
+  <p:clrMapOvr>
+    <a:masterClrMapping/>
+  </p:clrMapOvr>
+</p:sld>
+</file>
+
+<file path=ppt/slides/slide27.xml><?xml version="1.0" encoding="utf-8"?>
+<p:sld xmlns:a="http://schemas.openxmlformats.org/drawingml/2006/main" xmlns:r="http://schemas.openxmlformats.org/officeDocument/2006/relationships" xmlns:p="http://schemas.openxmlformats.org/presentationml/2006/main">
+  <p:cSld>
+    <p:spTree>
+      <p:nvGrpSpPr>
+        <p:cNvPr id="1" name=""/>
+        <p:cNvGrpSpPr/>
+        <p:nvPr/>
+      </p:nvGrpSpPr>
+      <p:grpSpPr>
+        <a:xfrm>
+          <a:off x="0" y="0"/>
+          <a:ext cx="0" cy="0"/>
+          <a:chOff x="0" y="0"/>
+          <a:chExt cx="0" cy="0"/>
+        </a:xfrm>
+      </p:grpSpPr>
+      <p:sp>
+        <p:nvSpPr>
+          <p:cNvPr id="4" name="TextBox 3">
+            <a:extLst>
+              <a:ext uri="{FF2B5EF4-FFF2-40B4-BE49-F238E27FC236}">
+                <a16:creationId xmlns:a16="http://schemas.microsoft.com/office/drawing/2014/main" id="{F11A030C-65AB-42A0-922C-A035DC97D23C}"/>
+              </a:ext>
+            </a:extLst>
+          </p:cNvPr>
+          <p:cNvSpPr txBox="1"/>
+          <p:nvPr/>
+        </p:nvSpPr>
+        <p:spPr>
+          <a:xfrm flipH="1">
+            <a:off x="694590" y="358728"/>
+            <a:ext cx="7455878" cy="584775"/>
+          </a:xfrm>
+          <a:prstGeom prst="rect">
+            <a:avLst/>
+          </a:prstGeom>
+          <a:noFill/>
+        </p:spPr>
+        <p:txBody>
+          <a:bodyPr wrap="square" rtlCol="0">
+            <a:spAutoFit/>
+          </a:bodyPr>
+          <a:lstStyle/>
+          <a:p>
+            <a:r>
+              <a:rPr lang="en-US" altLang="zh-CN" sz="3200" dirty="0"/>
+              <a:t>Alignment Quality Control Summary</a:t>
+            </a:r>
+            <a:endParaRPr lang="en-US" sz="3200" dirty="0"/>
+          </a:p>
+        </p:txBody>
+      </p:sp>
+      <p:sp>
+        <p:nvSpPr>
+          <p:cNvPr id="2" name="TextBox 1">
+            <a:extLst>
+              <a:ext uri="{FF2B5EF4-FFF2-40B4-BE49-F238E27FC236}">
+                <a16:creationId xmlns:a16="http://schemas.microsoft.com/office/drawing/2014/main" id="{56067F8D-2853-4C6B-9A9A-9DC1FF89B676}"/>
+              </a:ext>
+            </a:extLst>
+          </p:cNvPr>
+          <p:cNvSpPr txBox="1"/>
+          <p:nvPr/>
+        </p:nvSpPr>
+        <p:spPr>
+          <a:xfrm>
+            <a:off x="800100" y="1793631"/>
+            <a:ext cx="2203104" cy="369332"/>
+          </a:xfrm>
+          <a:prstGeom prst="rect">
+            <a:avLst/>
+          </a:prstGeom>
+          <a:noFill/>
+        </p:spPr>
+        <p:txBody>
+          <a:bodyPr wrap="none" rtlCol="0">
+            <a:spAutoFit/>
+          </a:bodyPr>
+          <a:lstStyle/>
+          <a:p>
+            <a:pPr marL="285750" indent="-285750">
+              <a:buFont typeface="Arial" panose="020B0604020202020204" pitchFamily="34" charset="0"/>
+              <a:buChar char="•"/>
+            </a:pPr>
+            <a:r>
+              <a:rPr lang="en-US" altLang="zh-CN" dirty="0"/>
+              <a:t>High mapping rate</a:t>
+            </a:r>
+            <a:endParaRPr lang="en-US" dirty="0"/>
+          </a:p>
+        </p:txBody>
+      </p:sp>
+      <p:sp>
+        <p:nvSpPr>
+          <p:cNvPr id="6" name="TextBox 5">
+            <a:extLst>
+              <a:ext uri="{FF2B5EF4-FFF2-40B4-BE49-F238E27FC236}">
+                <a16:creationId xmlns:a16="http://schemas.microsoft.com/office/drawing/2014/main" id="{6C3659B9-15B3-4EA1-81D9-65A153930F0C}"/>
+              </a:ext>
+            </a:extLst>
+          </p:cNvPr>
+          <p:cNvSpPr txBox="1"/>
+          <p:nvPr/>
+        </p:nvSpPr>
+        <p:spPr>
+          <a:xfrm>
+            <a:off x="800100" y="2356338"/>
+            <a:ext cx="3742499" cy="369332"/>
+          </a:xfrm>
+          <a:prstGeom prst="rect">
+            <a:avLst/>
+          </a:prstGeom>
+          <a:noFill/>
+        </p:spPr>
+        <p:txBody>
+          <a:bodyPr wrap="none" rtlCol="0">
+            <a:spAutoFit/>
+          </a:bodyPr>
+          <a:lstStyle/>
+          <a:p>
+            <a:pPr marL="285750" indent="-285750">
+              <a:buFont typeface="Arial" panose="020B0604020202020204" pitchFamily="34" charset="0"/>
+              <a:buChar char="•"/>
+            </a:pPr>
+            <a:r>
+              <a:rPr lang="en-US" altLang="zh-CN" dirty="0"/>
+              <a:t>No obvious 5’ and 3’ bias observed</a:t>
+            </a:r>
+            <a:endParaRPr lang="en-US" dirty="0"/>
+          </a:p>
+        </p:txBody>
+      </p:sp>
+      <p:sp>
+        <p:nvSpPr>
+          <p:cNvPr id="10" name="TextBox 9">
+            <a:extLst>
+              <a:ext uri="{FF2B5EF4-FFF2-40B4-BE49-F238E27FC236}">
+                <a16:creationId xmlns:a16="http://schemas.microsoft.com/office/drawing/2014/main" id="{BEC7DEAD-61E8-4B09-9868-6C309636BC3C}"/>
+              </a:ext>
+            </a:extLst>
+          </p:cNvPr>
+          <p:cNvSpPr txBox="1"/>
+          <p:nvPr/>
+        </p:nvSpPr>
+        <p:spPr>
+          <a:xfrm>
+            <a:off x="803031" y="4495801"/>
+            <a:ext cx="2724720" cy="369332"/>
+          </a:xfrm>
+          <a:prstGeom prst="rect">
+            <a:avLst/>
+          </a:prstGeom>
+          <a:noFill/>
+        </p:spPr>
+        <p:txBody>
+          <a:bodyPr wrap="none" rtlCol="0">
+            <a:spAutoFit/>
+          </a:bodyPr>
+          <a:lstStyle/>
+          <a:p>
+            <a:pPr marL="285750" indent="-285750">
+              <a:buFont typeface="Arial" panose="020B0604020202020204" pitchFamily="34" charset="0"/>
+              <a:buChar char="•"/>
+            </a:pPr>
+            <a:r>
+              <a:rPr lang="en-US" altLang="zh-CN" dirty="0"/>
+              <a:t>Low CDS mapping reads</a:t>
+            </a:r>
+            <a:endParaRPr lang="en-US" dirty="0"/>
+          </a:p>
+        </p:txBody>
+      </p:sp>
+      <p:sp>
+        <p:nvSpPr>
+          <p:cNvPr id="3" name="TextBox 2">
+            <a:extLst>
+              <a:ext uri="{FF2B5EF4-FFF2-40B4-BE49-F238E27FC236}">
+                <a16:creationId xmlns:a16="http://schemas.microsoft.com/office/drawing/2014/main" id="{CFF0AF9C-D85D-4068-AEE2-E6C4B3E2A6F2}"/>
+              </a:ext>
+            </a:extLst>
+          </p:cNvPr>
+          <p:cNvSpPr txBox="1"/>
+          <p:nvPr/>
+        </p:nvSpPr>
+        <p:spPr>
+          <a:xfrm>
+            <a:off x="1046285" y="3138853"/>
+            <a:ext cx="8955144" cy="369332"/>
+          </a:xfrm>
+          <a:prstGeom prst="rect">
+            <a:avLst/>
+          </a:prstGeom>
+          <a:noFill/>
+        </p:spPr>
+        <p:txBody>
+          <a:bodyPr wrap="none" rtlCol="0">
+            <a:spAutoFit/>
+          </a:bodyPr>
+          <a:lstStyle/>
+          <a:p>
+            <a:r>
+              <a:rPr lang="en-US" altLang="zh-CN" dirty="0"/>
+              <a:t>Based on the alignment results, sample </a:t>
+            </a:r>
+            <a:r>
+              <a:rPr lang="en-US" altLang="zh-CN" dirty="0" err="1"/>
+              <a:t>resistant_48_R1</a:t>
+            </a:r>
+            <a:r>
+              <a:rPr lang="en-US" altLang="zh-CN" dirty="0"/>
+              <a:t> could be retained for further analysis</a:t>
+            </a:r>
+            <a:endParaRPr lang="en-US" dirty="0"/>
+          </a:p>
+        </p:txBody>
+      </p:sp>
+      <p:sp>
+        <p:nvSpPr>
+          <p:cNvPr id="5" name="TextBox 4">
+            <a:extLst>
+              <a:ext uri="{FF2B5EF4-FFF2-40B4-BE49-F238E27FC236}">
+                <a16:creationId xmlns:a16="http://schemas.microsoft.com/office/drawing/2014/main" id="{C3070959-0421-4FB1-B24C-96B7BDB35188}"/>
+              </a:ext>
+            </a:extLst>
+          </p:cNvPr>
+          <p:cNvSpPr txBox="1"/>
+          <p:nvPr/>
+        </p:nvSpPr>
+        <p:spPr>
+          <a:xfrm>
+            <a:off x="1063869" y="5055577"/>
+            <a:ext cx="8673208" cy="646331"/>
+          </a:xfrm>
+          <a:prstGeom prst="rect">
+            <a:avLst/>
+          </a:prstGeom>
+          <a:noFill/>
+        </p:spPr>
+        <p:txBody>
+          <a:bodyPr wrap="none" rtlCol="0">
+            <a:spAutoFit/>
+          </a:bodyPr>
+          <a:lstStyle/>
+          <a:p>
+            <a:r>
+              <a:rPr lang="en-US" dirty="0"/>
+              <a:t>Total reads around </a:t>
+            </a:r>
+            <a:r>
+              <a:rPr lang="en-US" dirty="0" err="1"/>
+              <a:t>2.5M</a:t>
+            </a:r>
+            <a:r>
+              <a:rPr lang="en-US" dirty="0"/>
+              <a:t> for each sample would be enough for feature counting, thanks to </a:t>
+            </a:r>
+          </a:p>
+          <a:p>
+            <a:r>
+              <a:rPr lang="en-US" dirty="0"/>
+              <a:t>a high sequencing depth</a:t>
+            </a:r>
+          </a:p>
+        </p:txBody>
+      </p:sp>
+    </p:spTree>
+    <p:extLst>
+      <p:ext uri="{BB962C8B-B14F-4D97-AF65-F5344CB8AC3E}">
+        <p14:creationId xmlns:p14="http://schemas.microsoft.com/office/powerpoint/2010/main" val="1612958988"/>
       </p:ext>
     </p:extLst>
   </p:cSld>
@@ -8764,7 +10281,7 @@
         <p:spPr>
           <a:xfrm>
             <a:off x="584790" y="1860698"/>
-            <a:ext cx="6571094" cy="369332"/>
+            <a:ext cx="6859635" cy="369332"/>
           </a:xfrm>
           <a:prstGeom prst="rect">
             <a:avLst/>
@@ -8777,6 +10294,10 @@
           </a:bodyPr>
           <a:lstStyle/>
           <a:p>
+            <a:pPr marL="285750" indent="-285750">
+              <a:buFont typeface="Arial" panose="020B0604020202020204" pitchFamily="34" charset="0"/>
+              <a:buChar char="•"/>
+            </a:pPr>
             <a:r>
               <a:rPr lang="en-US" dirty="0"/>
               <a:t>Glioma cell lines treated with drug </a:t>
@@ -8807,7 +10328,7 @@
         <p:spPr>
           <a:xfrm>
             <a:off x="584790" y="2392326"/>
-            <a:ext cx="10190482" cy="369332"/>
+            <a:ext cx="10479023" cy="369332"/>
           </a:xfrm>
           <a:prstGeom prst="rect">
             <a:avLst/>
@@ -8820,6 +10341,10 @@
           </a:bodyPr>
           <a:lstStyle/>
           <a:p>
+            <a:pPr marL="285750" indent="-285750">
+              <a:buFont typeface="Arial" panose="020B0604020202020204" pitchFamily="34" charset="0"/>
+              <a:buChar char="•"/>
+            </a:pPr>
             <a:r>
               <a:rPr lang="en-US" dirty="0"/>
               <a:t>Through experiments, </a:t>
@@ -8866,7 +10391,7 @@
         <p:spPr>
           <a:xfrm>
             <a:off x="584791" y="2955851"/>
-            <a:ext cx="9009646" cy="369332"/>
+            <a:ext cx="9755876" cy="369332"/>
           </a:xfrm>
           <a:prstGeom prst="rect">
             <a:avLst/>
@@ -8879,9 +10404,21 @@
           </a:bodyPr>
           <a:lstStyle/>
           <a:p>
+            <a:pPr marL="285750" indent="-285750">
+              <a:buFont typeface="Arial" panose="020B0604020202020204" pitchFamily="34" charset="0"/>
+              <a:buChar char="•"/>
+            </a:pPr>
             <a:r>
               <a:rPr lang="en-US" dirty="0"/>
-              <a:t>RNA-seq data was collected at time </a:t>
+              <a:t>RNA-seq </a:t>
+            </a:r>
+            <a:r>
+              <a:rPr lang="en-US" altLang="zh-CN" dirty="0"/>
+              <a:t>samples</a:t>
+            </a:r>
+            <a:r>
+              <a:rPr lang="en-US" dirty="0"/>
+              <a:t> were collected at time </a:t>
             </a:r>
             <a:r>
               <a:rPr lang="en-US" dirty="0" err="1"/>
@@ -9748,6 +11285,154 @@
           <a:chExt cx="0" cy="0"/>
         </a:xfrm>
       </p:grpSpPr>
+      <p:sp>
+        <p:nvSpPr>
+          <p:cNvPr id="2" name="TextBox 1">
+            <a:extLst>
+              <a:ext uri="{FF2B5EF4-FFF2-40B4-BE49-F238E27FC236}">
+                <a16:creationId xmlns:a16="http://schemas.microsoft.com/office/drawing/2014/main" id="{40C613F9-DEE1-4EEF-AF50-E8BF2554EDE9}"/>
+              </a:ext>
+            </a:extLst>
+          </p:cNvPr>
+          <p:cNvSpPr txBox="1"/>
+          <p:nvPr/>
+        </p:nvSpPr>
+        <p:spPr>
+          <a:xfrm>
+            <a:off x="542260" y="520996"/>
+            <a:ext cx="1888274" cy="646331"/>
+          </a:xfrm>
+          <a:prstGeom prst="rect">
+            <a:avLst/>
+          </a:prstGeom>
+          <a:noFill/>
+        </p:spPr>
+        <p:txBody>
+          <a:bodyPr wrap="none" rtlCol="0">
+            <a:spAutoFit/>
+          </a:bodyPr>
+          <a:lstStyle/>
+          <a:p>
+            <a:r>
+              <a:rPr lang="en-US" sz="3600" dirty="0"/>
+              <a:t>Question</a:t>
+            </a:r>
+          </a:p>
+        </p:txBody>
+      </p:sp>
+      <p:sp>
+        <p:nvSpPr>
+          <p:cNvPr id="3" name="TextBox 2">
+            <a:extLst>
+              <a:ext uri="{FF2B5EF4-FFF2-40B4-BE49-F238E27FC236}">
+                <a16:creationId xmlns:a16="http://schemas.microsoft.com/office/drawing/2014/main" id="{30AB2DDB-A1B2-40DC-979B-B3CB7B7B3739}"/>
+              </a:ext>
+            </a:extLst>
+          </p:cNvPr>
+          <p:cNvSpPr txBox="1"/>
+          <p:nvPr/>
+        </p:nvSpPr>
+        <p:spPr>
+          <a:xfrm>
+            <a:off x="584790" y="1860698"/>
+            <a:ext cx="8876341" cy="369332"/>
+          </a:xfrm>
+          <a:prstGeom prst="rect">
+            <a:avLst/>
+          </a:prstGeom>
+          <a:noFill/>
+        </p:spPr>
+        <p:txBody>
+          <a:bodyPr wrap="none" rtlCol="0">
+            <a:spAutoFit/>
+          </a:bodyPr>
+          <a:lstStyle/>
+          <a:p>
+            <a:pPr marL="285750" indent="-285750">
+              <a:buFont typeface="Arial" panose="020B0604020202020204" pitchFamily="34" charset="0"/>
+              <a:buChar char="•"/>
+            </a:pPr>
+            <a:r>
+              <a:rPr lang="en-US" dirty="0"/>
+              <a:t>How to capture difference on expressions of drug-sensitive and drug-resistant across time</a:t>
+            </a:r>
+          </a:p>
+        </p:txBody>
+      </p:sp>
+      <p:sp>
+        <p:nvSpPr>
+          <p:cNvPr id="26" name="TextBox 25">
+            <a:extLst>
+              <a:ext uri="{FF2B5EF4-FFF2-40B4-BE49-F238E27FC236}">
+                <a16:creationId xmlns:a16="http://schemas.microsoft.com/office/drawing/2014/main" id="{ABF7B026-459E-4692-BE70-FF194E42483B}"/>
+              </a:ext>
+            </a:extLst>
+          </p:cNvPr>
+          <p:cNvSpPr txBox="1"/>
+          <p:nvPr/>
+        </p:nvSpPr>
+        <p:spPr>
+          <a:xfrm>
+            <a:off x="584790" y="2449782"/>
+            <a:ext cx="5026825" cy="369332"/>
+          </a:xfrm>
+          <a:prstGeom prst="rect">
+            <a:avLst/>
+          </a:prstGeom>
+          <a:noFill/>
+        </p:spPr>
+        <p:txBody>
+          <a:bodyPr wrap="none" rtlCol="0">
+            <a:spAutoFit/>
+          </a:bodyPr>
+          <a:lstStyle/>
+          <a:p>
+            <a:pPr marL="285750" indent="-285750">
+              <a:buFont typeface="Arial" panose="020B0604020202020204" pitchFamily="34" charset="0"/>
+              <a:buChar char="•"/>
+            </a:pPr>
+            <a:r>
+              <a:rPr lang="en-US" dirty="0"/>
+              <a:t>How to </a:t>
+            </a:r>
+            <a:r>
+              <a:rPr lang="en-US" altLang="zh-CN" dirty="0"/>
+              <a:t>measure the robustness of resistant cells</a:t>
+            </a:r>
+            <a:endParaRPr lang="en-US" dirty="0"/>
+          </a:p>
+        </p:txBody>
+      </p:sp>
+    </p:spTree>
+    <p:extLst>
+      <p:ext uri="{BB962C8B-B14F-4D97-AF65-F5344CB8AC3E}">
+        <p14:creationId xmlns:p14="http://schemas.microsoft.com/office/powerpoint/2010/main" val="2123843857"/>
+      </p:ext>
+    </p:extLst>
+  </p:cSld>
+  <p:clrMapOvr>
+    <a:masterClrMapping/>
+  </p:clrMapOvr>
+</p:sld>
+</file>
+
+<file path=ppt/slides/slide5.xml><?xml version="1.0" encoding="utf-8"?>
+<p:sld xmlns:a="http://schemas.openxmlformats.org/drawingml/2006/main" xmlns:r="http://schemas.openxmlformats.org/officeDocument/2006/relationships" xmlns:p="http://schemas.openxmlformats.org/presentationml/2006/main">
+  <p:cSld>
+    <p:spTree>
+      <p:nvGrpSpPr>
+        <p:cNvPr id="1" name=""/>
+        <p:cNvGrpSpPr/>
+        <p:nvPr/>
+      </p:nvGrpSpPr>
+      <p:grpSpPr>
+        <a:xfrm>
+          <a:off x="0" y="0"/>
+          <a:ext cx="0" cy="0"/>
+          <a:chOff x="0" y="0"/>
+          <a:chExt cx="0" cy="0"/>
+        </a:xfrm>
+      </p:grpSpPr>
       <p:grpSp>
         <p:nvGrpSpPr>
           <p:cNvPr id="15" name="Group 14">
@@ -10223,7 +11908,7 @@
 </p:sld>
 </file>
 
-<file path=ppt/slides/slide5.xml><?xml version="1.0" encoding="utf-8"?>
+<file path=ppt/slides/slide6.xml><?xml version="1.0" encoding="utf-8"?>
 <p:sld xmlns:a="http://schemas.openxmlformats.org/drawingml/2006/main" xmlns:r="http://schemas.openxmlformats.org/officeDocument/2006/relationships" xmlns:p="http://schemas.openxmlformats.org/presentationml/2006/main">
   <p:cSld>
     <p:spTree>
@@ -10521,7 +12206,7 @@
         <p:spPr>
           <a:xfrm>
             <a:off x="9117623" y="4062046"/>
-            <a:ext cx="2030428" cy="369332"/>
+            <a:ext cx="2052165" cy="369332"/>
           </a:xfrm>
           <a:prstGeom prst="rect">
             <a:avLst/>
@@ -10536,7 +12221,7 @@
           <a:p>
             <a:r>
               <a:rPr lang="en-US" dirty="0"/>
-              <a:t>Totally quality: High</a:t>
+              <a:t>overall quality: High</a:t>
             </a:r>
           </a:p>
         </p:txBody>
@@ -10570,12 +12255,8 @@
           <a:lstStyle/>
           <a:p>
             <a:r>
-              <a:rPr lang="en-US" dirty="0" err="1"/>
-              <a:t>Anormaly</a:t>
-            </a:r>
-            <a:r>
               <a:rPr lang="en-US" dirty="0"/>
-              <a:t>: </a:t>
+              <a:t>Anomaly: </a:t>
             </a:r>
             <a:r>
               <a:rPr lang="en-US" dirty="0" err="1"/>
@@ -10598,7 +12279,7 @@
 </p:sld>
 </file>
 
-<file path=ppt/slides/slide6.xml><?xml version="1.0" encoding="utf-8"?>
+<file path=ppt/slides/slide7.xml><?xml version="1.0" encoding="utf-8"?>
 <p:sld xmlns:a="http://schemas.openxmlformats.org/drawingml/2006/main" xmlns:r="http://schemas.openxmlformats.org/officeDocument/2006/relationships" xmlns:p="http://schemas.openxmlformats.org/presentationml/2006/main">
   <p:cSld>
     <p:spTree>
@@ -11375,7 +13056,7 @@
 </p:sld>
 </file>
 
-<file path=ppt/slides/slide7.xml><?xml version="1.0" encoding="utf-8"?>
+<file path=ppt/slides/slide8.xml><?xml version="1.0" encoding="utf-8"?>
 <p:sld xmlns:a="http://schemas.openxmlformats.org/drawingml/2006/main" xmlns:r="http://schemas.openxmlformats.org/officeDocument/2006/relationships" xmlns:p="http://schemas.openxmlformats.org/presentationml/2006/main">
   <p:cSld>
     <p:spTree>
@@ -11686,12 +13367,8 @@
           <a:lstStyle/>
           <a:p>
             <a:r>
-              <a:rPr lang="en-US" dirty="0" err="1"/>
-              <a:t>Anormaly</a:t>
-            </a:r>
-            <a:r>
               <a:rPr lang="en-US" dirty="0"/>
-              <a:t> </a:t>
+              <a:t>Anomaly </a:t>
             </a:r>
             <a:r>
               <a:rPr lang="en-US" dirty="0" err="1"/>
@@ -11824,160 +13501,6 @@
     <p:extLst>
       <p:ext uri="{BB962C8B-B14F-4D97-AF65-F5344CB8AC3E}">
         <p14:creationId xmlns:p14="http://schemas.microsoft.com/office/powerpoint/2010/main" val="700609481"/>
-      </p:ext>
-    </p:extLst>
-  </p:cSld>
-  <p:clrMapOvr>
-    <a:masterClrMapping/>
-  </p:clrMapOvr>
-</p:sld>
-</file>
-
-<file path=ppt/slides/slide8.xml><?xml version="1.0" encoding="utf-8"?>
-<p:sld xmlns:a="http://schemas.openxmlformats.org/drawingml/2006/main" xmlns:r="http://schemas.openxmlformats.org/officeDocument/2006/relationships" xmlns:p="http://schemas.openxmlformats.org/presentationml/2006/main">
-  <p:cSld>
-    <p:spTree>
-      <p:nvGrpSpPr>
-        <p:cNvPr id="1" name=""/>
-        <p:cNvGrpSpPr/>
-        <p:nvPr/>
-      </p:nvGrpSpPr>
-      <p:grpSpPr>
-        <a:xfrm>
-          <a:off x="0" y="0"/>
-          <a:ext cx="0" cy="0"/>
-          <a:chOff x="0" y="0"/>
-          <a:chExt cx="0" cy="0"/>
-        </a:xfrm>
-      </p:grpSpPr>
-      <p:pic>
-        <p:nvPicPr>
-          <p:cNvPr id="3" name="Picture 2">
-            <a:extLst>
-              <a:ext uri="{FF2B5EF4-FFF2-40B4-BE49-F238E27FC236}">
-                <a16:creationId xmlns:a16="http://schemas.microsoft.com/office/drawing/2014/main" id="{CF8400A9-FD97-4BB5-A110-7AC2D7085F0F}"/>
-              </a:ext>
-            </a:extLst>
-          </p:cNvPr>
-          <p:cNvPicPr>
-            <a:picLocks noChangeAspect="1"/>
-          </p:cNvPicPr>
-          <p:nvPr/>
-        </p:nvPicPr>
-        <p:blipFill>
-          <a:blip r:embed="rId2">
-            <a:extLst>
-              <a:ext uri="{28A0092B-C50C-407E-A947-70E740481C1C}">
-                <a14:useLocalDpi xmlns:a14="http://schemas.microsoft.com/office/drawing/2010/main" val="0"/>
-              </a:ext>
-            </a:extLst>
-          </a:blip>
-          <a:stretch>
-            <a:fillRect/>
-          </a:stretch>
-        </p:blipFill>
-        <p:spPr>
-          <a:xfrm>
-            <a:off x="664370" y="1055076"/>
-            <a:ext cx="7206278" cy="5430083"/>
-          </a:xfrm>
-          <a:prstGeom prst="rect">
-            <a:avLst/>
-          </a:prstGeom>
-        </p:spPr>
-      </p:pic>
-      <p:sp>
-        <p:nvSpPr>
-          <p:cNvPr id="4" name="TextBox 3">
-            <a:extLst>
-              <a:ext uri="{FF2B5EF4-FFF2-40B4-BE49-F238E27FC236}">
-                <a16:creationId xmlns:a16="http://schemas.microsoft.com/office/drawing/2014/main" id="{F11A030C-65AB-42A0-922C-A035DC97D23C}"/>
-              </a:ext>
-            </a:extLst>
-          </p:cNvPr>
-          <p:cNvSpPr txBox="1"/>
-          <p:nvPr/>
-        </p:nvSpPr>
-        <p:spPr>
-          <a:xfrm flipH="1">
-            <a:off x="694592" y="358728"/>
-            <a:ext cx="4246685" cy="584775"/>
-          </a:xfrm>
-          <a:prstGeom prst="rect">
-            <a:avLst/>
-          </a:prstGeom>
-          <a:noFill/>
-        </p:spPr>
-        <p:txBody>
-          <a:bodyPr wrap="square" rtlCol="0">
-            <a:spAutoFit/>
-          </a:bodyPr>
-          <a:lstStyle/>
-          <a:p>
-            <a:r>
-              <a:rPr lang="en-US" altLang="zh-CN" sz="3200" dirty="0"/>
-              <a:t>Inspect </a:t>
-            </a:r>
-            <a:r>
-              <a:rPr lang="en-US" sz="3200" dirty="0" err="1"/>
-              <a:t>resistant_48_R1</a:t>
-            </a:r>
-            <a:r>
-              <a:rPr lang="en-US" altLang="zh-CN" sz="3200" dirty="0"/>
-              <a:t>  </a:t>
-            </a:r>
-            <a:endParaRPr lang="en-US" sz="3200" dirty="0"/>
-          </a:p>
-        </p:txBody>
-      </p:sp>
-      <p:sp>
-        <p:nvSpPr>
-          <p:cNvPr id="7" name="TextBox 6">
-            <a:extLst>
-              <a:ext uri="{FF2B5EF4-FFF2-40B4-BE49-F238E27FC236}">
-                <a16:creationId xmlns:a16="http://schemas.microsoft.com/office/drawing/2014/main" id="{F9E992C8-C577-4FB4-8BD4-0CE57F450252}"/>
-              </a:ext>
-            </a:extLst>
-          </p:cNvPr>
-          <p:cNvSpPr txBox="1"/>
-          <p:nvPr/>
-        </p:nvSpPr>
-        <p:spPr>
-          <a:xfrm>
-            <a:off x="8141677" y="3771899"/>
-            <a:ext cx="3763107" cy="1200329"/>
-          </a:xfrm>
-          <a:prstGeom prst="rect">
-            <a:avLst/>
-          </a:prstGeom>
-          <a:noFill/>
-        </p:spPr>
-        <p:txBody>
-          <a:bodyPr wrap="square" rtlCol="0">
-            <a:spAutoFit/>
-          </a:bodyPr>
-          <a:lstStyle/>
-          <a:p>
-            <a:r>
-              <a:rPr lang="en-US" altLang="zh-CN" dirty="0"/>
-              <a:t>Block of cells are abnormal</a:t>
-            </a:r>
-          </a:p>
-          <a:p>
-            <a:endParaRPr lang="en-US" dirty="0"/>
-          </a:p>
-          <a:p>
-            <a:r>
-              <a:rPr lang="en-US" dirty="0"/>
-              <a:t>Indicates something going wrong with the glass slide or sequencer</a:t>
-            </a:r>
-          </a:p>
-        </p:txBody>
-      </p:sp>
-    </p:spTree>
-    <p:extLst>
-      <p:ext uri="{BB962C8B-B14F-4D97-AF65-F5344CB8AC3E}">
-        <p14:creationId xmlns:p14="http://schemas.microsoft.com/office/powerpoint/2010/main" val="2052535345"/>
       </p:ext>
     </p:extLst>
   </p:cSld>
@@ -12004,283 +13527,12 @@
           <a:chExt cx="0" cy="0"/>
         </a:xfrm>
       </p:grpSpPr>
-      <p:sp>
-        <p:nvSpPr>
-          <p:cNvPr id="2" name="TextBox 1">
-            <a:extLst>
-              <a:ext uri="{FF2B5EF4-FFF2-40B4-BE49-F238E27FC236}">
-                <a16:creationId xmlns:a16="http://schemas.microsoft.com/office/drawing/2014/main" id="{40C613F9-DEE1-4EEF-AF50-E8BF2554EDE9}"/>
-              </a:ext>
-            </a:extLst>
-          </p:cNvPr>
-          <p:cNvSpPr txBox="1"/>
-          <p:nvPr/>
-        </p:nvSpPr>
-        <p:spPr>
-          <a:xfrm>
-            <a:off x="542260" y="520996"/>
-            <a:ext cx="3021468" cy="646331"/>
-          </a:xfrm>
-          <a:prstGeom prst="rect">
-            <a:avLst/>
-          </a:prstGeom>
-          <a:noFill/>
-        </p:spPr>
-        <p:txBody>
-          <a:bodyPr wrap="none" rtlCol="0">
-            <a:spAutoFit/>
-          </a:bodyPr>
-          <a:lstStyle/>
-          <a:p>
-            <a:r>
-              <a:rPr lang="en-US" sz="3600" dirty="0"/>
-              <a:t>Quality Control</a:t>
-            </a:r>
-          </a:p>
-        </p:txBody>
-      </p:sp>
-      <p:grpSp>
-        <p:nvGrpSpPr>
-          <p:cNvPr id="14" name="Group 13">
-            <a:extLst>
-              <a:ext uri="{FF2B5EF4-FFF2-40B4-BE49-F238E27FC236}">
-                <a16:creationId xmlns:a16="http://schemas.microsoft.com/office/drawing/2014/main" id="{566F161C-C8CE-488D-96D9-D89B81BE87DC}"/>
-              </a:ext>
-            </a:extLst>
-          </p:cNvPr>
-          <p:cNvGrpSpPr/>
-          <p:nvPr/>
-        </p:nvGrpSpPr>
-        <p:grpSpPr>
-          <a:xfrm>
-            <a:off x="8070316" y="2233247"/>
-            <a:ext cx="1411426" cy="800155"/>
-            <a:chOff x="9239693" y="3323492"/>
-            <a:chExt cx="1411426" cy="800155"/>
-          </a:xfrm>
-        </p:grpSpPr>
-        <p:sp>
-          <p:nvSpPr>
-            <p:cNvPr id="9" name="Oval 8">
-              <a:extLst>
-                <a:ext uri="{FF2B5EF4-FFF2-40B4-BE49-F238E27FC236}">
-                  <a16:creationId xmlns:a16="http://schemas.microsoft.com/office/drawing/2014/main" id="{EFBE449C-9BFA-4BEF-AC17-D564354637F8}"/>
-                </a:ext>
-              </a:extLst>
-            </p:cNvPr>
-            <p:cNvSpPr/>
-            <p:nvPr/>
-          </p:nvSpPr>
-          <p:spPr>
-            <a:xfrm>
-              <a:off x="9239693" y="3807273"/>
-              <a:ext cx="233916" cy="233916"/>
-            </a:xfrm>
-            <a:prstGeom prst="ellipse">
-              <a:avLst/>
-            </a:prstGeom>
-            <a:solidFill>
-              <a:srgbClr val="FF0000"/>
-            </a:solidFill>
-            <a:ln>
-              <a:noFill/>
-            </a:ln>
-          </p:spPr>
-          <p:style>
-            <a:lnRef idx="2">
-              <a:schemeClr val="accent1">
-                <a:shade val="50000"/>
-              </a:schemeClr>
-            </a:lnRef>
-            <a:fillRef idx="1">
-              <a:schemeClr val="accent1"/>
-            </a:fillRef>
-            <a:effectRef idx="0">
-              <a:schemeClr val="accent1"/>
-            </a:effectRef>
-            <a:fontRef idx="minor">
-              <a:schemeClr val="lt1"/>
-            </a:fontRef>
-          </p:style>
-          <p:txBody>
-            <a:bodyPr rtlCol="0" anchor="ctr"/>
-            <a:lstStyle/>
-            <a:p>
-              <a:pPr algn="ctr"/>
-              <a:endParaRPr lang="en-US"/>
-            </a:p>
-          </p:txBody>
-        </p:sp>
-        <p:sp>
-          <p:nvSpPr>
-            <p:cNvPr id="11" name="Oval 10">
-              <a:extLst>
-                <a:ext uri="{FF2B5EF4-FFF2-40B4-BE49-F238E27FC236}">
-                  <a16:creationId xmlns:a16="http://schemas.microsoft.com/office/drawing/2014/main" id="{860AB705-EBA6-45AE-874B-C05F85B15742}"/>
-                </a:ext>
-              </a:extLst>
-            </p:cNvPr>
-            <p:cNvSpPr/>
-            <p:nvPr/>
-          </p:nvSpPr>
-          <p:spPr>
-            <a:xfrm>
-              <a:off x="9239693" y="3411619"/>
-              <a:ext cx="233916" cy="233916"/>
-            </a:xfrm>
-            <a:prstGeom prst="ellipse">
-              <a:avLst/>
-            </a:prstGeom>
-            <a:solidFill>
-              <a:srgbClr val="2F7AB6"/>
-            </a:solidFill>
-            <a:ln>
-              <a:noFill/>
-            </a:ln>
-          </p:spPr>
-          <p:style>
-            <a:lnRef idx="2">
-              <a:schemeClr val="accent1">
-                <a:shade val="50000"/>
-              </a:schemeClr>
-            </a:lnRef>
-            <a:fillRef idx="1">
-              <a:schemeClr val="accent1"/>
-            </a:fillRef>
-            <a:effectRef idx="0">
-              <a:schemeClr val="accent1"/>
-            </a:effectRef>
-            <a:fontRef idx="minor">
-              <a:schemeClr val="lt1"/>
-            </a:fontRef>
-          </p:style>
-          <p:txBody>
-            <a:bodyPr rtlCol="0" anchor="ctr"/>
-            <a:lstStyle/>
-            <a:p>
-              <a:pPr algn="ctr"/>
-              <a:endParaRPr lang="en-US"/>
-            </a:p>
-          </p:txBody>
-        </p:sp>
-        <p:sp>
-          <p:nvSpPr>
-            <p:cNvPr id="12" name="TextBox 11">
-              <a:extLst>
-                <a:ext uri="{FF2B5EF4-FFF2-40B4-BE49-F238E27FC236}">
-                  <a16:creationId xmlns:a16="http://schemas.microsoft.com/office/drawing/2014/main" id="{106F2302-DC20-4919-99B7-C7D8CE8F9C18}"/>
-                </a:ext>
-              </a:extLst>
-            </p:cNvPr>
-            <p:cNvSpPr txBox="1"/>
-            <p:nvPr/>
-          </p:nvSpPr>
-          <p:spPr>
-            <a:xfrm>
-              <a:off x="9618785" y="3323492"/>
-              <a:ext cx="1017586" cy="369332"/>
-            </a:xfrm>
-            <a:prstGeom prst="rect">
-              <a:avLst/>
-            </a:prstGeom>
-            <a:noFill/>
-          </p:spPr>
-          <p:txBody>
-            <a:bodyPr wrap="none" rtlCol="0">
-              <a:spAutoFit/>
-            </a:bodyPr>
-            <a:lstStyle/>
-            <a:p>
-              <a:r>
-                <a:rPr lang="en-US" dirty="0"/>
-                <a:t>Sensitive</a:t>
-              </a:r>
-            </a:p>
-          </p:txBody>
-        </p:sp>
-        <p:sp>
-          <p:nvSpPr>
-            <p:cNvPr id="13" name="TextBox 12">
-              <a:extLst>
-                <a:ext uri="{FF2B5EF4-FFF2-40B4-BE49-F238E27FC236}">
-                  <a16:creationId xmlns:a16="http://schemas.microsoft.com/office/drawing/2014/main" id="{4FD512B5-40DE-430C-B3EE-483906B5681D}"/>
-                </a:ext>
-              </a:extLst>
-            </p:cNvPr>
-            <p:cNvSpPr txBox="1"/>
-            <p:nvPr/>
-          </p:nvSpPr>
-          <p:spPr>
-            <a:xfrm>
-              <a:off x="9618785" y="3754315"/>
-              <a:ext cx="1032334" cy="369332"/>
-            </a:xfrm>
-            <a:prstGeom prst="rect">
-              <a:avLst/>
-            </a:prstGeom>
-            <a:noFill/>
-          </p:spPr>
-          <p:txBody>
-            <a:bodyPr wrap="none" rtlCol="0">
-              <a:spAutoFit/>
-            </a:bodyPr>
-            <a:lstStyle/>
-            <a:p>
-              <a:r>
-                <a:rPr lang="en-US" dirty="0"/>
-                <a:t>Resistant</a:t>
-              </a:r>
-            </a:p>
-          </p:txBody>
-        </p:sp>
-      </p:grpSp>
-      <p:sp>
-        <p:nvSpPr>
-          <p:cNvPr id="15" name="TextBox 14">
-            <a:extLst>
-              <a:ext uri="{FF2B5EF4-FFF2-40B4-BE49-F238E27FC236}">
-                <a16:creationId xmlns:a16="http://schemas.microsoft.com/office/drawing/2014/main" id="{54DAA423-C6C9-4E54-B860-CF6D07E9BB4C}"/>
-              </a:ext>
-            </a:extLst>
-          </p:cNvPr>
-          <p:cNvSpPr txBox="1"/>
-          <p:nvPr/>
-        </p:nvSpPr>
-        <p:spPr>
-          <a:xfrm>
-            <a:off x="7948246" y="4193930"/>
-            <a:ext cx="3988464" cy="646331"/>
-          </a:xfrm>
-          <a:prstGeom prst="rect">
-            <a:avLst/>
-          </a:prstGeom>
-          <a:noFill/>
-        </p:spPr>
-        <p:txBody>
-          <a:bodyPr wrap="none" rtlCol="0">
-            <a:spAutoFit/>
-          </a:bodyPr>
-          <a:lstStyle/>
-          <a:p>
-            <a:r>
-              <a:rPr lang="en-US" altLang="zh-CN" dirty="0"/>
-              <a:t>Overrepresented sequences only take up</a:t>
-            </a:r>
-          </a:p>
-          <a:p>
-            <a:r>
-              <a:rPr lang="en-US" dirty="0"/>
-              <a:t>a small portion</a:t>
-            </a:r>
-          </a:p>
-        </p:txBody>
-      </p:sp>
       <p:pic>
         <p:nvPicPr>
-          <p:cNvPr id="4" name="Picture 3">
-            <a:extLst>
-              <a:ext uri="{FF2B5EF4-FFF2-40B4-BE49-F238E27FC236}">
-                <a16:creationId xmlns:a16="http://schemas.microsoft.com/office/drawing/2014/main" id="{9B0DF0AB-60E9-46F5-9DB4-36D0D49D1E0C}"/>
+          <p:cNvPr id="3" name="Picture 2">
+            <a:extLst>
+              <a:ext uri="{FF2B5EF4-FFF2-40B4-BE49-F238E27FC236}">
+                <a16:creationId xmlns:a16="http://schemas.microsoft.com/office/drawing/2014/main" id="{CF8400A9-FD97-4BB5-A110-7AC2D7085F0F}"/>
               </a:ext>
             </a:extLst>
           </p:cNvPr>
@@ -12303,18 +13555,106 @@
         </p:blipFill>
         <p:spPr>
           <a:xfrm>
-            <a:off x="381000" y="1424354"/>
-            <a:ext cx="7266843" cy="4844562"/>
+            <a:off x="664370" y="1055076"/>
+            <a:ext cx="7206278" cy="5430083"/>
           </a:xfrm>
           <a:prstGeom prst="rect">
             <a:avLst/>
           </a:prstGeom>
         </p:spPr>
       </p:pic>
+      <p:sp>
+        <p:nvSpPr>
+          <p:cNvPr id="4" name="TextBox 3">
+            <a:extLst>
+              <a:ext uri="{FF2B5EF4-FFF2-40B4-BE49-F238E27FC236}">
+                <a16:creationId xmlns:a16="http://schemas.microsoft.com/office/drawing/2014/main" id="{F11A030C-65AB-42A0-922C-A035DC97D23C}"/>
+              </a:ext>
+            </a:extLst>
+          </p:cNvPr>
+          <p:cNvSpPr txBox="1"/>
+          <p:nvPr/>
+        </p:nvSpPr>
+        <p:spPr>
+          <a:xfrm flipH="1">
+            <a:off x="694592" y="358728"/>
+            <a:ext cx="4246685" cy="584775"/>
+          </a:xfrm>
+          <a:prstGeom prst="rect">
+            <a:avLst/>
+          </a:prstGeom>
+          <a:noFill/>
+        </p:spPr>
+        <p:txBody>
+          <a:bodyPr wrap="square" rtlCol="0">
+            <a:spAutoFit/>
+          </a:bodyPr>
+          <a:lstStyle/>
+          <a:p>
+            <a:r>
+              <a:rPr lang="en-US" altLang="zh-CN" sz="3200" dirty="0"/>
+              <a:t>Inspect </a:t>
+            </a:r>
+            <a:r>
+              <a:rPr lang="en-US" sz="3200" dirty="0" err="1"/>
+              <a:t>resistant_48_R1</a:t>
+            </a:r>
+            <a:r>
+              <a:rPr lang="en-US" altLang="zh-CN" sz="3200" dirty="0"/>
+              <a:t>  </a:t>
+            </a:r>
+            <a:endParaRPr lang="en-US" sz="3200" dirty="0"/>
+          </a:p>
+        </p:txBody>
+      </p:sp>
+      <p:sp>
+        <p:nvSpPr>
+          <p:cNvPr id="7" name="TextBox 6">
+            <a:extLst>
+              <a:ext uri="{FF2B5EF4-FFF2-40B4-BE49-F238E27FC236}">
+                <a16:creationId xmlns:a16="http://schemas.microsoft.com/office/drawing/2014/main" id="{F9E992C8-C577-4FB4-8BD4-0CE57F450252}"/>
+              </a:ext>
+            </a:extLst>
+          </p:cNvPr>
+          <p:cNvSpPr txBox="1"/>
+          <p:nvPr/>
+        </p:nvSpPr>
+        <p:spPr>
+          <a:xfrm>
+            <a:off x="8141677" y="3771899"/>
+            <a:ext cx="3763107" cy="1200329"/>
+          </a:xfrm>
+          <a:prstGeom prst="rect">
+            <a:avLst/>
+          </a:prstGeom>
+          <a:noFill/>
+        </p:spPr>
+        <p:txBody>
+          <a:bodyPr wrap="square" rtlCol="0">
+            <a:spAutoFit/>
+          </a:bodyPr>
+          <a:lstStyle/>
+          <a:p>
+            <a:r>
+              <a:rPr lang="en-US" altLang="zh-CN" dirty="0"/>
+              <a:t>Block of cells are abnormal</a:t>
+            </a:r>
+          </a:p>
+          <a:p>
+            <a:endParaRPr lang="en-US" dirty="0"/>
+          </a:p>
+          <a:p>
+            <a:r>
+              <a:rPr lang="en-US" dirty="0"/>
+              <a:t>Indicates something going wrong with the glass slide or sequencer</a:t>
+            </a:r>
+          </a:p>
+        </p:txBody>
+      </p:sp>
     </p:spTree>
     <p:extLst>
       <p:ext uri="{BB962C8B-B14F-4D97-AF65-F5344CB8AC3E}">
-        <p14:creationId xmlns:p14="http://schemas.microsoft.com/office/powerpoint/2010/main" val="84480270"/>
+        <p14:creationId xmlns:p14="http://schemas.microsoft.com/office/powerpoint/2010/main" val="2052535345"/>
       </p:ext>
     </p:extLst>
   </p:cSld>
